--- a/Report/汇总报告.pptx
+++ b/Report/汇总报告.pptx
@@ -14,13 +14,15 @@
     <p:sldId id="264" r:id="rId8"/>
     <p:sldId id="263" r:id="rId9"/>
     <p:sldId id="267" r:id="rId10"/>
-    <p:sldId id="259" r:id="rId11"/>
-    <p:sldId id="265" r:id="rId12"/>
-    <p:sldId id="258" r:id="rId13"/>
-    <p:sldId id="270" r:id="rId14"/>
+    <p:sldId id="270" r:id="rId11"/>
+    <p:sldId id="259" r:id="rId12"/>
+    <p:sldId id="265" r:id="rId13"/>
+    <p:sldId id="274" r:id="rId14"/>
     <p:sldId id="271" r:id="rId15"/>
-    <p:sldId id="272" r:id="rId16"/>
-    <p:sldId id="273" r:id="rId17"/>
+    <p:sldId id="258" r:id="rId16"/>
+    <p:sldId id="275" r:id="rId17"/>
+    <p:sldId id="272" r:id="rId18"/>
+    <p:sldId id="273" r:id="rId19"/>
   </p:sldIdLst>
   <p:sldSz cx="12192000" cy="6858000"/>
   <p:notesSz cx="6858000" cy="9144000"/>
@@ -274,7 +276,7 @@
           <a:p>
             <a:fld id="{517B7516-F1BE-4132-A57F-1F7122AAACF9}" type="datetimeFigureOut">
               <a:rPr lang="zh-CN" altLang="en-US" smtClean="0"/>
-              <a:t>2019/6/10</a:t>
+              <a:t>2019/6/11</a:t>
             </a:fld>
             <a:endParaRPr lang="zh-CN" altLang="en-US"/>
           </a:p>
@@ -472,7 +474,7 @@
           <a:p>
             <a:fld id="{517B7516-F1BE-4132-A57F-1F7122AAACF9}" type="datetimeFigureOut">
               <a:rPr lang="zh-CN" altLang="en-US" smtClean="0"/>
-              <a:t>2019/6/10</a:t>
+              <a:t>2019/6/11</a:t>
             </a:fld>
             <a:endParaRPr lang="zh-CN" altLang="en-US"/>
           </a:p>
@@ -680,7 +682,7 @@
           <a:p>
             <a:fld id="{517B7516-F1BE-4132-A57F-1F7122AAACF9}" type="datetimeFigureOut">
               <a:rPr lang="zh-CN" altLang="en-US" smtClean="0"/>
-              <a:t>2019/6/10</a:t>
+              <a:t>2019/6/11</a:t>
             </a:fld>
             <a:endParaRPr lang="zh-CN" altLang="en-US"/>
           </a:p>
@@ -878,7 +880,7 @@
           <a:p>
             <a:fld id="{517B7516-F1BE-4132-A57F-1F7122AAACF9}" type="datetimeFigureOut">
               <a:rPr lang="zh-CN" altLang="en-US" smtClean="0"/>
-              <a:t>2019/6/10</a:t>
+              <a:t>2019/6/11</a:t>
             </a:fld>
             <a:endParaRPr lang="zh-CN" altLang="en-US"/>
           </a:p>
@@ -1153,7 +1155,7 @@
           <a:p>
             <a:fld id="{517B7516-F1BE-4132-A57F-1F7122AAACF9}" type="datetimeFigureOut">
               <a:rPr lang="zh-CN" altLang="en-US" smtClean="0"/>
-              <a:t>2019/6/10</a:t>
+              <a:t>2019/6/11</a:t>
             </a:fld>
             <a:endParaRPr lang="zh-CN" altLang="en-US"/>
           </a:p>
@@ -1418,7 +1420,7 @@
           <a:p>
             <a:fld id="{517B7516-F1BE-4132-A57F-1F7122AAACF9}" type="datetimeFigureOut">
               <a:rPr lang="zh-CN" altLang="en-US" smtClean="0"/>
-              <a:t>2019/6/10</a:t>
+              <a:t>2019/6/11</a:t>
             </a:fld>
             <a:endParaRPr lang="zh-CN" altLang="en-US"/>
           </a:p>
@@ -1830,7 +1832,7 @@
           <a:p>
             <a:fld id="{517B7516-F1BE-4132-A57F-1F7122AAACF9}" type="datetimeFigureOut">
               <a:rPr lang="zh-CN" altLang="en-US" smtClean="0"/>
-              <a:t>2019/6/10</a:t>
+              <a:t>2019/6/11</a:t>
             </a:fld>
             <a:endParaRPr lang="zh-CN" altLang="en-US"/>
           </a:p>
@@ -1971,7 +1973,7 @@
           <a:p>
             <a:fld id="{517B7516-F1BE-4132-A57F-1F7122AAACF9}" type="datetimeFigureOut">
               <a:rPr lang="zh-CN" altLang="en-US" smtClean="0"/>
-              <a:t>2019/6/10</a:t>
+              <a:t>2019/6/11</a:t>
             </a:fld>
             <a:endParaRPr lang="zh-CN" altLang="en-US"/>
           </a:p>
@@ -2084,7 +2086,7 @@
           <a:p>
             <a:fld id="{517B7516-F1BE-4132-A57F-1F7122AAACF9}" type="datetimeFigureOut">
               <a:rPr lang="zh-CN" altLang="en-US" smtClean="0"/>
-              <a:t>2019/6/10</a:t>
+              <a:t>2019/6/11</a:t>
             </a:fld>
             <a:endParaRPr lang="zh-CN" altLang="en-US"/>
           </a:p>
@@ -2395,7 +2397,7 @@
           <a:p>
             <a:fld id="{517B7516-F1BE-4132-A57F-1F7122AAACF9}" type="datetimeFigureOut">
               <a:rPr lang="zh-CN" altLang="en-US" smtClean="0"/>
-              <a:t>2019/6/10</a:t>
+              <a:t>2019/6/11</a:t>
             </a:fld>
             <a:endParaRPr lang="zh-CN" altLang="en-US"/>
           </a:p>
@@ -2683,7 +2685,7 @@
           <a:p>
             <a:fld id="{517B7516-F1BE-4132-A57F-1F7122AAACF9}" type="datetimeFigureOut">
               <a:rPr lang="zh-CN" altLang="en-US" smtClean="0"/>
-              <a:t>2019/6/10</a:t>
+              <a:t>2019/6/11</a:t>
             </a:fld>
             <a:endParaRPr lang="zh-CN" altLang="en-US"/>
           </a:p>
@@ -2924,7 +2926,7 @@
           <a:p>
             <a:fld id="{517B7516-F1BE-4132-A57F-1F7122AAACF9}" type="datetimeFigureOut">
               <a:rPr lang="zh-CN" altLang="en-US" smtClean="0"/>
-              <a:t>2019/6/10</a:t>
+              <a:t>2019/6/11</a:t>
             </a:fld>
             <a:endParaRPr lang="zh-CN" altLang="en-US"/>
           </a:p>
@@ -3439,6 +3441,96 @@
           <a:chExt cx="0" cy="0"/>
         </a:xfrm>
       </p:grpSpPr>
+      <p:pic>
+        <p:nvPicPr>
+          <p:cNvPr id="3" name="图片 2">
+            <a:extLst>
+              <a:ext uri="{FF2B5EF4-FFF2-40B4-BE49-F238E27FC236}">
+                <a16:creationId xmlns:a16="http://schemas.microsoft.com/office/drawing/2014/main" id="{75B897E3-7BC8-4EA2-A00B-AB5075C2F12D}"/>
+              </a:ext>
+            </a:extLst>
+          </p:cNvPr>
+          <p:cNvPicPr>
+            <a:picLocks noChangeAspect="1"/>
+          </p:cNvPicPr>
+          <p:nvPr/>
+        </p:nvPicPr>
+        <p:blipFill>
+          <a:blip r:embed="rId2"/>
+          <a:stretch>
+            <a:fillRect/>
+          </a:stretch>
+        </p:blipFill>
+        <p:spPr>
+          <a:xfrm>
+            <a:off x="0" y="231828"/>
+            <a:ext cx="12192000" cy="6394343"/>
+          </a:xfrm>
+          <a:prstGeom prst="rect">
+            <a:avLst/>
+          </a:prstGeom>
+        </p:spPr>
+      </p:pic>
+      <p:pic>
+        <p:nvPicPr>
+          <p:cNvPr id="4" name="图片 3">
+            <a:extLst>
+              <a:ext uri="{FF2B5EF4-FFF2-40B4-BE49-F238E27FC236}">
+                <a16:creationId xmlns:a16="http://schemas.microsoft.com/office/drawing/2014/main" id="{A2BB1D30-EB8F-4016-A355-469AF75784EB}"/>
+              </a:ext>
+            </a:extLst>
+          </p:cNvPr>
+          <p:cNvPicPr>
+            <a:picLocks noChangeAspect="1"/>
+          </p:cNvPicPr>
+          <p:nvPr/>
+        </p:nvPicPr>
+        <p:blipFill>
+          <a:blip r:embed="rId3"/>
+          <a:stretch>
+            <a:fillRect/>
+          </a:stretch>
+        </p:blipFill>
+        <p:spPr>
+          <a:xfrm>
+            <a:off x="5891741" y="1710266"/>
+            <a:ext cx="5810250" cy="2286000"/>
+          </a:xfrm>
+          <a:prstGeom prst="rect">
+            <a:avLst/>
+          </a:prstGeom>
+        </p:spPr>
+      </p:pic>
+    </p:spTree>
+    <p:extLst>
+      <p:ext uri="{BB962C8B-B14F-4D97-AF65-F5344CB8AC3E}">
+        <p14:creationId xmlns:p14="http://schemas.microsoft.com/office/powerpoint/2010/main" val="1293064261"/>
+      </p:ext>
+    </p:extLst>
+  </p:cSld>
+  <p:clrMapOvr>
+    <a:masterClrMapping/>
+  </p:clrMapOvr>
+</p:sld>
+</file>
+
+<file path=ppt/slides/slide11.xml><?xml version="1.0" encoding="utf-8"?>
+<p:sld xmlns:a="http://schemas.openxmlformats.org/drawingml/2006/main" xmlns:r="http://schemas.openxmlformats.org/officeDocument/2006/relationships" xmlns:p="http://schemas.openxmlformats.org/presentationml/2006/main">
+  <p:cSld>
+    <p:spTree>
+      <p:nvGrpSpPr>
+        <p:cNvPr id="1" name=""/>
+        <p:cNvGrpSpPr/>
+        <p:nvPr/>
+      </p:nvGrpSpPr>
+      <p:grpSpPr>
+        <a:xfrm>
+          <a:off x="0" y="0"/>
+          <a:ext cx="0" cy="0"/>
+          <a:chOff x="0" y="0"/>
+          <a:chExt cx="0" cy="0"/>
+        </a:xfrm>
+      </p:grpSpPr>
       <p:sp>
         <p:nvSpPr>
           <p:cNvPr id="4" name="Rectangle 5">
@@ -3662,7 +3754,7 @@
 </p:sld>
 </file>
 
-<file path=ppt/slides/slide11.xml><?xml version="1.0" encoding="utf-8"?>
+<file path=ppt/slides/slide12.xml><?xml version="1.0" encoding="utf-8"?>
 <p:sld xmlns:a="http://schemas.openxmlformats.org/drawingml/2006/main" xmlns:r="http://schemas.openxmlformats.org/officeDocument/2006/relationships" xmlns:p="http://schemas.openxmlformats.org/presentationml/2006/main">
   <p:cSld>
     <p:spTree>
@@ -4031,175 +4123,6 @@
     <p:extLst>
       <p:ext uri="{BB962C8B-B14F-4D97-AF65-F5344CB8AC3E}">
         <p14:creationId xmlns:p14="http://schemas.microsoft.com/office/powerpoint/2010/main" val="868248692"/>
-      </p:ext>
-    </p:extLst>
-  </p:cSld>
-  <p:clrMapOvr>
-    <a:masterClrMapping/>
-  </p:clrMapOvr>
-</p:sld>
-</file>
-
-<file path=ppt/slides/slide12.xml><?xml version="1.0" encoding="utf-8"?>
-<p:sld xmlns:a="http://schemas.openxmlformats.org/drawingml/2006/main" xmlns:r="http://schemas.openxmlformats.org/officeDocument/2006/relationships" xmlns:p="http://schemas.openxmlformats.org/presentationml/2006/main">
-  <p:cSld>
-    <p:spTree>
-      <p:nvGrpSpPr>
-        <p:cNvPr id="1" name=""/>
-        <p:cNvGrpSpPr/>
-        <p:nvPr/>
-      </p:nvGrpSpPr>
-      <p:grpSpPr>
-        <a:xfrm>
-          <a:off x="0" y="0"/>
-          <a:ext cx="0" cy="0"/>
-          <a:chOff x="0" y="0"/>
-          <a:chExt cx="0" cy="0"/>
-        </a:xfrm>
-      </p:grpSpPr>
-      <p:sp>
-        <p:nvSpPr>
-          <p:cNvPr id="10" name="标题 3">
-            <a:extLst>
-              <a:ext uri="{FF2B5EF4-FFF2-40B4-BE49-F238E27FC236}">
-                <a16:creationId xmlns:a16="http://schemas.microsoft.com/office/drawing/2014/main" id="{5BB9631D-0411-4372-8924-23DFE7925311}"/>
-              </a:ext>
-            </a:extLst>
-          </p:cNvPr>
-          <p:cNvSpPr txBox="1">
-            <a:spLocks/>
-          </p:cNvSpPr>
-          <p:nvPr/>
-        </p:nvSpPr>
-        <p:spPr>
-          <a:xfrm>
-            <a:off x="0" y="0"/>
-            <a:ext cx="9430327" cy="5661344"/>
-          </a:xfrm>
-          <a:prstGeom prst="rect">
-            <a:avLst/>
-          </a:prstGeom>
-        </p:spPr>
-        <p:txBody>
-          <a:bodyPr/>
-          <a:lstStyle>
-            <a:lvl1pPr algn="l" defTabSz="914400" rtl="0" eaLnBrk="1" latinLnBrk="0" hangingPunct="1">
-              <a:lnSpc>
-                <a:spcPct val="90000"/>
-              </a:lnSpc>
-              <a:spcBef>
-                <a:spcPct val="0"/>
-              </a:spcBef>
-              <a:buNone/>
-              <a:defRPr sz="4400" kern="1200">
-                <a:solidFill>
-                  <a:schemeClr val="tx1"/>
-                </a:solidFill>
-                <a:latin typeface="+mj-lt"/>
-                <a:ea typeface="+mj-ea"/>
-                <a:cs typeface="+mj-cs"/>
-              </a:defRPr>
-            </a:lvl1pPr>
-          </a:lstStyle>
-          <a:p>
-            <a:r>
-              <a:rPr lang="zh-CN" altLang="en-US" b="1" dirty="0"/>
-              <a:t>第二篇论文的创新点</a:t>
-            </a:r>
-            <a:endParaRPr lang="en-US" altLang="zh-CN" b="1" dirty="0"/>
-          </a:p>
-          <a:p>
-            <a:endParaRPr lang="en-US" altLang="zh-CN" sz="2800" b="1" dirty="0">
-              <a:latin typeface="+mn-lt"/>
-              <a:ea typeface="+mn-ea"/>
-            </a:endParaRPr>
-          </a:p>
-          <a:p>
-            <a:r>
-              <a:rPr lang="en-US" altLang="zh-CN" sz="2800" dirty="0">
-                <a:latin typeface="+mn-lt"/>
-                <a:ea typeface="+mn-ea"/>
-              </a:rPr>
-              <a:t>SSDBN</a:t>
-            </a:r>
-            <a:r>
-              <a:rPr lang="zh-CN" altLang="en-US" sz="2800" dirty="0">
-                <a:latin typeface="+mn-lt"/>
-                <a:ea typeface="+mn-ea"/>
-              </a:rPr>
-              <a:t>优化了</a:t>
-            </a:r>
-            <a:r>
-              <a:rPr lang="en-US" altLang="zh-CN" sz="2800" dirty="0">
-                <a:latin typeface="+mn-lt"/>
-                <a:ea typeface="+mn-ea"/>
-              </a:rPr>
-              <a:t>DBN</a:t>
-            </a:r>
-            <a:r>
-              <a:rPr lang="zh-CN" altLang="en-US" sz="2800" dirty="0">
-                <a:latin typeface="+mn-lt"/>
-                <a:ea typeface="+mn-ea"/>
-              </a:rPr>
-              <a:t>结构，引入了监督学习。</a:t>
-            </a:r>
-            <a:endParaRPr lang="en-US" altLang="zh-CN" sz="2800" dirty="0">
-              <a:latin typeface="+mn-lt"/>
-              <a:ea typeface="+mn-ea"/>
-            </a:endParaRPr>
-          </a:p>
-          <a:p>
-            <a:endParaRPr lang="en-US" altLang="zh-CN" sz="2800" dirty="0">
-              <a:latin typeface="+mn-lt"/>
-              <a:ea typeface="+mn-ea"/>
-            </a:endParaRPr>
-          </a:p>
-          <a:p>
-            <a:r>
-              <a:rPr lang="zh-CN" altLang="en-US" sz="2800" dirty="0">
-                <a:latin typeface="+mn-lt"/>
-                <a:ea typeface="+mn-ea"/>
-              </a:rPr>
-              <a:t>使用到了奇异值分解，从中提取出重要的特征。</a:t>
-            </a:r>
-            <a:endParaRPr lang="en-US" altLang="zh-CN" dirty="0"/>
-          </a:p>
-        </p:txBody>
-      </p:sp>
-      <p:pic>
-        <p:nvPicPr>
-          <p:cNvPr id="5" name="图片 4">
-            <a:extLst>
-              <a:ext uri="{FF2B5EF4-FFF2-40B4-BE49-F238E27FC236}">
-                <a16:creationId xmlns:a16="http://schemas.microsoft.com/office/drawing/2014/main" id="{5015FEA0-4EF4-429C-A628-47B73B0F9136}"/>
-              </a:ext>
-            </a:extLst>
-          </p:cNvPr>
-          <p:cNvPicPr>
-            <a:picLocks noChangeAspect="1"/>
-          </p:cNvPicPr>
-          <p:nvPr/>
-        </p:nvPicPr>
-        <p:blipFill>
-          <a:blip r:embed="rId2"/>
-          <a:stretch>
-            <a:fillRect/>
-          </a:stretch>
-        </p:blipFill>
-        <p:spPr>
-          <a:xfrm>
-            <a:off x="8222962" y="895380"/>
-            <a:ext cx="4034187" cy="5067240"/>
-          </a:xfrm>
-          <a:prstGeom prst="rect">
-            <a:avLst/>
-          </a:prstGeom>
-        </p:spPr>
-      </p:pic>
-    </p:spTree>
-    <p:extLst>
-      <p:ext uri="{BB962C8B-B14F-4D97-AF65-F5344CB8AC3E}">
-        <p14:creationId xmlns:p14="http://schemas.microsoft.com/office/powerpoint/2010/main" val="2939957524"/>
       </p:ext>
     </p:extLst>
   </p:cSld>
@@ -4226,40 +4149,10 @@
           <a:chExt cx="0" cy="0"/>
         </a:xfrm>
       </p:grpSpPr>
-      <p:pic>
-        <p:nvPicPr>
-          <p:cNvPr id="2" name="图片 1">
-            <a:extLst>
-              <a:ext uri="{FF2B5EF4-FFF2-40B4-BE49-F238E27FC236}">
-                <a16:creationId xmlns:a16="http://schemas.microsoft.com/office/drawing/2014/main" id="{125DCB36-238A-45E3-B722-B33617E34AD8}"/>
-              </a:ext>
-            </a:extLst>
-          </p:cNvPr>
-          <p:cNvPicPr>
-            <a:picLocks noChangeAspect="1"/>
-          </p:cNvPicPr>
-          <p:nvPr/>
-        </p:nvPicPr>
-        <p:blipFill>
-          <a:blip r:embed="rId2"/>
-          <a:stretch>
-            <a:fillRect/>
-          </a:stretch>
-        </p:blipFill>
-        <p:spPr>
-          <a:xfrm>
-            <a:off x="0" y="0"/>
-            <a:ext cx="12192000" cy="6858000"/>
-          </a:xfrm>
-          <a:prstGeom prst="rect">
-            <a:avLst/>
-          </a:prstGeom>
-        </p:spPr>
-      </p:pic>
     </p:spTree>
     <p:extLst>
       <p:ext uri="{BB962C8B-B14F-4D97-AF65-F5344CB8AC3E}">
-        <p14:creationId xmlns:p14="http://schemas.microsoft.com/office/powerpoint/2010/main" val="1293064261"/>
+        <p14:creationId xmlns:p14="http://schemas.microsoft.com/office/powerpoint/2010/main" val="1036589176"/>
       </p:ext>
     </p:extLst>
   </p:cSld>
@@ -4346,12 +4239,121 @@
           <a:chExt cx="0" cy="0"/>
         </a:xfrm>
       </p:grpSpPr>
+      <p:sp>
+        <p:nvSpPr>
+          <p:cNvPr id="10" name="标题 3">
+            <a:extLst>
+              <a:ext uri="{FF2B5EF4-FFF2-40B4-BE49-F238E27FC236}">
+                <a16:creationId xmlns:a16="http://schemas.microsoft.com/office/drawing/2014/main" id="{5BB9631D-0411-4372-8924-23DFE7925311}"/>
+              </a:ext>
+            </a:extLst>
+          </p:cNvPr>
+          <p:cNvSpPr txBox="1">
+            <a:spLocks/>
+          </p:cNvSpPr>
+          <p:nvPr/>
+        </p:nvSpPr>
+        <p:spPr>
+          <a:xfrm>
+            <a:off x="0" y="0"/>
+            <a:ext cx="9430327" cy="5661344"/>
+          </a:xfrm>
+          <a:prstGeom prst="rect">
+            <a:avLst/>
+          </a:prstGeom>
+        </p:spPr>
+        <p:txBody>
+          <a:bodyPr/>
+          <a:lstStyle>
+            <a:lvl1pPr algn="l" defTabSz="914400" rtl="0" eaLnBrk="1" latinLnBrk="0" hangingPunct="1">
+              <a:lnSpc>
+                <a:spcPct val="90000"/>
+              </a:lnSpc>
+              <a:spcBef>
+                <a:spcPct val="0"/>
+              </a:spcBef>
+              <a:buNone/>
+              <a:defRPr sz="4400" kern="1200">
+                <a:solidFill>
+                  <a:schemeClr val="tx1"/>
+                </a:solidFill>
+                <a:latin typeface="+mj-lt"/>
+                <a:ea typeface="+mj-ea"/>
+                <a:cs typeface="+mj-cs"/>
+              </a:defRPr>
+            </a:lvl1pPr>
+          </a:lstStyle>
+          <a:p>
+            <a:r>
+              <a:rPr lang="zh-CN" altLang="en-US" b="1" dirty="0"/>
+              <a:t>第二篇论文的创新点</a:t>
+            </a:r>
+            <a:endParaRPr lang="en-US" altLang="zh-CN" b="1" dirty="0"/>
+          </a:p>
+          <a:p>
+            <a:endParaRPr lang="en-US" altLang="zh-CN" sz="2800" b="1" dirty="0">
+              <a:latin typeface="+mn-lt"/>
+              <a:ea typeface="+mn-ea"/>
+            </a:endParaRPr>
+          </a:p>
+          <a:p>
+            <a:r>
+              <a:rPr lang="en-US" altLang="zh-CN" sz="2800" dirty="0">
+                <a:latin typeface="+mn-lt"/>
+                <a:ea typeface="+mn-ea"/>
+              </a:rPr>
+              <a:t>SSDBN</a:t>
+            </a:r>
+            <a:r>
+              <a:rPr lang="zh-CN" altLang="en-US" sz="2800" dirty="0">
+                <a:latin typeface="+mn-lt"/>
+                <a:ea typeface="+mn-ea"/>
+              </a:rPr>
+              <a:t>优化了</a:t>
+            </a:r>
+            <a:r>
+              <a:rPr lang="en-US" altLang="zh-CN" sz="2800" dirty="0">
+                <a:latin typeface="+mn-lt"/>
+                <a:ea typeface="+mn-ea"/>
+              </a:rPr>
+              <a:t>DBN</a:t>
+            </a:r>
+            <a:r>
+              <a:rPr lang="zh-CN" altLang="en-US" sz="2800" dirty="0">
+                <a:latin typeface="+mn-lt"/>
+                <a:ea typeface="+mn-ea"/>
+              </a:rPr>
+              <a:t>结构，引入了监督学习。</a:t>
+            </a:r>
+            <a:endParaRPr lang="en-US" altLang="zh-CN" sz="2800" dirty="0">
+              <a:latin typeface="+mn-lt"/>
+              <a:ea typeface="+mn-ea"/>
+            </a:endParaRPr>
+          </a:p>
+          <a:p>
+            <a:endParaRPr lang="en-US" altLang="zh-CN" sz="2800" dirty="0">
+              <a:latin typeface="+mn-lt"/>
+              <a:ea typeface="+mn-ea"/>
+            </a:endParaRPr>
+          </a:p>
+          <a:p>
+            <a:r>
+              <a:rPr lang="zh-CN" altLang="en-US" sz="2800" dirty="0">
+                <a:latin typeface="+mn-lt"/>
+                <a:ea typeface="+mn-ea"/>
+              </a:rPr>
+              <a:t>使用到了奇异值分解，从中提取出重要的特征。</a:t>
+            </a:r>
+            <a:endParaRPr lang="en-US" altLang="zh-CN" dirty="0"/>
+          </a:p>
+        </p:txBody>
+      </p:sp>
       <p:pic>
         <p:nvPicPr>
-          <p:cNvPr id="2" name="图片 1">
-            <a:extLst>
-              <a:ext uri="{FF2B5EF4-FFF2-40B4-BE49-F238E27FC236}">
-                <a16:creationId xmlns:a16="http://schemas.microsoft.com/office/drawing/2014/main" id="{0674C54C-B036-4AD2-BE34-2E534901186A}"/>
+          <p:cNvPr id="5" name="图片 4">
+            <a:extLst>
+              <a:ext uri="{FF2B5EF4-FFF2-40B4-BE49-F238E27FC236}">
+                <a16:creationId xmlns:a16="http://schemas.microsoft.com/office/drawing/2014/main" id="{5015FEA0-4EF4-429C-A628-47B73B0F9136}"/>
               </a:ext>
             </a:extLst>
           </p:cNvPr>
@@ -4368,8 +4370,8 @@
         </p:blipFill>
         <p:spPr>
           <a:xfrm>
-            <a:off x="0" y="0"/>
-            <a:ext cx="12192000" cy="6858000"/>
+            <a:off x="8222962" y="895380"/>
+            <a:ext cx="4034187" cy="5067240"/>
           </a:xfrm>
           <a:prstGeom prst="rect">
             <a:avLst/>
@@ -4379,7 +4381,7 @@
     </p:spTree>
     <p:extLst>
       <p:ext uri="{BB962C8B-B14F-4D97-AF65-F5344CB8AC3E}">
-        <p14:creationId xmlns:p14="http://schemas.microsoft.com/office/powerpoint/2010/main" val="310162701"/>
+        <p14:creationId xmlns:p14="http://schemas.microsoft.com/office/powerpoint/2010/main" val="2939957524"/>
       </p:ext>
     </p:extLst>
   </p:cSld>
@@ -4406,12 +4408,42 @@
           <a:chExt cx="0" cy="0"/>
         </a:xfrm>
       </p:grpSpPr>
+    </p:spTree>
+    <p:extLst>
+      <p:ext uri="{BB962C8B-B14F-4D97-AF65-F5344CB8AC3E}">
+        <p14:creationId xmlns:p14="http://schemas.microsoft.com/office/powerpoint/2010/main" val="3857720819"/>
+      </p:ext>
+    </p:extLst>
+  </p:cSld>
+  <p:clrMapOvr>
+    <a:masterClrMapping/>
+  </p:clrMapOvr>
+</p:sld>
+</file>
+
+<file path=ppt/slides/slide17.xml><?xml version="1.0" encoding="utf-8"?>
+<p:sld xmlns:a="http://schemas.openxmlformats.org/drawingml/2006/main" xmlns:r="http://schemas.openxmlformats.org/officeDocument/2006/relationships" xmlns:p="http://schemas.openxmlformats.org/presentationml/2006/main">
+  <p:cSld>
+    <p:spTree>
+      <p:nvGrpSpPr>
+        <p:cNvPr id="1" name=""/>
+        <p:cNvGrpSpPr/>
+        <p:nvPr/>
+      </p:nvGrpSpPr>
+      <p:grpSpPr>
+        <a:xfrm>
+          <a:off x="0" y="0"/>
+          <a:ext cx="0" cy="0"/>
+          <a:chOff x="0" y="0"/>
+          <a:chExt cx="0" cy="0"/>
+        </a:xfrm>
+      </p:grpSpPr>
       <p:pic>
         <p:nvPicPr>
-          <p:cNvPr id="2" name="图片 1">
-            <a:extLst>
-              <a:ext uri="{FF2B5EF4-FFF2-40B4-BE49-F238E27FC236}">
-                <a16:creationId xmlns:a16="http://schemas.microsoft.com/office/drawing/2014/main" id="{A0C5CCB2-F191-4F8D-83CB-9EE7647E3B75}"/>
+          <p:cNvPr id="3" name="图片 2">
+            <a:extLst>
+              <a:ext uri="{FF2B5EF4-FFF2-40B4-BE49-F238E27FC236}">
+                <a16:creationId xmlns:a16="http://schemas.microsoft.com/office/drawing/2014/main" id="{7F975F8D-5BF4-4380-B125-D0B93BC14036}"/>
               </a:ext>
             </a:extLst>
           </p:cNvPr>
@@ -4428,8 +4460,98 @@
         </p:blipFill>
         <p:spPr>
           <a:xfrm>
-            <a:off x="-1" y="0"/>
-            <a:ext cx="12192001" cy="6858000"/>
+            <a:off x="0" y="332267"/>
+            <a:ext cx="12192000" cy="6193465"/>
+          </a:xfrm>
+          <a:prstGeom prst="rect">
+            <a:avLst/>
+          </a:prstGeom>
+        </p:spPr>
+      </p:pic>
+      <p:pic>
+        <p:nvPicPr>
+          <p:cNvPr id="4" name="图片 3">
+            <a:extLst>
+              <a:ext uri="{FF2B5EF4-FFF2-40B4-BE49-F238E27FC236}">
+                <a16:creationId xmlns:a16="http://schemas.microsoft.com/office/drawing/2014/main" id="{8E899C0A-9D2B-4D47-908D-EDFEFD37A329}"/>
+              </a:ext>
+            </a:extLst>
+          </p:cNvPr>
+          <p:cNvPicPr>
+            <a:picLocks noChangeAspect="1"/>
+          </p:cNvPicPr>
+          <p:nvPr/>
+        </p:nvPicPr>
+        <p:blipFill>
+          <a:blip r:embed="rId3"/>
+          <a:stretch>
+            <a:fillRect/>
+          </a:stretch>
+        </p:blipFill>
+        <p:spPr>
+          <a:xfrm>
+            <a:off x="6821487" y="1891290"/>
+            <a:ext cx="4848225" cy="1819275"/>
+          </a:xfrm>
+          <a:prstGeom prst="rect">
+            <a:avLst/>
+          </a:prstGeom>
+        </p:spPr>
+      </p:pic>
+    </p:spTree>
+    <p:extLst>
+      <p:ext uri="{BB962C8B-B14F-4D97-AF65-F5344CB8AC3E}">
+        <p14:creationId xmlns:p14="http://schemas.microsoft.com/office/powerpoint/2010/main" val="310162701"/>
+      </p:ext>
+    </p:extLst>
+  </p:cSld>
+  <p:clrMapOvr>
+    <a:masterClrMapping/>
+  </p:clrMapOvr>
+</p:sld>
+</file>
+
+<file path=ppt/slides/slide18.xml><?xml version="1.0" encoding="utf-8"?>
+<p:sld xmlns:a="http://schemas.openxmlformats.org/drawingml/2006/main" xmlns:r="http://schemas.openxmlformats.org/officeDocument/2006/relationships" xmlns:p="http://schemas.openxmlformats.org/presentationml/2006/main">
+  <p:cSld>
+    <p:spTree>
+      <p:nvGrpSpPr>
+        <p:cNvPr id="1" name=""/>
+        <p:cNvGrpSpPr/>
+        <p:nvPr/>
+      </p:nvGrpSpPr>
+      <p:grpSpPr>
+        <a:xfrm>
+          <a:off x="0" y="0"/>
+          <a:ext cx="0" cy="0"/>
+          <a:chOff x="0" y="0"/>
+          <a:chExt cx="0" cy="0"/>
+        </a:xfrm>
+      </p:grpSpPr>
+      <p:pic>
+        <p:nvPicPr>
+          <p:cNvPr id="3" name="图片 2">
+            <a:extLst>
+              <a:ext uri="{FF2B5EF4-FFF2-40B4-BE49-F238E27FC236}">
+                <a16:creationId xmlns:a16="http://schemas.microsoft.com/office/drawing/2014/main" id="{62A1F1C9-F4C2-4C8B-BB0D-FFB738FC26F0}"/>
+              </a:ext>
+            </a:extLst>
+          </p:cNvPr>
+          <p:cNvPicPr>
+            <a:picLocks noChangeAspect="1"/>
+          </p:cNvPicPr>
+          <p:nvPr/>
+        </p:nvPicPr>
+        <p:blipFill>
+          <a:blip r:embed="rId2"/>
+          <a:stretch>
+            <a:fillRect/>
+          </a:stretch>
+        </p:blipFill>
+        <p:spPr>
+          <a:xfrm>
+            <a:off x="0" y="271818"/>
+            <a:ext cx="12192000" cy="6314364"/>
           </a:xfrm>
           <a:prstGeom prst="rect">
             <a:avLst/>

--- a/Report/汇总报告.pptx
+++ b/Report/汇总报告.pptx
@@ -4149,6 +4149,66 @@
           <a:chExt cx="0" cy="0"/>
         </a:xfrm>
       </p:grpSpPr>
+      <p:pic>
+        <p:nvPicPr>
+          <p:cNvPr id="3" name="图片 2">
+            <a:extLst>
+              <a:ext uri="{FF2B5EF4-FFF2-40B4-BE49-F238E27FC236}">
+                <a16:creationId xmlns:a16="http://schemas.microsoft.com/office/drawing/2014/main" id="{F295B888-9C02-4390-8360-582D56FA831E}"/>
+              </a:ext>
+            </a:extLst>
+          </p:cNvPr>
+          <p:cNvPicPr>
+            <a:picLocks noChangeAspect="1"/>
+          </p:cNvPicPr>
+          <p:nvPr/>
+        </p:nvPicPr>
+        <p:blipFill>
+          <a:blip r:embed="rId2"/>
+          <a:stretch>
+            <a:fillRect/>
+          </a:stretch>
+        </p:blipFill>
+        <p:spPr>
+          <a:xfrm>
+            <a:off x="0" y="231507"/>
+            <a:ext cx="12192000" cy="6394986"/>
+          </a:xfrm>
+          <a:prstGeom prst="rect">
+            <a:avLst/>
+          </a:prstGeom>
+        </p:spPr>
+      </p:pic>
+      <p:pic>
+        <p:nvPicPr>
+          <p:cNvPr id="4" name="图片 3">
+            <a:extLst>
+              <a:ext uri="{FF2B5EF4-FFF2-40B4-BE49-F238E27FC236}">
+                <a16:creationId xmlns:a16="http://schemas.microsoft.com/office/drawing/2014/main" id="{0BB1ECD6-F224-4576-BBEC-7E91AFFA54D0}"/>
+              </a:ext>
+            </a:extLst>
+          </p:cNvPr>
+          <p:cNvPicPr>
+            <a:picLocks noChangeAspect="1"/>
+          </p:cNvPicPr>
+          <p:nvPr/>
+        </p:nvPicPr>
+        <p:blipFill>
+          <a:blip r:embed="rId3"/>
+          <a:stretch>
+            <a:fillRect/>
+          </a:stretch>
+        </p:blipFill>
+        <p:spPr>
+          <a:xfrm>
+            <a:off x="7370185" y="1038657"/>
+            <a:ext cx="4600575" cy="2009775"/>
+          </a:xfrm>
+          <a:prstGeom prst="rect">
+            <a:avLst/>
+          </a:prstGeom>
+        </p:spPr>
+      </p:pic>
     </p:spTree>
     <p:extLst>
       <p:ext uri="{BB962C8B-B14F-4D97-AF65-F5344CB8AC3E}">
@@ -4179,36 +4239,6 @@
           <a:chExt cx="0" cy="0"/>
         </a:xfrm>
       </p:grpSpPr>
-      <p:pic>
-        <p:nvPicPr>
-          <p:cNvPr id="2" name="图片 1">
-            <a:extLst>
-              <a:ext uri="{FF2B5EF4-FFF2-40B4-BE49-F238E27FC236}">
-                <a16:creationId xmlns:a16="http://schemas.microsoft.com/office/drawing/2014/main" id="{0C4AAFA1-FD3E-4CF3-A32A-0A583D662BBD}"/>
-              </a:ext>
-            </a:extLst>
-          </p:cNvPr>
-          <p:cNvPicPr>
-            <a:picLocks noChangeAspect="1"/>
-          </p:cNvPicPr>
-          <p:nvPr/>
-        </p:nvPicPr>
-        <p:blipFill>
-          <a:blip r:embed="rId2"/>
-          <a:stretch>
-            <a:fillRect/>
-          </a:stretch>
-        </p:blipFill>
-        <p:spPr>
-          <a:xfrm>
-            <a:off x="0" y="-1"/>
-            <a:ext cx="12192000" cy="6858001"/>
-          </a:xfrm>
-          <a:prstGeom prst="rect">
-            <a:avLst/>
-          </a:prstGeom>
-        </p:spPr>
-      </p:pic>
     </p:spTree>
     <p:extLst>
       <p:ext uri="{BB962C8B-B14F-4D97-AF65-F5344CB8AC3E}">
@@ -4408,6 +4438,66 @@
           <a:chExt cx="0" cy="0"/>
         </a:xfrm>
       </p:grpSpPr>
+      <p:pic>
+        <p:nvPicPr>
+          <p:cNvPr id="2" name="图片 1">
+            <a:extLst>
+              <a:ext uri="{FF2B5EF4-FFF2-40B4-BE49-F238E27FC236}">
+                <a16:creationId xmlns:a16="http://schemas.microsoft.com/office/drawing/2014/main" id="{968F407B-CE6E-47F1-B86D-819C1596B1CD}"/>
+              </a:ext>
+            </a:extLst>
+          </p:cNvPr>
+          <p:cNvPicPr>
+            <a:picLocks noChangeAspect="1"/>
+          </p:cNvPicPr>
+          <p:nvPr/>
+        </p:nvPicPr>
+        <p:blipFill>
+          <a:blip r:embed="rId2"/>
+          <a:stretch>
+            <a:fillRect/>
+          </a:stretch>
+        </p:blipFill>
+        <p:spPr>
+          <a:xfrm>
+            <a:off x="0" y="300146"/>
+            <a:ext cx="12192000" cy="6257708"/>
+          </a:xfrm>
+          <a:prstGeom prst="rect">
+            <a:avLst/>
+          </a:prstGeom>
+        </p:spPr>
+      </p:pic>
+      <p:pic>
+        <p:nvPicPr>
+          <p:cNvPr id="3" name="图片 2">
+            <a:extLst>
+              <a:ext uri="{FF2B5EF4-FFF2-40B4-BE49-F238E27FC236}">
+                <a16:creationId xmlns:a16="http://schemas.microsoft.com/office/drawing/2014/main" id="{556A6185-9B16-495A-9A0E-19D66009145C}"/>
+              </a:ext>
+            </a:extLst>
+          </p:cNvPr>
+          <p:cNvPicPr>
+            <a:picLocks noChangeAspect="1"/>
+          </p:cNvPicPr>
+          <p:nvPr/>
+        </p:nvPicPr>
+        <p:blipFill>
+          <a:blip r:embed="rId3"/>
+          <a:stretch>
+            <a:fillRect/>
+          </a:stretch>
+        </p:blipFill>
+        <p:spPr>
+          <a:xfrm>
+            <a:off x="5310909" y="2059708"/>
+            <a:ext cx="5385374" cy="3620861"/>
+          </a:xfrm>
+          <a:prstGeom prst="rect">
+            <a:avLst/>
+          </a:prstGeom>
+        </p:spPr>
+      </p:pic>
     </p:spTree>
     <p:extLst>
       <p:ext uri="{BB962C8B-B14F-4D97-AF65-F5344CB8AC3E}">
@@ -4440,10 +4530,10 @@
       </p:grpSpPr>
       <p:pic>
         <p:nvPicPr>
-          <p:cNvPr id="3" name="图片 2">
-            <a:extLst>
-              <a:ext uri="{FF2B5EF4-FFF2-40B4-BE49-F238E27FC236}">
-                <a16:creationId xmlns:a16="http://schemas.microsoft.com/office/drawing/2014/main" id="{7F975F8D-5BF4-4380-B125-D0B93BC14036}"/>
+          <p:cNvPr id="2" name="图片 1">
+            <a:extLst>
+              <a:ext uri="{FF2B5EF4-FFF2-40B4-BE49-F238E27FC236}">
+                <a16:creationId xmlns:a16="http://schemas.microsoft.com/office/drawing/2014/main" id="{0096AF4C-8C97-4362-8B3D-17E33BB2FADA}"/>
               </a:ext>
             </a:extLst>
           </p:cNvPr>
@@ -4460,8 +4550,8 @@
         </p:blipFill>
         <p:spPr>
           <a:xfrm>
-            <a:off x="0" y="332267"/>
-            <a:ext cx="12192000" cy="6193465"/>
+            <a:off x="0" y="256538"/>
+            <a:ext cx="12192000" cy="6344924"/>
           </a:xfrm>
           <a:prstGeom prst="rect">
             <a:avLst/>
@@ -4470,10 +4560,10 @@
       </p:pic>
       <p:pic>
         <p:nvPicPr>
-          <p:cNvPr id="4" name="图片 3">
-            <a:extLst>
-              <a:ext uri="{FF2B5EF4-FFF2-40B4-BE49-F238E27FC236}">
-                <a16:creationId xmlns:a16="http://schemas.microsoft.com/office/drawing/2014/main" id="{8E899C0A-9D2B-4D47-908D-EDFEFD37A329}"/>
+          <p:cNvPr id="5" name="图片 4">
+            <a:extLst>
+              <a:ext uri="{FF2B5EF4-FFF2-40B4-BE49-F238E27FC236}">
+                <a16:creationId xmlns:a16="http://schemas.microsoft.com/office/drawing/2014/main" id="{D749BBFD-964B-457D-9798-B9DDD56F78F2}"/>
               </a:ext>
             </a:extLst>
           </p:cNvPr>
@@ -4490,8 +4580,8 @@
         </p:blipFill>
         <p:spPr>
           <a:xfrm>
-            <a:off x="6821487" y="1891290"/>
-            <a:ext cx="4848225" cy="1819275"/>
+            <a:off x="6292465" y="1654592"/>
+            <a:ext cx="5324475" cy="2105025"/>
           </a:xfrm>
           <a:prstGeom prst="rect">
             <a:avLst/>
@@ -4528,36 +4618,6 @@
           <a:chExt cx="0" cy="0"/>
         </a:xfrm>
       </p:grpSpPr>
-      <p:pic>
-        <p:nvPicPr>
-          <p:cNvPr id="3" name="图片 2">
-            <a:extLst>
-              <a:ext uri="{FF2B5EF4-FFF2-40B4-BE49-F238E27FC236}">
-                <a16:creationId xmlns:a16="http://schemas.microsoft.com/office/drawing/2014/main" id="{62A1F1C9-F4C2-4C8B-BB0D-FFB738FC26F0}"/>
-              </a:ext>
-            </a:extLst>
-          </p:cNvPr>
-          <p:cNvPicPr>
-            <a:picLocks noChangeAspect="1"/>
-          </p:cNvPicPr>
-          <p:nvPr/>
-        </p:nvPicPr>
-        <p:blipFill>
-          <a:blip r:embed="rId2"/>
-          <a:stretch>
-            <a:fillRect/>
-          </a:stretch>
-        </p:blipFill>
-        <p:spPr>
-          <a:xfrm>
-            <a:off x="0" y="271818"/>
-            <a:ext cx="12192000" cy="6314364"/>
-          </a:xfrm>
-          <a:prstGeom prst="rect">
-            <a:avLst/>
-          </a:prstGeom>
-        </p:spPr>
-      </p:pic>
     </p:spTree>
     <p:extLst>
       <p:ext uri="{BB962C8B-B14F-4D97-AF65-F5344CB8AC3E}">

--- a/Report/汇总报告.pptx
+++ b/Report/汇总报告.pptx
@@ -276,7 +276,7 @@
           <a:p>
             <a:fld id="{517B7516-F1BE-4132-A57F-1F7122AAACF9}" type="datetimeFigureOut">
               <a:rPr lang="zh-CN" altLang="en-US" smtClean="0"/>
-              <a:t>2019/6/11</a:t>
+              <a:t>2019/6/12</a:t>
             </a:fld>
             <a:endParaRPr lang="zh-CN" altLang="en-US"/>
           </a:p>
@@ -474,7 +474,7 @@
           <a:p>
             <a:fld id="{517B7516-F1BE-4132-A57F-1F7122AAACF9}" type="datetimeFigureOut">
               <a:rPr lang="zh-CN" altLang="en-US" smtClean="0"/>
-              <a:t>2019/6/11</a:t>
+              <a:t>2019/6/12</a:t>
             </a:fld>
             <a:endParaRPr lang="zh-CN" altLang="en-US"/>
           </a:p>
@@ -682,7 +682,7 @@
           <a:p>
             <a:fld id="{517B7516-F1BE-4132-A57F-1F7122AAACF9}" type="datetimeFigureOut">
               <a:rPr lang="zh-CN" altLang="en-US" smtClean="0"/>
-              <a:t>2019/6/11</a:t>
+              <a:t>2019/6/12</a:t>
             </a:fld>
             <a:endParaRPr lang="zh-CN" altLang="en-US"/>
           </a:p>
@@ -880,7 +880,7 @@
           <a:p>
             <a:fld id="{517B7516-F1BE-4132-A57F-1F7122AAACF9}" type="datetimeFigureOut">
               <a:rPr lang="zh-CN" altLang="en-US" smtClean="0"/>
-              <a:t>2019/6/11</a:t>
+              <a:t>2019/6/12</a:t>
             </a:fld>
             <a:endParaRPr lang="zh-CN" altLang="en-US"/>
           </a:p>
@@ -1155,7 +1155,7 @@
           <a:p>
             <a:fld id="{517B7516-F1BE-4132-A57F-1F7122AAACF9}" type="datetimeFigureOut">
               <a:rPr lang="zh-CN" altLang="en-US" smtClean="0"/>
-              <a:t>2019/6/11</a:t>
+              <a:t>2019/6/12</a:t>
             </a:fld>
             <a:endParaRPr lang="zh-CN" altLang="en-US"/>
           </a:p>
@@ -1420,7 +1420,7 @@
           <a:p>
             <a:fld id="{517B7516-F1BE-4132-A57F-1F7122AAACF9}" type="datetimeFigureOut">
               <a:rPr lang="zh-CN" altLang="en-US" smtClean="0"/>
-              <a:t>2019/6/11</a:t>
+              <a:t>2019/6/12</a:t>
             </a:fld>
             <a:endParaRPr lang="zh-CN" altLang="en-US"/>
           </a:p>
@@ -1832,7 +1832,7 @@
           <a:p>
             <a:fld id="{517B7516-F1BE-4132-A57F-1F7122AAACF9}" type="datetimeFigureOut">
               <a:rPr lang="zh-CN" altLang="en-US" smtClean="0"/>
-              <a:t>2019/6/11</a:t>
+              <a:t>2019/6/12</a:t>
             </a:fld>
             <a:endParaRPr lang="zh-CN" altLang="en-US"/>
           </a:p>
@@ -1973,7 +1973,7 @@
           <a:p>
             <a:fld id="{517B7516-F1BE-4132-A57F-1F7122AAACF9}" type="datetimeFigureOut">
               <a:rPr lang="zh-CN" altLang="en-US" smtClean="0"/>
-              <a:t>2019/6/11</a:t>
+              <a:t>2019/6/12</a:t>
             </a:fld>
             <a:endParaRPr lang="zh-CN" altLang="en-US"/>
           </a:p>
@@ -2086,7 +2086,7 @@
           <a:p>
             <a:fld id="{517B7516-F1BE-4132-A57F-1F7122AAACF9}" type="datetimeFigureOut">
               <a:rPr lang="zh-CN" altLang="en-US" smtClean="0"/>
-              <a:t>2019/6/11</a:t>
+              <a:t>2019/6/12</a:t>
             </a:fld>
             <a:endParaRPr lang="zh-CN" altLang="en-US"/>
           </a:p>
@@ -2397,7 +2397,7 @@
           <a:p>
             <a:fld id="{517B7516-F1BE-4132-A57F-1F7122AAACF9}" type="datetimeFigureOut">
               <a:rPr lang="zh-CN" altLang="en-US" smtClean="0"/>
-              <a:t>2019/6/11</a:t>
+              <a:t>2019/6/12</a:t>
             </a:fld>
             <a:endParaRPr lang="zh-CN" altLang="en-US"/>
           </a:p>
@@ -2685,7 +2685,7 @@
           <a:p>
             <a:fld id="{517B7516-F1BE-4132-A57F-1F7122AAACF9}" type="datetimeFigureOut">
               <a:rPr lang="zh-CN" altLang="en-US" smtClean="0"/>
-              <a:t>2019/6/11</a:t>
+              <a:t>2019/6/12</a:t>
             </a:fld>
             <a:endParaRPr lang="zh-CN" altLang="en-US"/>
           </a:p>
@@ -2926,7 +2926,7 @@
           <a:p>
             <a:fld id="{517B7516-F1BE-4132-A57F-1F7122AAACF9}" type="datetimeFigureOut">
               <a:rPr lang="zh-CN" altLang="en-US" smtClean="0"/>
-              <a:t>2019/6/11</a:t>
+              <a:t>2019/6/12</a:t>
             </a:fld>
             <a:endParaRPr lang="zh-CN" altLang="en-US"/>
           </a:p>
@@ -4239,6 +4239,66 @@
           <a:chExt cx="0" cy="0"/>
         </a:xfrm>
       </p:grpSpPr>
+      <p:pic>
+        <p:nvPicPr>
+          <p:cNvPr id="3" name="图片 2">
+            <a:extLst>
+              <a:ext uri="{FF2B5EF4-FFF2-40B4-BE49-F238E27FC236}">
+                <a16:creationId xmlns:a16="http://schemas.microsoft.com/office/drawing/2014/main" id="{9CFA2048-DC45-4BC5-9C82-E169DD01EC7F}"/>
+              </a:ext>
+            </a:extLst>
+          </p:cNvPr>
+          <p:cNvPicPr>
+            <a:picLocks noChangeAspect="1"/>
+          </p:cNvPicPr>
+          <p:nvPr/>
+        </p:nvPicPr>
+        <p:blipFill>
+          <a:blip r:embed="rId2"/>
+          <a:stretch>
+            <a:fillRect/>
+          </a:stretch>
+        </p:blipFill>
+        <p:spPr>
+          <a:xfrm>
+            <a:off x="0" y="271646"/>
+            <a:ext cx="12192000" cy="6314708"/>
+          </a:xfrm>
+          <a:prstGeom prst="rect">
+            <a:avLst/>
+          </a:prstGeom>
+        </p:spPr>
+      </p:pic>
+      <p:pic>
+        <p:nvPicPr>
+          <p:cNvPr id="4" name="图片 3">
+            <a:extLst>
+              <a:ext uri="{FF2B5EF4-FFF2-40B4-BE49-F238E27FC236}">
+                <a16:creationId xmlns:a16="http://schemas.microsoft.com/office/drawing/2014/main" id="{AEF6814E-AB7A-4BF9-94E5-B322FC0B95E0}"/>
+              </a:ext>
+            </a:extLst>
+          </p:cNvPr>
+          <p:cNvPicPr>
+            <a:picLocks noChangeAspect="1"/>
+          </p:cNvPicPr>
+          <p:nvPr/>
+        </p:nvPicPr>
+        <p:blipFill>
+          <a:blip r:embed="rId3"/>
+          <a:stretch>
+            <a:fillRect/>
+          </a:stretch>
+        </p:blipFill>
+        <p:spPr>
+          <a:xfrm>
+            <a:off x="6266391" y="1414462"/>
+            <a:ext cx="5772150" cy="2352675"/>
+          </a:xfrm>
+          <a:prstGeom prst="rect">
+            <a:avLst/>
+          </a:prstGeom>
+        </p:spPr>
+      </p:pic>
     </p:spTree>
     <p:extLst>
       <p:ext uri="{BB962C8B-B14F-4D97-AF65-F5344CB8AC3E}">
@@ -4618,6 +4678,66 @@
           <a:chExt cx="0" cy="0"/>
         </a:xfrm>
       </p:grpSpPr>
+      <p:pic>
+        <p:nvPicPr>
+          <p:cNvPr id="2" name="图片 1">
+            <a:extLst>
+              <a:ext uri="{FF2B5EF4-FFF2-40B4-BE49-F238E27FC236}">
+                <a16:creationId xmlns:a16="http://schemas.microsoft.com/office/drawing/2014/main" id="{BB324C52-75BA-489A-A855-DDEB9293B032}"/>
+              </a:ext>
+            </a:extLst>
+          </p:cNvPr>
+          <p:cNvPicPr>
+            <a:picLocks noChangeAspect="1"/>
+          </p:cNvPicPr>
+          <p:nvPr/>
+        </p:nvPicPr>
+        <p:blipFill>
+          <a:blip r:embed="rId2"/>
+          <a:stretch>
+            <a:fillRect/>
+          </a:stretch>
+        </p:blipFill>
+        <p:spPr>
+          <a:xfrm>
+            <a:off x="0" y="291411"/>
+            <a:ext cx="12192000" cy="6275177"/>
+          </a:xfrm>
+          <a:prstGeom prst="rect">
+            <a:avLst/>
+          </a:prstGeom>
+        </p:spPr>
+      </p:pic>
+      <p:pic>
+        <p:nvPicPr>
+          <p:cNvPr id="3" name="图片 2">
+            <a:extLst>
+              <a:ext uri="{FF2B5EF4-FFF2-40B4-BE49-F238E27FC236}">
+                <a16:creationId xmlns:a16="http://schemas.microsoft.com/office/drawing/2014/main" id="{C08F5FFD-37FF-40A0-8683-8D7020FC45E6}"/>
+              </a:ext>
+            </a:extLst>
+          </p:cNvPr>
+          <p:cNvPicPr>
+            <a:picLocks noChangeAspect="1"/>
+          </p:cNvPicPr>
+          <p:nvPr/>
+        </p:nvPicPr>
+        <p:blipFill>
+          <a:blip r:embed="rId3"/>
+          <a:stretch>
+            <a:fillRect/>
+          </a:stretch>
+        </p:blipFill>
+        <p:spPr>
+          <a:xfrm>
+            <a:off x="6674379" y="1572154"/>
+            <a:ext cx="5362575" cy="2105025"/>
+          </a:xfrm>
+          <a:prstGeom prst="rect">
+            <a:avLst/>
+          </a:prstGeom>
+        </p:spPr>
+      </p:pic>
     </p:spTree>
     <p:extLst>
       <p:ext uri="{BB962C8B-B14F-4D97-AF65-F5344CB8AC3E}">

--- a/Report/汇总报告.pptx
+++ b/Report/汇总报告.pptx
@@ -276,7 +276,7 @@
           <a:p>
             <a:fld id="{517B7516-F1BE-4132-A57F-1F7122AAACF9}" type="datetimeFigureOut">
               <a:rPr lang="zh-CN" altLang="en-US" smtClean="0"/>
-              <a:t>2019/6/12</a:t>
+              <a:t>2019/6/20</a:t>
             </a:fld>
             <a:endParaRPr lang="zh-CN" altLang="en-US"/>
           </a:p>
@@ -474,7 +474,7 @@
           <a:p>
             <a:fld id="{517B7516-F1BE-4132-A57F-1F7122AAACF9}" type="datetimeFigureOut">
               <a:rPr lang="zh-CN" altLang="en-US" smtClean="0"/>
-              <a:t>2019/6/12</a:t>
+              <a:t>2019/6/20</a:t>
             </a:fld>
             <a:endParaRPr lang="zh-CN" altLang="en-US"/>
           </a:p>
@@ -682,7 +682,7 @@
           <a:p>
             <a:fld id="{517B7516-F1BE-4132-A57F-1F7122AAACF9}" type="datetimeFigureOut">
               <a:rPr lang="zh-CN" altLang="en-US" smtClean="0"/>
-              <a:t>2019/6/12</a:t>
+              <a:t>2019/6/20</a:t>
             </a:fld>
             <a:endParaRPr lang="zh-CN" altLang="en-US"/>
           </a:p>
@@ -880,7 +880,7 @@
           <a:p>
             <a:fld id="{517B7516-F1BE-4132-A57F-1F7122AAACF9}" type="datetimeFigureOut">
               <a:rPr lang="zh-CN" altLang="en-US" smtClean="0"/>
-              <a:t>2019/6/12</a:t>
+              <a:t>2019/6/20</a:t>
             </a:fld>
             <a:endParaRPr lang="zh-CN" altLang="en-US"/>
           </a:p>
@@ -1155,7 +1155,7 @@
           <a:p>
             <a:fld id="{517B7516-F1BE-4132-A57F-1F7122AAACF9}" type="datetimeFigureOut">
               <a:rPr lang="zh-CN" altLang="en-US" smtClean="0"/>
-              <a:t>2019/6/12</a:t>
+              <a:t>2019/6/20</a:t>
             </a:fld>
             <a:endParaRPr lang="zh-CN" altLang="en-US"/>
           </a:p>
@@ -1420,7 +1420,7 @@
           <a:p>
             <a:fld id="{517B7516-F1BE-4132-A57F-1F7122AAACF9}" type="datetimeFigureOut">
               <a:rPr lang="zh-CN" altLang="en-US" smtClean="0"/>
-              <a:t>2019/6/12</a:t>
+              <a:t>2019/6/20</a:t>
             </a:fld>
             <a:endParaRPr lang="zh-CN" altLang="en-US"/>
           </a:p>
@@ -1832,7 +1832,7 @@
           <a:p>
             <a:fld id="{517B7516-F1BE-4132-A57F-1F7122AAACF9}" type="datetimeFigureOut">
               <a:rPr lang="zh-CN" altLang="en-US" smtClean="0"/>
-              <a:t>2019/6/12</a:t>
+              <a:t>2019/6/20</a:t>
             </a:fld>
             <a:endParaRPr lang="zh-CN" altLang="en-US"/>
           </a:p>
@@ -1973,7 +1973,7 @@
           <a:p>
             <a:fld id="{517B7516-F1BE-4132-A57F-1F7122AAACF9}" type="datetimeFigureOut">
               <a:rPr lang="zh-CN" altLang="en-US" smtClean="0"/>
-              <a:t>2019/6/12</a:t>
+              <a:t>2019/6/20</a:t>
             </a:fld>
             <a:endParaRPr lang="zh-CN" altLang="en-US"/>
           </a:p>
@@ -2086,7 +2086,7 @@
           <a:p>
             <a:fld id="{517B7516-F1BE-4132-A57F-1F7122AAACF9}" type="datetimeFigureOut">
               <a:rPr lang="zh-CN" altLang="en-US" smtClean="0"/>
-              <a:t>2019/6/12</a:t>
+              <a:t>2019/6/20</a:t>
             </a:fld>
             <a:endParaRPr lang="zh-CN" altLang="en-US"/>
           </a:p>
@@ -2397,7 +2397,7 @@
           <a:p>
             <a:fld id="{517B7516-F1BE-4132-A57F-1F7122AAACF9}" type="datetimeFigureOut">
               <a:rPr lang="zh-CN" altLang="en-US" smtClean="0"/>
-              <a:t>2019/6/12</a:t>
+              <a:t>2019/6/20</a:t>
             </a:fld>
             <a:endParaRPr lang="zh-CN" altLang="en-US"/>
           </a:p>
@@ -2685,7 +2685,7 @@
           <a:p>
             <a:fld id="{517B7516-F1BE-4132-A57F-1F7122AAACF9}" type="datetimeFigureOut">
               <a:rPr lang="zh-CN" altLang="en-US" smtClean="0"/>
-              <a:t>2019/6/12</a:t>
+              <a:t>2019/6/20</a:t>
             </a:fld>
             <a:endParaRPr lang="zh-CN" altLang="en-US"/>
           </a:p>
@@ -2926,7 +2926,7 @@
           <a:p>
             <a:fld id="{517B7516-F1BE-4132-A57F-1F7122AAACF9}" type="datetimeFigureOut">
               <a:rPr lang="zh-CN" altLang="en-US" smtClean="0"/>
-              <a:t>2019/6/12</a:t>
+              <a:t>2019/6/20</a:t>
             </a:fld>
             <a:endParaRPr lang="zh-CN" altLang="en-US"/>
           </a:p>
@@ -4870,7 +4870,7 @@
             </a:r>
             <a:r>
               <a:rPr lang="zh-CN" altLang="en-US" sz="2400" dirty="0"/>
-              <a:t>）</a:t>
+              <a:t>自带函数）</a:t>
             </a:r>
             <a:endParaRPr lang="en-US" altLang="zh-CN" sz="2400" dirty="0"/>
           </a:p>

--- a/Report/汇总报告.pptx
+++ b/Report/汇总报告.pptx
@@ -4,25 +4,27 @@
   <p:sldMasterIdLst>
     <p:sldMasterId id="2147483648" r:id="rId1"/>
   </p:sldMasterIdLst>
+  <p:notesMasterIdLst>
+    <p:notesMasterId r:id="rId19"/>
+  </p:notesMasterIdLst>
   <p:sldIdLst>
     <p:sldId id="261" r:id="rId2"/>
     <p:sldId id="256" r:id="rId3"/>
     <p:sldId id="262" r:id="rId4"/>
-    <p:sldId id="268" r:id="rId5"/>
-    <p:sldId id="257" r:id="rId6"/>
-    <p:sldId id="269" r:id="rId7"/>
-    <p:sldId id="264" r:id="rId8"/>
-    <p:sldId id="263" r:id="rId9"/>
-    <p:sldId id="267" r:id="rId10"/>
-    <p:sldId id="270" r:id="rId11"/>
-    <p:sldId id="259" r:id="rId12"/>
-    <p:sldId id="265" r:id="rId13"/>
-    <p:sldId id="274" r:id="rId14"/>
-    <p:sldId id="271" r:id="rId15"/>
-    <p:sldId id="258" r:id="rId16"/>
-    <p:sldId id="275" r:id="rId17"/>
-    <p:sldId id="272" r:id="rId18"/>
-    <p:sldId id="273" r:id="rId19"/>
+    <p:sldId id="257" r:id="rId5"/>
+    <p:sldId id="269" r:id="rId6"/>
+    <p:sldId id="264" r:id="rId7"/>
+    <p:sldId id="263" r:id="rId8"/>
+    <p:sldId id="270" r:id="rId9"/>
+    <p:sldId id="259" r:id="rId10"/>
+    <p:sldId id="265" r:id="rId11"/>
+    <p:sldId id="274" r:id="rId12"/>
+    <p:sldId id="271" r:id="rId13"/>
+    <p:sldId id="258" r:id="rId14"/>
+    <p:sldId id="275" r:id="rId15"/>
+    <p:sldId id="272" r:id="rId16"/>
+    <p:sldId id="276" r:id="rId17"/>
+    <p:sldId id="273" r:id="rId18"/>
   </p:sldIdLst>
   <p:sldSz cx="12192000" cy="6858000"/>
   <p:notesSz cx="6858000" cy="9144000"/>
@@ -129,6 +131,2916 @@
 </p:presentation>
 </file>
 
+<file path=ppt/notesMasters/notesMaster1.xml><?xml version="1.0" encoding="utf-8"?>
+<p:notesMaster xmlns:a="http://schemas.openxmlformats.org/drawingml/2006/main" xmlns:r="http://schemas.openxmlformats.org/officeDocument/2006/relationships" xmlns:p="http://schemas.openxmlformats.org/presentationml/2006/main">
+  <p:cSld>
+    <p:bg>
+      <p:bgRef idx="1001">
+        <a:schemeClr val="bg1"/>
+      </p:bgRef>
+    </p:bg>
+    <p:spTree>
+      <p:nvGrpSpPr>
+        <p:cNvPr id="1" name=""/>
+        <p:cNvGrpSpPr/>
+        <p:nvPr/>
+      </p:nvGrpSpPr>
+      <p:grpSpPr>
+        <a:xfrm>
+          <a:off x="0" y="0"/>
+          <a:ext cx="0" cy="0"/>
+          <a:chOff x="0" y="0"/>
+          <a:chExt cx="0" cy="0"/>
+        </a:xfrm>
+      </p:grpSpPr>
+      <p:sp>
+        <p:nvSpPr>
+          <p:cNvPr id="2" name="页眉占位符 1"/>
+          <p:cNvSpPr>
+            <a:spLocks noGrp="1"/>
+          </p:cNvSpPr>
+          <p:nvPr>
+            <p:ph type="hdr" sz="quarter"/>
+          </p:nvPr>
+        </p:nvSpPr>
+        <p:spPr>
+          <a:xfrm>
+            <a:off x="0" y="0"/>
+            <a:ext cx="2971800" cy="458788"/>
+          </a:xfrm>
+          <a:prstGeom prst="rect">
+            <a:avLst/>
+          </a:prstGeom>
+        </p:spPr>
+        <p:txBody>
+          <a:bodyPr vert="horz" lIns="91440" tIns="45720" rIns="91440" bIns="45720" rtlCol="0"/>
+          <a:lstStyle>
+            <a:lvl1pPr algn="l">
+              <a:defRPr sz="1200"/>
+            </a:lvl1pPr>
+          </a:lstStyle>
+          <a:p>
+            <a:endParaRPr lang="zh-CN" altLang="en-US"/>
+          </a:p>
+        </p:txBody>
+      </p:sp>
+      <p:sp>
+        <p:nvSpPr>
+          <p:cNvPr id="3" name="日期占位符 2"/>
+          <p:cNvSpPr>
+            <a:spLocks noGrp="1"/>
+          </p:cNvSpPr>
+          <p:nvPr>
+            <p:ph type="dt" idx="1"/>
+          </p:nvPr>
+        </p:nvSpPr>
+        <p:spPr>
+          <a:xfrm>
+            <a:off x="3884613" y="0"/>
+            <a:ext cx="2971800" cy="458788"/>
+          </a:xfrm>
+          <a:prstGeom prst="rect">
+            <a:avLst/>
+          </a:prstGeom>
+        </p:spPr>
+        <p:txBody>
+          <a:bodyPr vert="horz" lIns="91440" tIns="45720" rIns="91440" bIns="45720" rtlCol="0"/>
+          <a:lstStyle>
+            <a:lvl1pPr algn="r">
+              <a:defRPr sz="1200"/>
+            </a:lvl1pPr>
+          </a:lstStyle>
+          <a:p>
+            <a:fld id="{A3F4CBC4-C998-40F8-9EF6-006A0B9C2086}" type="datetimeFigureOut">
+              <a:rPr lang="zh-CN" altLang="en-US" smtClean="0"/>
+              <a:t>2019/6/22</a:t>
+            </a:fld>
+            <a:endParaRPr lang="zh-CN" altLang="en-US"/>
+          </a:p>
+        </p:txBody>
+      </p:sp>
+      <p:sp>
+        <p:nvSpPr>
+          <p:cNvPr id="4" name="幻灯片图像占位符 3"/>
+          <p:cNvSpPr>
+            <a:spLocks noGrp="1" noRot="1" noChangeAspect="1"/>
+          </p:cNvSpPr>
+          <p:nvPr>
+            <p:ph type="sldImg" idx="2"/>
+          </p:nvPr>
+        </p:nvSpPr>
+        <p:spPr>
+          <a:xfrm>
+            <a:off x="685800" y="1143000"/>
+            <a:ext cx="5486400" cy="3086100"/>
+          </a:xfrm>
+          <a:prstGeom prst="rect">
+            <a:avLst/>
+          </a:prstGeom>
+          <a:noFill/>
+          <a:ln w="12700">
+            <a:solidFill>
+              <a:prstClr val="black"/>
+            </a:solidFill>
+          </a:ln>
+        </p:spPr>
+        <p:txBody>
+          <a:bodyPr vert="horz" lIns="91440" tIns="45720" rIns="91440" bIns="45720" rtlCol="0" anchor="ctr"/>
+          <a:lstStyle/>
+          <a:p>
+            <a:endParaRPr lang="zh-CN" altLang="en-US"/>
+          </a:p>
+        </p:txBody>
+      </p:sp>
+      <p:sp>
+        <p:nvSpPr>
+          <p:cNvPr id="5" name="备注占位符 4"/>
+          <p:cNvSpPr>
+            <a:spLocks noGrp="1"/>
+          </p:cNvSpPr>
+          <p:nvPr>
+            <p:ph type="body" sz="quarter" idx="3"/>
+          </p:nvPr>
+        </p:nvSpPr>
+        <p:spPr>
+          <a:xfrm>
+            <a:off x="685800" y="4400550"/>
+            <a:ext cx="5486400" cy="3600450"/>
+          </a:xfrm>
+          <a:prstGeom prst="rect">
+            <a:avLst/>
+          </a:prstGeom>
+        </p:spPr>
+        <p:txBody>
+          <a:bodyPr vert="horz" lIns="91440" tIns="45720" rIns="91440" bIns="45720" rtlCol="0"/>
+          <a:lstStyle/>
+          <a:p>
+            <a:pPr lvl="0"/>
+            <a:r>
+              <a:rPr lang="zh-CN" altLang="en-US"/>
+              <a:t>编辑母版文本样式</a:t>
+            </a:r>
+          </a:p>
+          <a:p>
+            <a:pPr lvl="1"/>
+            <a:r>
+              <a:rPr lang="zh-CN" altLang="en-US"/>
+              <a:t>第二级</a:t>
+            </a:r>
+          </a:p>
+          <a:p>
+            <a:pPr lvl="2"/>
+            <a:r>
+              <a:rPr lang="zh-CN" altLang="en-US"/>
+              <a:t>第三级</a:t>
+            </a:r>
+          </a:p>
+          <a:p>
+            <a:pPr lvl="3"/>
+            <a:r>
+              <a:rPr lang="zh-CN" altLang="en-US"/>
+              <a:t>第四级</a:t>
+            </a:r>
+          </a:p>
+          <a:p>
+            <a:pPr lvl="4"/>
+            <a:r>
+              <a:rPr lang="zh-CN" altLang="en-US"/>
+              <a:t>第五级</a:t>
+            </a:r>
+          </a:p>
+        </p:txBody>
+      </p:sp>
+      <p:sp>
+        <p:nvSpPr>
+          <p:cNvPr id="6" name="页脚占位符 5"/>
+          <p:cNvSpPr>
+            <a:spLocks noGrp="1"/>
+          </p:cNvSpPr>
+          <p:nvPr>
+            <p:ph type="ftr" sz="quarter" idx="4"/>
+          </p:nvPr>
+        </p:nvSpPr>
+        <p:spPr>
+          <a:xfrm>
+            <a:off x="0" y="8685213"/>
+            <a:ext cx="2971800" cy="458787"/>
+          </a:xfrm>
+          <a:prstGeom prst="rect">
+            <a:avLst/>
+          </a:prstGeom>
+        </p:spPr>
+        <p:txBody>
+          <a:bodyPr vert="horz" lIns="91440" tIns="45720" rIns="91440" bIns="45720" rtlCol="0" anchor="b"/>
+          <a:lstStyle>
+            <a:lvl1pPr algn="l">
+              <a:defRPr sz="1200"/>
+            </a:lvl1pPr>
+          </a:lstStyle>
+          <a:p>
+            <a:endParaRPr lang="zh-CN" altLang="en-US"/>
+          </a:p>
+        </p:txBody>
+      </p:sp>
+      <p:sp>
+        <p:nvSpPr>
+          <p:cNvPr id="7" name="灯片编号占位符 6"/>
+          <p:cNvSpPr>
+            <a:spLocks noGrp="1"/>
+          </p:cNvSpPr>
+          <p:nvPr>
+            <p:ph type="sldNum" sz="quarter" idx="5"/>
+          </p:nvPr>
+        </p:nvSpPr>
+        <p:spPr>
+          <a:xfrm>
+            <a:off x="3884613" y="8685213"/>
+            <a:ext cx="2971800" cy="458787"/>
+          </a:xfrm>
+          <a:prstGeom prst="rect">
+            <a:avLst/>
+          </a:prstGeom>
+        </p:spPr>
+        <p:txBody>
+          <a:bodyPr vert="horz" lIns="91440" tIns="45720" rIns="91440" bIns="45720" rtlCol="0" anchor="b"/>
+          <a:lstStyle>
+            <a:lvl1pPr algn="r">
+              <a:defRPr sz="1200"/>
+            </a:lvl1pPr>
+          </a:lstStyle>
+          <a:p>
+            <a:fld id="{1ABD6AD3-857A-4236-82C0-30DBD91EE1AF}" type="slidenum">
+              <a:rPr lang="zh-CN" altLang="en-US" smtClean="0"/>
+              <a:t>‹#›</a:t>
+            </a:fld>
+            <a:endParaRPr lang="zh-CN" altLang="en-US"/>
+          </a:p>
+        </p:txBody>
+      </p:sp>
+    </p:spTree>
+    <p:extLst>
+      <p:ext uri="{BB962C8B-B14F-4D97-AF65-F5344CB8AC3E}">
+        <p14:creationId xmlns:p14="http://schemas.microsoft.com/office/powerpoint/2010/main" val="665121061"/>
+      </p:ext>
+    </p:extLst>
+  </p:cSld>
+  <p:clrMap bg1="lt1" tx1="dk1" bg2="lt2" tx2="dk2" accent1="accent1" accent2="accent2" accent3="accent3" accent4="accent4" accent5="accent5" accent6="accent6" hlink="hlink" folHlink="folHlink"/>
+  <p:notesStyle>
+    <a:lvl1pPr marL="0" algn="l" defTabSz="914400" rtl="0" eaLnBrk="1" latinLnBrk="0" hangingPunct="1">
+      <a:defRPr sz="1200" kern="1200">
+        <a:solidFill>
+          <a:schemeClr val="tx1"/>
+        </a:solidFill>
+        <a:latin typeface="+mn-lt"/>
+        <a:ea typeface="+mn-ea"/>
+        <a:cs typeface="+mn-cs"/>
+      </a:defRPr>
+    </a:lvl1pPr>
+    <a:lvl2pPr marL="457200" algn="l" defTabSz="914400" rtl="0" eaLnBrk="1" latinLnBrk="0" hangingPunct="1">
+      <a:defRPr sz="1200" kern="1200">
+        <a:solidFill>
+          <a:schemeClr val="tx1"/>
+        </a:solidFill>
+        <a:latin typeface="+mn-lt"/>
+        <a:ea typeface="+mn-ea"/>
+        <a:cs typeface="+mn-cs"/>
+      </a:defRPr>
+    </a:lvl2pPr>
+    <a:lvl3pPr marL="914400" algn="l" defTabSz="914400" rtl="0" eaLnBrk="1" latinLnBrk="0" hangingPunct="1">
+      <a:defRPr sz="1200" kern="1200">
+        <a:solidFill>
+          <a:schemeClr val="tx1"/>
+        </a:solidFill>
+        <a:latin typeface="+mn-lt"/>
+        <a:ea typeface="+mn-ea"/>
+        <a:cs typeface="+mn-cs"/>
+      </a:defRPr>
+    </a:lvl3pPr>
+    <a:lvl4pPr marL="1371600" algn="l" defTabSz="914400" rtl="0" eaLnBrk="1" latinLnBrk="0" hangingPunct="1">
+      <a:defRPr sz="1200" kern="1200">
+        <a:solidFill>
+          <a:schemeClr val="tx1"/>
+        </a:solidFill>
+        <a:latin typeface="+mn-lt"/>
+        <a:ea typeface="+mn-ea"/>
+        <a:cs typeface="+mn-cs"/>
+      </a:defRPr>
+    </a:lvl4pPr>
+    <a:lvl5pPr marL="1828800" algn="l" defTabSz="914400" rtl="0" eaLnBrk="1" latinLnBrk="0" hangingPunct="1">
+      <a:defRPr sz="1200" kern="1200">
+        <a:solidFill>
+          <a:schemeClr val="tx1"/>
+        </a:solidFill>
+        <a:latin typeface="+mn-lt"/>
+        <a:ea typeface="+mn-ea"/>
+        <a:cs typeface="+mn-cs"/>
+      </a:defRPr>
+    </a:lvl5pPr>
+    <a:lvl6pPr marL="2286000" algn="l" defTabSz="914400" rtl="0" eaLnBrk="1" latinLnBrk="0" hangingPunct="1">
+      <a:defRPr sz="1200" kern="1200">
+        <a:solidFill>
+          <a:schemeClr val="tx1"/>
+        </a:solidFill>
+        <a:latin typeface="+mn-lt"/>
+        <a:ea typeface="+mn-ea"/>
+        <a:cs typeface="+mn-cs"/>
+      </a:defRPr>
+    </a:lvl6pPr>
+    <a:lvl7pPr marL="2743200" algn="l" defTabSz="914400" rtl="0" eaLnBrk="1" latinLnBrk="0" hangingPunct="1">
+      <a:defRPr sz="1200" kern="1200">
+        <a:solidFill>
+          <a:schemeClr val="tx1"/>
+        </a:solidFill>
+        <a:latin typeface="+mn-lt"/>
+        <a:ea typeface="+mn-ea"/>
+        <a:cs typeface="+mn-cs"/>
+      </a:defRPr>
+    </a:lvl7pPr>
+    <a:lvl8pPr marL="3200400" algn="l" defTabSz="914400" rtl="0" eaLnBrk="1" latinLnBrk="0" hangingPunct="1">
+      <a:defRPr sz="1200" kern="1200">
+        <a:solidFill>
+          <a:schemeClr val="tx1"/>
+        </a:solidFill>
+        <a:latin typeface="+mn-lt"/>
+        <a:ea typeface="+mn-ea"/>
+        <a:cs typeface="+mn-cs"/>
+      </a:defRPr>
+    </a:lvl8pPr>
+    <a:lvl9pPr marL="3657600" algn="l" defTabSz="914400" rtl="0" eaLnBrk="1" latinLnBrk="0" hangingPunct="1">
+      <a:defRPr sz="1200" kern="1200">
+        <a:solidFill>
+          <a:schemeClr val="tx1"/>
+        </a:solidFill>
+        <a:latin typeface="+mn-lt"/>
+        <a:ea typeface="+mn-ea"/>
+        <a:cs typeface="+mn-cs"/>
+      </a:defRPr>
+    </a:lvl9pPr>
+  </p:notesStyle>
+</p:notesMaster>
+</file>
+
+<file path=ppt/notesSlides/notesSlide1.xml><?xml version="1.0" encoding="utf-8"?>
+<p:notes xmlns:a="http://schemas.openxmlformats.org/drawingml/2006/main" xmlns:r="http://schemas.openxmlformats.org/officeDocument/2006/relationships" xmlns:p="http://schemas.openxmlformats.org/presentationml/2006/main">
+  <p:cSld>
+    <p:spTree>
+      <p:nvGrpSpPr>
+        <p:cNvPr id="1" name=""/>
+        <p:cNvGrpSpPr/>
+        <p:nvPr/>
+      </p:nvGrpSpPr>
+      <p:grpSpPr>
+        <a:xfrm>
+          <a:off x="0" y="0"/>
+          <a:ext cx="0" cy="0"/>
+          <a:chOff x="0" y="0"/>
+          <a:chExt cx="0" cy="0"/>
+        </a:xfrm>
+      </p:grpSpPr>
+      <p:sp>
+        <p:nvSpPr>
+          <p:cNvPr id="2" name="幻灯片图像占位符 1"/>
+          <p:cNvSpPr>
+            <a:spLocks noGrp="1" noRot="1" noChangeAspect="1"/>
+          </p:cNvSpPr>
+          <p:nvPr>
+            <p:ph type="sldImg"/>
+          </p:nvPr>
+        </p:nvSpPr>
+        <p:spPr/>
+      </p:sp>
+      <p:sp>
+        <p:nvSpPr>
+          <p:cNvPr id="3" name="备注占位符 2"/>
+          <p:cNvSpPr>
+            <a:spLocks noGrp="1"/>
+          </p:cNvSpPr>
+          <p:nvPr>
+            <p:ph type="body" idx="1"/>
+          </p:nvPr>
+        </p:nvSpPr>
+        <p:spPr/>
+        <p:txBody>
+          <a:bodyPr/>
+          <a:lstStyle/>
+          <a:p>
+            <a:r>
+              <a:rPr lang="zh-CN" altLang="en-US" dirty="0"/>
+              <a:t>第一篇论文优化激活函数，第二篇论文优化</a:t>
+            </a:r>
+            <a:r>
+              <a:rPr lang="en-US" altLang="zh-CN" dirty="0"/>
+              <a:t>DBN</a:t>
+            </a:r>
+            <a:r>
+              <a:rPr lang="zh-CN" altLang="en-US" dirty="0"/>
+              <a:t>结构</a:t>
+            </a:r>
+          </a:p>
+        </p:txBody>
+      </p:sp>
+      <p:sp>
+        <p:nvSpPr>
+          <p:cNvPr id="4" name="灯片编号占位符 3"/>
+          <p:cNvSpPr>
+            <a:spLocks noGrp="1"/>
+          </p:cNvSpPr>
+          <p:nvPr>
+            <p:ph type="sldNum" sz="quarter" idx="5"/>
+          </p:nvPr>
+        </p:nvSpPr>
+        <p:spPr/>
+        <p:txBody>
+          <a:bodyPr/>
+          <a:lstStyle/>
+          <a:p>
+            <a:fld id="{1ABD6AD3-857A-4236-82C0-30DBD91EE1AF}" type="slidenum">
+              <a:rPr lang="zh-CN" altLang="en-US" smtClean="0"/>
+              <a:t>2</a:t>
+            </a:fld>
+            <a:endParaRPr lang="zh-CN" altLang="en-US"/>
+          </a:p>
+        </p:txBody>
+      </p:sp>
+    </p:spTree>
+    <p:extLst>
+      <p:ext uri="{BB962C8B-B14F-4D97-AF65-F5344CB8AC3E}">
+        <p14:creationId xmlns:p14="http://schemas.microsoft.com/office/powerpoint/2010/main" val="3367085241"/>
+      </p:ext>
+    </p:extLst>
+  </p:cSld>
+  <p:clrMapOvr>
+    <a:masterClrMapping/>
+  </p:clrMapOvr>
+</p:notes>
+</file>
+
+<file path=ppt/notesSlides/notesSlide10.xml><?xml version="1.0" encoding="utf-8"?>
+<p:notes xmlns:a="http://schemas.openxmlformats.org/drawingml/2006/main" xmlns:r="http://schemas.openxmlformats.org/officeDocument/2006/relationships" xmlns:p="http://schemas.openxmlformats.org/presentationml/2006/main">
+  <p:cSld>
+    <p:spTree>
+      <p:nvGrpSpPr>
+        <p:cNvPr id="1" name=""/>
+        <p:cNvGrpSpPr/>
+        <p:nvPr/>
+      </p:nvGrpSpPr>
+      <p:grpSpPr>
+        <a:xfrm>
+          <a:off x="0" y="0"/>
+          <a:ext cx="0" cy="0"/>
+          <a:chOff x="0" y="0"/>
+          <a:chExt cx="0" cy="0"/>
+        </a:xfrm>
+      </p:grpSpPr>
+      <p:sp>
+        <p:nvSpPr>
+          <p:cNvPr id="2" name="幻灯片图像占位符 1"/>
+          <p:cNvSpPr>
+            <a:spLocks noGrp="1" noRot="1" noChangeAspect="1"/>
+          </p:cNvSpPr>
+          <p:nvPr>
+            <p:ph type="sldImg"/>
+          </p:nvPr>
+        </p:nvSpPr>
+        <p:spPr/>
+      </p:sp>
+      <p:sp>
+        <p:nvSpPr>
+          <p:cNvPr id="3" name="备注占位符 2"/>
+          <p:cNvSpPr>
+            <a:spLocks noGrp="1"/>
+          </p:cNvSpPr>
+          <p:nvPr>
+            <p:ph type="body" idx="1"/>
+          </p:nvPr>
+        </p:nvSpPr>
+        <p:spPr/>
+        <p:txBody>
+          <a:bodyPr/>
+          <a:lstStyle/>
+          <a:p>
+            <a:r>
+              <a:rPr lang="zh-CN" altLang="en-US" dirty="0"/>
+              <a:t>这是对</a:t>
+            </a:r>
+            <a:r>
+              <a:rPr lang="en-US" altLang="zh-CN" dirty="0" err="1"/>
+              <a:t>Isigmoid</a:t>
+            </a:r>
+            <a:r>
+              <a:rPr lang="zh-CN" altLang="en-US" dirty="0"/>
+              <a:t>中的参数进行选择时的对比图，可见参数对于分类效果有着十分重要的影响。</a:t>
+            </a:r>
+          </a:p>
+        </p:txBody>
+      </p:sp>
+      <p:sp>
+        <p:nvSpPr>
+          <p:cNvPr id="4" name="灯片编号占位符 3"/>
+          <p:cNvSpPr>
+            <a:spLocks noGrp="1"/>
+          </p:cNvSpPr>
+          <p:nvPr>
+            <p:ph type="sldNum" sz="quarter" idx="5"/>
+          </p:nvPr>
+        </p:nvSpPr>
+        <p:spPr/>
+        <p:txBody>
+          <a:bodyPr/>
+          <a:lstStyle/>
+          <a:p>
+            <a:fld id="{1ABD6AD3-857A-4236-82C0-30DBD91EE1AF}" type="slidenum">
+              <a:rPr lang="zh-CN" altLang="en-US" smtClean="0"/>
+              <a:t>11</a:t>
+            </a:fld>
+            <a:endParaRPr lang="zh-CN" altLang="en-US"/>
+          </a:p>
+        </p:txBody>
+      </p:sp>
+    </p:spTree>
+    <p:extLst>
+      <p:ext uri="{BB962C8B-B14F-4D97-AF65-F5344CB8AC3E}">
+        <p14:creationId xmlns:p14="http://schemas.microsoft.com/office/powerpoint/2010/main" val="3563771311"/>
+      </p:ext>
+    </p:extLst>
+  </p:cSld>
+  <p:clrMapOvr>
+    <a:masterClrMapping/>
+  </p:clrMapOvr>
+</p:notes>
+</file>
+
+<file path=ppt/notesSlides/notesSlide11.xml><?xml version="1.0" encoding="utf-8"?>
+<p:notes xmlns:a="http://schemas.openxmlformats.org/drawingml/2006/main" xmlns:r="http://schemas.openxmlformats.org/officeDocument/2006/relationships" xmlns:p="http://schemas.openxmlformats.org/presentationml/2006/main">
+  <p:cSld>
+    <p:spTree>
+      <p:nvGrpSpPr>
+        <p:cNvPr id="1" name=""/>
+        <p:cNvGrpSpPr/>
+        <p:nvPr/>
+      </p:nvGrpSpPr>
+      <p:grpSpPr>
+        <a:xfrm>
+          <a:off x="0" y="0"/>
+          <a:ext cx="0" cy="0"/>
+          <a:chOff x="0" y="0"/>
+          <a:chExt cx="0" cy="0"/>
+        </a:xfrm>
+      </p:grpSpPr>
+      <p:sp>
+        <p:nvSpPr>
+          <p:cNvPr id="2" name="幻灯片图像占位符 1"/>
+          <p:cNvSpPr>
+            <a:spLocks noGrp="1" noRot="1" noChangeAspect="1"/>
+          </p:cNvSpPr>
+          <p:nvPr>
+            <p:ph type="sldImg"/>
+          </p:nvPr>
+        </p:nvSpPr>
+        <p:spPr/>
+      </p:sp>
+      <p:sp>
+        <p:nvSpPr>
+          <p:cNvPr id="3" name="备注占位符 2"/>
+          <p:cNvSpPr>
+            <a:spLocks noGrp="1"/>
+          </p:cNvSpPr>
+          <p:nvPr>
+            <p:ph type="body" idx="1"/>
+          </p:nvPr>
+        </p:nvSpPr>
+        <p:spPr/>
+        <p:txBody>
+          <a:bodyPr/>
+          <a:lstStyle/>
+          <a:p>
+            <a:r>
+              <a:rPr lang="zh-CN" altLang="en-US" dirty="0"/>
+              <a:t>这是对</a:t>
+            </a:r>
+            <a:r>
+              <a:rPr lang="en-US" altLang="zh-CN" dirty="0"/>
+              <a:t>DBN</a:t>
+            </a:r>
+            <a:r>
+              <a:rPr lang="zh-CN" altLang="en-US" dirty="0"/>
+              <a:t>分别使用</a:t>
+            </a:r>
+            <a:r>
+              <a:rPr lang="en-US" altLang="zh-CN" dirty="0"/>
+              <a:t>Sigmoid</a:t>
+            </a:r>
+            <a:r>
+              <a:rPr lang="zh-CN" altLang="en-US" dirty="0"/>
+              <a:t>和</a:t>
+            </a:r>
+            <a:r>
+              <a:rPr lang="en-US" altLang="zh-CN" dirty="0" err="1"/>
+              <a:t>Isigmoid</a:t>
+            </a:r>
+            <a:r>
+              <a:rPr lang="zh-CN" altLang="en-US" dirty="0"/>
+              <a:t>时的对比图，可见使用</a:t>
+            </a:r>
+            <a:r>
+              <a:rPr lang="en-US" altLang="zh-CN" dirty="0" err="1"/>
+              <a:t>Isigmoid</a:t>
+            </a:r>
+            <a:r>
+              <a:rPr lang="zh-CN" altLang="en-US" dirty="0"/>
+              <a:t>时收敛更快，且准确率更高。</a:t>
+            </a:r>
+          </a:p>
+        </p:txBody>
+      </p:sp>
+      <p:sp>
+        <p:nvSpPr>
+          <p:cNvPr id="4" name="灯片编号占位符 3"/>
+          <p:cNvSpPr>
+            <a:spLocks noGrp="1"/>
+          </p:cNvSpPr>
+          <p:nvPr>
+            <p:ph type="sldNum" sz="quarter" idx="5"/>
+          </p:nvPr>
+        </p:nvSpPr>
+        <p:spPr/>
+        <p:txBody>
+          <a:bodyPr/>
+          <a:lstStyle/>
+          <a:p>
+            <a:fld id="{1ABD6AD3-857A-4236-82C0-30DBD91EE1AF}" type="slidenum">
+              <a:rPr lang="zh-CN" altLang="en-US" smtClean="0"/>
+              <a:t>12</a:t>
+            </a:fld>
+            <a:endParaRPr lang="zh-CN" altLang="en-US"/>
+          </a:p>
+        </p:txBody>
+      </p:sp>
+    </p:spTree>
+    <p:extLst>
+      <p:ext uri="{BB962C8B-B14F-4D97-AF65-F5344CB8AC3E}">
+        <p14:creationId xmlns:p14="http://schemas.microsoft.com/office/powerpoint/2010/main" val="1824367576"/>
+      </p:ext>
+    </p:extLst>
+  </p:cSld>
+  <p:clrMapOvr>
+    <a:masterClrMapping/>
+  </p:clrMapOvr>
+</p:notes>
+</file>
+
+<file path=ppt/notesSlides/notesSlide12.xml><?xml version="1.0" encoding="utf-8"?>
+<p:notes xmlns:a="http://schemas.openxmlformats.org/drawingml/2006/main" xmlns:r="http://schemas.openxmlformats.org/officeDocument/2006/relationships" xmlns:p="http://schemas.openxmlformats.org/presentationml/2006/main">
+  <p:cSld>
+    <p:spTree>
+      <p:nvGrpSpPr>
+        <p:cNvPr id="1" name=""/>
+        <p:cNvGrpSpPr/>
+        <p:nvPr/>
+      </p:nvGrpSpPr>
+      <p:grpSpPr>
+        <a:xfrm>
+          <a:off x="0" y="0"/>
+          <a:ext cx="0" cy="0"/>
+          <a:chOff x="0" y="0"/>
+          <a:chExt cx="0" cy="0"/>
+        </a:xfrm>
+      </p:grpSpPr>
+      <p:sp>
+        <p:nvSpPr>
+          <p:cNvPr id="2" name="幻灯片图像占位符 1"/>
+          <p:cNvSpPr>
+            <a:spLocks noGrp="1" noRot="1" noChangeAspect="1"/>
+          </p:cNvSpPr>
+          <p:nvPr>
+            <p:ph type="sldImg"/>
+          </p:nvPr>
+        </p:nvSpPr>
+        <p:spPr/>
+      </p:sp>
+      <p:sp>
+        <p:nvSpPr>
+          <p:cNvPr id="3" name="备注占位符 2"/>
+          <p:cNvSpPr>
+            <a:spLocks noGrp="1"/>
+          </p:cNvSpPr>
+          <p:nvPr>
+            <p:ph type="body" idx="1"/>
+          </p:nvPr>
+        </p:nvSpPr>
+        <p:spPr/>
+        <p:txBody>
+          <a:bodyPr/>
+          <a:lstStyle/>
+          <a:p>
+            <a:r>
+              <a:rPr lang="zh-CN" altLang="en-US" sz="1200" dirty="0">
+                <a:latin typeface="+mn-lt"/>
+                <a:ea typeface="+mn-ea"/>
+              </a:rPr>
+              <a:t>第二篇论文优化了</a:t>
+            </a:r>
+            <a:r>
+              <a:rPr lang="en-US" altLang="zh-CN" sz="1200" dirty="0">
+                <a:latin typeface="+mn-lt"/>
+                <a:ea typeface="+mn-ea"/>
+              </a:rPr>
+              <a:t>DBN</a:t>
+            </a:r>
+            <a:r>
+              <a:rPr lang="zh-CN" altLang="en-US" sz="1200" dirty="0">
+                <a:latin typeface="+mn-lt"/>
+                <a:ea typeface="+mn-ea"/>
+              </a:rPr>
+              <a:t>结构，提出了</a:t>
+            </a:r>
+            <a:r>
+              <a:rPr lang="en-US" altLang="zh-CN" sz="1200" dirty="0">
+                <a:latin typeface="+mn-lt"/>
+                <a:ea typeface="+mn-ea"/>
+              </a:rPr>
+              <a:t>SSDBN</a:t>
+            </a:r>
+            <a:r>
+              <a:rPr lang="zh-CN" altLang="en-US" sz="1200" dirty="0">
+                <a:latin typeface="+mn-lt"/>
+                <a:ea typeface="+mn-ea"/>
+              </a:rPr>
+              <a:t>，即半监督</a:t>
+            </a:r>
+            <a:r>
+              <a:rPr lang="en-US" altLang="zh-CN" sz="1200" dirty="0">
+                <a:latin typeface="+mn-lt"/>
+                <a:ea typeface="+mn-ea"/>
+              </a:rPr>
+              <a:t>DBN</a:t>
+            </a:r>
+            <a:r>
+              <a:rPr lang="zh-CN" altLang="en-US" sz="1200" dirty="0">
+                <a:latin typeface="+mn-lt"/>
+                <a:ea typeface="+mn-ea"/>
+              </a:rPr>
+              <a:t>，原本的</a:t>
+            </a:r>
+            <a:r>
+              <a:rPr lang="en-US" altLang="zh-CN" sz="1200" dirty="0">
+                <a:latin typeface="+mn-lt"/>
+                <a:ea typeface="+mn-ea"/>
+              </a:rPr>
+              <a:t>RBM</a:t>
+            </a:r>
+            <a:r>
+              <a:rPr lang="zh-CN" altLang="en-US" sz="1200" dirty="0">
+                <a:latin typeface="+mn-lt"/>
+                <a:ea typeface="+mn-ea"/>
+              </a:rPr>
+              <a:t>只包含了</a:t>
+            </a:r>
+            <a:r>
+              <a:rPr lang="en-US" altLang="zh-CN" sz="1200" dirty="0">
+                <a:latin typeface="+mn-lt"/>
+                <a:ea typeface="+mn-ea"/>
+              </a:rPr>
+              <a:t>v</a:t>
+            </a:r>
+            <a:r>
+              <a:rPr lang="zh-CN" altLang="en-US" sz="1200" dirty="0">
+                <a:latin typeface="+mn-lt"/>
+                <a:ea typeface="+mn-ea"/>
+              </a:rPr>
+              <a:t>层和</a:t>
+            </a:r>
+            <a:r>
+              <a:rPr lang="en-US" altLang="zh-CN" sz="1200" dirty="0">
+                <a:latin typeface="+mn-lt"/>
+                <a:ea typeface="+mn-ea"/>
+              </a:rPr>
+              <a:t>h</a:t>
+            </a:r>
+            <a:r>
+              <a:rPr lang="zh-CN" altLang="en-US" sz="1200" dirty="0">
+                <a:latin typeface="+mn-lt"/>
+                <a:ea typeface="+mn-ea"/>
+              </a:rPr>
+              <a:t>层。它在原来的</a:t>
+            </a:r>
+            <a:r>
+              <a:rPr lang="en-US" altLang="zh-CN" sz="1200" dirty="0">
+                <a:latin typeface="+mn-lt"/>
+                <a:ea typeface="+mn-ea"/>
+              </a:rPr>
+              <a:t>RBM</a:t>
+            </a:r>
+            <a:r>
+              <a:rPr lang="zh-CN" altLang="en-US" sz="1200" dirty="0">
+                <a:latin typeface="+mn-lt"/>
+                <a:ea typeface="+mn-ea"/>
+              </a:rPr>
+              <a:t>中加入了</a:t>
+            </a:r>
+            <a:r>
+              <a:rPr lang="en-US" altLang="zh-CN" sz="1200" dirty="0">
+                <a:latin typeface="+mn-lt"/>
+                <a:ea typeface="+mn-ea"/>
+              </a:rPr>
+              <a:t>u</a:t>
+            </a:r>
+            <a:r>
+              <a:rPr lang="zh-CN" altLang="en-US" sz="1200" dirty="0">
+                <a:latin typeface="+mn-lt"/>
+                <a:ea typeface="+mn-ea"/>
+              </a:rPr>
+              <a:t>层，在</a:t>
+            </a:r>
+            <a:r>
+              <a:rPr lang="en-US" altLang="zh-CN" sz="1200" dirty="0">
+                <a:latin typeface="+mn-lt"/>
+                <a:ea typeface="+mn-ea"/>
+              </a:rPr>
+              <a:t>u</a:t>
+            </a:r>
+            <a:r>
+              <a:rPr lang="zh-CN" altLang="en-US" sz="1200" dirty="0">
+                <a:latin typeface="+mn-lt"/>
+                <a:ea typeface="+mn-ea"/>
+              </a:rPr>
+              <a:t>层中使用到了样本标签之间的关系生成矩阵，并用奇异值分解提取重要的特征。</a:t>
+            </a:r>
+            <a:endParaRPr lang="zh-CN" altLang="en-US" dirty="0"/>
+          </a:p>
+        </p:txBody>
+      </p:sp>
+      <p:sp>
+        <p:nvSpPr>
+          <p:cNvPr id="4" name="灯片编号占位符 3"/>
+          <p:cNvSpPr>
+            <a:spLocks noGrp="1"/>
+          </p:cNvSpPr>
+          <p:nvPr>
+            <p:ph type="sldNum" sz="quarter" idx="5"/>
+          </p:nvPr>
+        </p:nvSpPr>
+        <p:spPr/>
+        <p:txBody>
+          <a:bodyPr/>
+          <a:lstStyle/>
+          <a:p>
+            <a:fld id="{1ABD6AD3-857A-4236-82C0-30DBD91EE1AF}" type="slidenum">
+              <a:rPr lang="zh-CN" altLang="en-US" smtClean="0"/>
+              <a:t>13</a:t>
+            </a:fld>
+            <a:endParaRPr lang="zh-CN" altLang="en-US"/>
+          </a:p>
+        </p:txBody>
+      </p:sp>
+    </p:spTree>
+    <p:extLst>
+      <p:ext uri="{BB962C8B-B14F-4D97-AF65-F5344CB8AC3E}">
+        <p14:creationId xmlns:p14="http://schemas.microsoft.com/office/powerpoint/2010/main" val="2368801560"/>
+      </p:ext>
+    </p:extLst>
+  </p:cSld>
+  <p:clrMapOvr>
+    <a:masterClrMapping/>
+  </p:clrMapOvr>
+</p:notes>
+</file>
+
+<file path=ppt/notesSlides/notesSlide13.xml><?xml version="1.0" encoding="utf-8"?>
+<p:notes xmlns:a="http://schemas.openxmlformats.org/drawingml/2006/main" xmlns:r="http://schemas.openxmlformats.org/officeDocument/2006/relationships" xmlns:p="http://schemas.openxmlformats.org/presentationml/2006/main">
+  <p:cSld>
+    <p:spTree>
+      <p:nvGrpSpPr>
+        <p:cNvPr id="1" name=""/>
+        <p:cNvGrpSpPr/>
+        <p:nvPr/>
+      </p:nvGrpSpPr>
+      <p:grpSpPr>
+        <a:xfrm>
+          <a:off x="0" y="0"/>
+          <a:ext cx="0" cy="0"/>
+          <a:chOff x="0" y="0"/>
+          <a:chExt cx="0" cy="0"/>
+        </a:xfrm>
+      </p:grpSpPr>
+      <p:sp>
+        <p:nvSpPr>
+          <p:cNvPr id="2" name="幻灯片图像占位符 1"/>
+          <p:cNvSpPr>
+            <a:spLocks noGrp="1" noRot="1" noChangeAspect="1"/>
+          </p:cNvSpPr>
+          <p:nvPr>
+            <p:ph type="sldImg"/>
+          </p:nvPr>
+        </p:nvSpPr>
+        <p:spPr/>
+      </p:sp>
+      <p:sp>
+        <p:nvSpPr>
+          <p:cNvPr id="3" name="备注占位符 2"/>
+          <p:cNvSpPr>
+            <a:spLocks noGrp="1"/>
+          </p:cNvSpPr>
+          <p:nvPr>
+            <p:ph type="body" idx="1"/>
+          </p:nvPr>
+        </p:nvSpPr>
+        <p:spPr/>
+        <p:txBody>
+          <a:bodyPr/>
+          <a:lstStyle/>
+          <a:p>
+            <a:pPr marL="0" marR="0" lvl="0" indent="0" algn="l" defTabSz="914400" rtl="0" eaLnBrk="1" fontAlgn="auto" latinLnBrk="0" hangingPunct="1">
+              <a:lnSpc>
+                <a:spcPct val="100000"/>
+              </a:lnSpc>
+              <a:spcBef>
+                <a:spcPts val="0"/>
+              </a:spcBef>
+              <a:spcAft>
+                <a:spcPts val="0"/>
+              </a:spcAft>
+              <a:buClrTx/>
+              <a:buSzTx/>
+              <a:buFontTx/>
+              <a:buNone/>
+              <a:tabLst/>
+              <a:defRPr/>
+            </a:pPr>
+            <a:r>
+              <a:rPr lang="zh-CN" altLang="en-US" dirty="0"/>
+              <a:t>这是选择适合的</a:t>
+            </a:r>
+            <a:r>
+              <a:rPr lang="en-US" altLang="zh-CN" dirty="0"/>
+              <a:t>u</a:t>
+            </a:r>
+            <a:r>
+              <a:rPr lang="zh-CN" altLang="en-US" dirty="0"/>
+              <a:t>层和</a:t>
+            </a:r>
+            <a:r>
+              <a:rPr lang="en-US" altLang="zh-CN" dirty="0"/>
+              <a:t>v</a:t>
+            </a:r>
+            <a:r>
+              <a:rPr lang="zh-CN" altLang="en-US" dirty="0"/>
+              <a:t>层比例参数时的对比图，最终选择二者比例参数为</a:t>
+            </a:r>
+            <a:r>
+              <a:rPr lang="en-US" altLang="zh-CN" dirty="0"/>
+              <a:t>1</a:t>
+            </a:r>
+            <a:r>
+              <a:rPr lang="zh-CN" altLang="en-US" dirty="0"/>
+              <a:t>。</a:t>
+            </a:r>
+          </a:p>
+        </p:txBody>
+      </p:sp>
+      <p:sp>
+        <p:nvSpPr>
+          <p:cNvPr id="4" name="灯片编号占位符 3"/>
+          <p:cNvSpPr>
+            <a:spLocks noGrp="1"/>
+          </p:cNvSpPr>
+          <p:nvPr>
+            <p:ph type="sldNum" sz="quarter" idx="5"/>
+          </p:nvPr>
+        </p:nvSpPr>
+        <p:spPr/>
+        <p:txBody>
+          <a:bodyPr/>
+          <a:lstStyle/>
+          <a:p>
+            <a:fld id="{1ABD6AD3-857A-4236-82C0-30DBD91EE1AF}" type="slidenum">
+              <a:rPr lang="zh-CN" altLang="en-US" smtClean="0"/>
+              <a:t>14</a:t>
+            </a:fld>
+            <a:endParaRPr lang="zh-CN" altLang="en-US"/>
+          </a:p>
+        </p:txBody>
+      </p:sp>
+    </p:spTree>
+    <p:extLst>
+      <p:ext uri="{BB962C8B-B14F-4D97-AF65-F5344CB8AC3E}">
+        <p14:creationId xmlns:p14="http://schemas.microsoft.com/office/powerpoint/2010/main" val="2528232138"/>
+      </p:ext>
+    </p:extLst>
+  </p:cSld>
+  <p:clrMapOvr>
+    <a:masterClrMapping/>
+  </p:clrMapOvr>
+</p:notes>
+</file>
+
+<file path=ppt/notesSlides/notesSlide14.xml><?xml version="1.0" encoding="utf-8"?>
+<p:notes xmlns:a="http://schemas.openxmlformats.org/drawingml/2006/main" xmlns:r="http://schemas.openxmlformats.org/officeDocument/2006/relationships" xmlns:p="http://schemas.openxmlformats.org/presentationml/2006/main">
+  <p:cSld>
+    <p:spTree>
+      <p:nvGrpSpPr>
+        <p:cNvPr id="1" name=""/>
+        <p:cNvGrpSpPr/>
+        <p:nvPr/>
+      </p:nvGrpSpPr>
+      <p:grpSpPr>
+        <a:xfrm>
+          <a:off x="0" y="0"/>
+          <a:ext cx="0" cy="0"/>
+          <a:chOff x="0" y="0"/>
+          <a:chExt cx="0" cy="0"/>
+        </a:xfrm>
+      </p:grpSpPr>
+      <p:sp>
+        <p:nvSpPr>
+          <p:cNvPr id="2" name="幻灯片图像占位符 1"/>
+          <p:cNvSpPr>
+            <a:spLocks noGrp="1" noRot="1" noChangeAspect="1"/>
+          </p:cNvSpPr>
+          <p:nvPr>
+            <p:ph type="sldImg"/>
+          </p:nvPr>
+        </p:nvSpPr>
+        <p:spPr/>
+      </p:sp>
+      <p:sp>
+        <p:nvSpPr>
+          <p:cNvPr id="3" name="备注占位符 2"/>
+          <p:cNvSpPr>
+            <a:spLocks noGrp="1"/>
+          </p:cNvSpPr>
+          <p:nvPr>
+            <p:ph type="body" idx="1"/>
+          </p:nvPr>
+        </p:nvSpPr>
+        <p:spPr/>
+        <p:txBody>
+          <a:bodyPr/>
+          <a:lstStyle/>
+          <a:p>
+            <a:pPr marL="0" marR="0" lvl="0" indent="0" algn="l" defTabSz="914400" rtl="0" eaLnBrk="1" fontAlgn="auto" latinLnBrk="0" hangingPunct="1">
+              <a:lnSpc>
+                <a:spcPct val="100000"/>
+              </a:lnSpc>
+              <a:spcBef>
+                <a:spcPts val="0"/>
+              </a:spcBef>
+              <a:spcAft>
+                <a:spcPts val="0"/>
+              </a:spcAft>
+              <a:buClrTx/>
+              <a:buSzTx/>
+              <a:buFontTx/>
+              <a:buNone/>
+              <a:tabLst/>
+              <a:defRPr/>
+            </a:pPr>
+            <a:r>
+              <a:rPr lang="zh-CN" altLang="en-US" dirty="0"/>
+              <a:t>这是分别使用</a:t>
+            </a:r>
+            <a:r>
+              <a:rPr lang="en-US" altLang="zh-CN" dirty="0"/>
+              <a:t>DBN</a:t>
+            </a:r>
+            <a:r>
+              <a:rPr lang="zh-CN" altLang="en-US" dirty="0"/>
+              <a:t>和</a:t>
+            </a:r>
+            <a:r>
+              <a:rPr lang="en-US" altLang="zh-CN" dirty="0"/>
+              <a:t>SSDBN</a:t>
+            </a:r>
+            <a:r>
+              <a:rPr lang="zh-CN" altLang="en-US" dirty="0"/>
+              <a:t>的对比图。这里发现的问题是</a:t>
+            </a:r>
+            <a:r>
+              <a:rPr lang="en-US" altLang="zh-CN" dirty="0"/>
+              <a:t>SSDBN</a:t>
+            </a:r>
+            <a:r>
+              <a:rPr lang="zh-CN" altLang="en-US" dirty="0"/>
+              <a:t>的收敛相对于</a:t>
+            </a:r>
+            <a:r>
+              <a:rPr lang="en-US" altLang="zh-CN" dirty="0"/>
+              <a:t>DBN</a:t>
+            </a:r>
+            <a:r>
+              <a:rPr lang="zh-CN" altLang="en-US" dirty="0"/>
+              <a:t>更慢。在原本的论文中，并没有提及收敛速度的部分，我觉得这可能与数据集有关。但是</a:t>
+            </a:r>
+            <a:r>
+              <a:rPr lang="en-US" altLang="zh-CN" dirty="0"/>
+              <a:t>SSDBN</a:t>
+            </a:r>
+            <a:r>
+              <a:rPr lang="zh-CN" altLang="en-US" dirty="0"/>
+              <a:t>确实提升了分类准确率。</a:t>
+            </a:r>
+          </a:p>
+        </p:txBody>
+      </p:sp>
+      <p:sp>
+        <p:nvSpPr>
+          <p:cNvPr id="4" name="灯片编号占位符 3"/>
+          <p:cNvSpPr>
+            <a:spLocks noGrp="1"/>
+          </p:cNvSpPr>
+          <p:nvPr>
+            <p:ph type="sldNum" sz="quarter" idx="5"/>
+          </p:nvPr>
+        </p:nvSpPr>
+        <p:spPr/>
+        <p:txBody>
+          <a:bodyPr/>
+          <a:lstStyle/>
+          <a:p>
+            <a:fld id="{1ABD6AD3-857A-4236-82C0-30DBD91EE1AF}" type="slidenum">
+              <a:rPr lang="zh-CN" altLang="en-US" smtClean="0"/>
+              <a:t>15</a:t>
+            </a:fld>
+            <a:endParaRPr lang="zh-CN" altLang="en-US"/>
+          </a:p>
+        </p:txBody>
+      </p:sp>
+    </p:spTree>
+    <p:extLst>
+      <p:ext uri="{BB962C8B-B14F-4D97-AF65-F5344CB8AC3E}">
+        <p14:creationId xmlns:p14="http://schemas.microsoft.com/office/powerpoint/2010/main" val="439007762"/>
+      </p:ext>
+    </p:extLst>
+  </p:cSld>
+  <p:clrMapOvr>
+    <a:masterClrMapping/>
+  </p:clrMapOvr>
+</p:notes>
+</file>
+
+<file path=ppt/notesSlides/notesSlide15.xml><?xml version="1.0" encoding="utf-8"?>
+<p:notes xmlns:a="http://schemas.openxmlformats.org/drawingml/2006/main" xmlns:r="http://schemas.openxmlformats.org/officeDocument/2006/relationships" xmlns:p="http://schemas.openxmlformats.org/presentationml/2006/main">
+  <p:cSld>
+    <p:spTree>
+      <p:nvGrpSpPr>
+        <p:cNvPr id="1" name=""/>
+        <p:cNvGrpSpPr/>
+        <p:nvPr/>
+      </p:nvGrpSpPr>
+      <p:grpSpPr>
+        <a:xfrm>
+          <a:off x="0" y="0"/>
+          <a:ext cx="0" cy="0"/>
+          <a:chOff x="0" y="0"/>
+          <a:chExt cx="0" cy="0"/>
+        </a:xfrm>
+      </p:grpSpPr>
+      <p:sp>
+        <p:nvSpPr>
+          <p:cNvPr id="2" name="幻灯片图像占位符 1"/>
+          <p:cNvSpPr>
+            <a:spLocks noGrp="1" noRot="1" noChangeAspect="1"/>
+          </p:cNvSpPr>
+          <p:nvPr>
+            <p:ph type="sldImg"/>
+          </p:nvPr>
+        </p:nvSpPr>
+        <p:spPr/>
+      </p:sp>
+      <p:sp>
+        <p:nvSpPr>
+          <p:cNvPr id="3" name="备注占位符 2"/>
+          <p:cNvSpPr>
+            <a:spLocks noGrp="1"/>
+          </p:cNvSpPr>
+          <p:nvPr>
+            <p:ph type="body" idx="1"/>
+          </p:nvPr>
+        </p:nvSpPr>
+        <p:spPr/>
+        <p:txBody>
+          <a:bodyPr/>
+          <a:lstStyle/>
+          <a:p>
+            <a:r>
+              <a:rPr lang="zh-CN" altLang="en-US" dirty="0"/>
+              <a:t>同时在论文中，提到了重构误差。我对</a:t>
+            </a:r>
+            <a:r>
+              <a:rPr lang="en-US" altLang="zh-CN" dirty="0"/>
+              <a:t>DBN</a:t>
+            </a:r>
+            <a:r>
+              <a:rPr lang="zh-CN" altLang="en-US" dirty="0"/>
+              <a:t>和</a:t>
+            </a:r>
+            <a:r>
+              <a:rPr lang="en-US" altLang="zh-CN" dirty="0"/>
+              <a:t>SSDBN</a:t>
+            </a:r>
+            <a:r>
+              <a:rPr lang="zh-CN" altLang="en-US" dirty="0"/>
+              <a:t>的重构误差进行了对比，可见在前两个</a:t>
+            </a:r>
+            <a:r>
+              <a:rPr lang="en-US" altLang="zh-CN" dirty="0"/>
+              <a:t>RBM</a:t>
+            </a:r>
+            <a:r>
+              <a:rPr lang="zh-CN" altLang="en-US" dirty="0"/>
+              <a:t>中，使用</a:t>
+            </a:r>
+            <a:r>
+              <a:rPr lang="en-US" altLang="zh-CN" dirty="0"/>
+              <a:t>SSDBN</a:t>
+            </a:r>
+            <a:r>
+              <a:rPr lang="zh-CN" altLang="en-US" dirty="0"/>
+              <a:t>可以得到更低的重构误差。</a:t>
+            </a:r>
+          </a:p>
+        </p:txBody>
+      </p:sp>
+      <p:sp>
+        <p:nvSpPr>
+          <p:cNvPr id="4" name="灯片编号占位符 3"/>
+          <p:cNvSpPr>
+            <a:spLocks noGrp="1"/>
+          </p:cNvSpPr>
+          <p:nvPr>
+            <p:ph type="sldNum" sz="quarter" idx="5"/>
+          </p:nvPr>
+        </p:nvSpPr>
+        <p:spPr/>
+        <p:txBody>
+          <a:bodyPr/>
+          <a:lstStyle/>
+          <a:p>
+            <a:fld id="{1ABD6AD3-857A-4236-82C0-30DBD91EE1AF}" type="slidenum">
+              <a:rPr lang="zh-CN" altLang="en-US" smtClean="0"/>
+              <a:t>16</a:t>
+            </a:fld>
+            <a:endParaRPr lang="zh-CN" altLang="en-US"/>
+          </a:p>
+        </p:txBody>
+      </p:sp>
+    </p:spTree>
+    <p:extLst>
+      <p:ext uri="{BB962C8B-B14F-4D97-AF65-F5344CB8AC3E}">
+        <p14:creationId xmlns:p14="http://schemas.microsoft.com/office/powerpoint/2010/main" val="1557693488"/>
+      </p:ext>
+    </p:extLst>
+  </p:cSld>
+  <p:clrMapOvr>
+    <a:masterClrMapping/>
+  </p:clrMapOvr>
+</p:notes>
+</file>
+
+<file path=ppt/notesSlides/notesSlide16.xml><?xml version="1.0" encoding="utf-8"?>
+<p:notes xmlns:a="http://schemas.openxmlformats.org/drawingml/2006/main" xmlns:r="http://schemas.openxmlformats.org/officeDocument/2006/relationships" xmlns:p="http://schemas.openxmlformats.org/presentationml/2006/main">
+  <p:cSld>
+    <p:spTree>
+      <p:nvGrpSpPr>
+        <p:cNvPr id="1" name=""/>
+        <p:cNvGrpSpPr/>
+        <p:nvPr/>
+      </p:nvGrpSpPr>
+      <p:grpSpPr>
+        <a:xfrm>
+          <a:off x="0" y="0"/>
+          <a:ext cx="0" cy="0"/>
+          <a:chOff x="0" y="0"/>
+          <a:chExt cx="0" cy="0"/>
+        </a:xfrm>
+      </p:grpSpPr>
+      <p:sp>
+        <p:nvSpPr>
+          <p:cNvPr id="2" name="幻灯片图像占位符 1"/>
+          <p:cNvSpPr>
+            <a:spLocks noGrp="1" noRot="1" noChangeAspect="1"/>
+          </p:cNvSpPr>
+          <p:nvPr>
+            <p:ph type="sldImg"/>
+          </p:nvPr>
+        </p:nvSpPr>
+        <p:spPr/>
+      </p:sp>
+      <p:sp>
+        <p:nvSpPr>
+          <p:cNvPr id="3" name="备注占位符 2"/>
+          <p:cNvSpPr>
+            <a:spLocks noGrp="1"/>
+          </p:cNvSpPr>
+          <p:nvPr>
+            <p:ph type="body" idx="1"/>
+          </p:nvPr>
+        </p:nvSpPr>
+        <p:spPr/>
+        <p:txBody>
+          <a:bodyPr/>
+          <a:lstStyle/>
+          <a:p>
+            <a:r>
+              <a:rPr lang="zh-CN" altLang="en-US" dirty="0"/>
+              <a:t>最后将</a:t>
+            </a:r>
+            <a:r>
+              <a:rPr lang="en-US" altLang="zh-CN" dirty="0"/>
+              <a:t>SSDBN</a:t>
+            </a:r>
+            <a:r>
+              <a:rPr lang="zh-CN" altLang="en-US" dirty="0"/>
+              <a:t>和</a:t>
+            </a:r>
+            <a:r>
+              <a:rPr lang="en-US" altLang="zh-CN" dirty="0" err="1"/>
+              <a:t>Isigmoid</a:t>
+            </a:r>
+            <a:r>
+              <a:rPr lang="zh-CN" altLang="en-US" dirty="0"/>
+              <a:t>结合，可以得到更高的分类正确率和更快的收敛速度。</a:t>
+            </a:r>
+          </a:p>
+        </p:txBody>
+      </p:sp>
+      <p:sp>
+        <p:nvSpPr>
+          <p:cNvPr id="4" name="灯片编号占位符 3"/>
+          <p:cNvSpPr>
+            <a:spLocks noGrp="1"/>
+          </p:cNvSpPr>
+          <p:nvPr>
+            <p:ph type="sldNum" sz="quarter" idx="5"/>
+          </p:nvPr>
+        </p:nvSpPr>
+        <p:spPr/>
+        <p:txBody>
+          <a:bodyPr/>
+          <a:lstStyle/>
+          <a:p>
+            <a:fld id="{1ABD6AD3-857A-4236-82C0-30DBD91EE1AF}" type="slidenum">
+              <a:rPr lang="zh-CN" altLang="en-US" smtClean="0"/>
+              <a:t>17</a:t>
+            </a:fld>
+            <a:endParaRPr lang="zh-CN" altLang="en-US"/>
+          </a:p>
+        </p:txBody>
+      </p:sp>
+    </p:spTree>
+    <p:extLst>
+      <p:ext uri="{BB962C8B-B14F-4D97-AF65-F5344CB8AC3E}">
+        <p14:creationId xmlns:p14="http://schemas.microsoft.com/office/powerpoint/2010/main" val="3032030171"/>
+      </p:ext>
+    </p:extLst>
+  </p:cSld>
+  <p:clrMapOvr>
+    <a:masterClrMapping/>
+  </p:clrMapOvr>
+</p:notes>
+</file>
+
+<file path=ppt/notesSlides/notesSlide2.xml><?xml version="1.0" encoding="utf-8"?>
+<p:notes xmlns:a="http://schemas.openxmlformats.org/drawingml/2006/main" xmlns:r="http://schemas.openxmlformats.org/officeDocument/2006/relationships" xmlns:p="http://schemas.openxmlformats.org/presentationml/2006/main">
+  <p:cSld>
+    <p:spTree>
+      <p:nvGrpSpPr>
+        <p:cNvPr id="1" name=""/>
+        <p:cNvGrpSpPr/>
+        <p:nvPr/>
+      </p:nvGrpSpPr>
+      <p:grpSpPr>
+        <a:xfrm>
+          <a:off x="0" y="0"/>
+          <a:ext cx="0" cy="0"/>
+          <a:chOff x="0" y="0"/>
+          <a:chExt cx="0" cy="0"/>
+        </a:xfrm>
+      </p:grpSpPr>
+      <p:sp>
+        <p:nvSpPr>
+          <p:cNvPr id="2" name="幻灯片图像占位符 1"/>
+          <p:cNvSpPr>
+            <a:spLocks noGrp="1" noRot="1" noChangeAspect="1"/>
+          </p:cNvSpPr>
+          <p:nvPr>
+            <p:ph type="sldImg"/>
+          </p:nvPr>
+        </p:nvSpPr>
+        <p:spPr/>
+      </p:sp>
+      <p:sp>
+        <p:nvSpPr>
+          <p:cNvPr id="3" name="备注占位符 2"/>
+          <p:cNvSpPr>
+            <a:spLocks noGrp="1"/>
+          </p:cNvSpPr>
+          <p:nvPr>
+            <p:ph type="body" idx="1"/>
+          </p:nvPr>
+        </p:nvSpPr>
+        <p:spPr/>
+        <p:txBody>
+          <a:bodyPr/>
+          <a:lstStyle/>
+          <a:p>
+            <a:r>
+              <a:rPr lang="zh-CN" altLang="en-US" dirty="0"/>
+              <a:t>首先对原始数据进行预处理，即降噪，得到降噪后数据，将降噪数据与原始数据一起，提取特征，用于</a:t>
+            </a:r>
+            <a:r>
+              <a:rPr lang="en-US" altLang="zh-CN" dirty="0"/>
+              <a:t>DBN</a:t>
+            </a:r>
+            <a:r>
+              <a:rPr lang="zh-CN" altLang="en-US" dirty="0"/>
+              <a:t>预训练（即</a:t>
+            </a:r>
+            <a:r>
+              <a:rPr lang="en-US" altLang="zh-CN" dirty="0"/>
+              <a:t>RBM</a:t>
+            </a:r>
+            <a:r>
+              <a:rPr lang="zh-CN" altLang="en-US" dirty="0"/>
+              <a:t>），结束后再使用预训练得到的参数进行微调，即使用</a:t>
+            </a:r>
+            <a:r>
+              <a:rPr lang="en-US" altLang="zh-CN" dirty="0"/>
+              <a:t>BP</a:t>
+            </a:r>
+            <a:r>
+              <a:rPr lang="zh-CN" altLang="en-US" dirty="0"/>
+              <a:t>神经网络进行训练。注意原始数据和降噪数据都要使用，这点在后面会有说明。</a:t>
+            </a:r>
+          </a:p>
+        </p:txBody>
+      </p:sp>
+      <p:sp>
+        <p:nvSpPr>
+          <p:cNvPr id="4" name="灯片编号占位符 3"/>
+          <p:cNvSpPr>
+            <a:spLocks noGrp="1"/>
+          </p:cNvSpPr>
+          <p:nvPr>
+            <p:ph type="sldNum" sz="quarter" idx="5"/>
+          </p:nvPr>
+        </p:nvSpPr>
+        <p:spPr/>
+        <p:txBody>
+          <a:bodyPr/>
+          <a:lstStyle/>
+          <a:p>
+            <a:fld id="{1ABD6AD3-857A-4236-82C0-30DBD91EE1AF}" type="slidenum">
+              <a:rPr lang="zh-CN" altLang="en-US" smtClean="0"/>
+              <a:t>3</a:t>
+            </a:fld>
+            <a:endParaRPr lang="zh-CN" altLang="en-US"/>
+          </a:p>
+        </p:txBody>
+      </p:sp>
+    </p:spTree>
+    <p:extLst>
+      <p:ext uri="{BB962C8B-B14F-4D97-AF65-F5344CB8AC3E}">
+        <p14:creationId xmlns:p14="http://schemas.microsoft.com/office/powerpoint/2010/main" val="544863402"/>
+      </p:ext>
+    </p:extLst>
+  </p:cSld>
+  <p:clrMapOvr>
+    <a:masterClrMapping/>
+  </p:clrMapOvr>
+</p:notes>
+</file>
+
+<file path=ppt/notesSlides/notesSlide3.xml><?xml version="1.0" encoding="utf-8"?>
+<p:notes xmlns:a="http://schemas.openxmlformats.org/drawingml/2006/main" xmlns:r="http://schemas.openxmlformats.org/officeDocument/2006/relationships" xmlns:p="http://schemas.openxmlformats.org/presentationml/2006/main">
+  <p:cSld>
+    <p:spTree>
+      <p:nvGrpSpPr>
+        <p:cNvPr id="1" name=""/>
+        <p:cNvGrpSpPr/>
+        <p:nvPr/>
+      </p:nvGrpSpPr>
+      <p:grpSpPr>
+        <a:xfrm>
+          <a:off x="0" y="0"/>
+          <a:ext cx="0" cy="0"/>
+          <a:chOff x="0" y="0"/>
+          <a:chExt cx="0" cy="0"/>
+        </a:xfrm>
+      </p:grpSpPr>
+      <p:sp>
+        <p:nvSpPr>
+          <p:cNvPr id="2" name="幻灯片图像占位符 1"/>
+          <p:cNvSpPr>
+            <a:spLocks noGrp="1" noRot="1" noChangeAspect="1"/>
+          </p:cNvSpPr>
+          <p:nvPr>
+            <p:ph type="sldImg"/>
+          </p:nvPr>
+        </p:nvSpPr>
+        <p:spPr/>
+      </p:sp>
+      <p:sp>
+        <p:nvSpPr>
+          <p:cNvPr id="3" name="备注占位符 2"/>
+          <p:cNvSpPr>
+            <a:spLocks noGrp="1"/>
+          </p:cNvSpPr>
+          <p:nvPr>
+            <p:ph type="body" idx="1"/>
+          </p:nvPr>
+        </p:nvSpPr>
+        <p:spPr/>
+        <p:txBody>
+          <a:bodyPr/>
+          <a:lstStyle/>
+          <a:p>
+            <a:pPr algn="just">
+              <a:spcAft>
+                <a:spcPts val="0"/>
+              </a:spcAft>
+            </a:pPr>
+            <a:r>
+              <a:rPr lang="zh-CN" altLang="en-US" kern="100" dirty="0">
+                <a:latin typeface="等线" panose="02010600030101010101" pitchFamily="2" charset="-122"/>
+                <a:cs typeface="Times New Roman" panose="02020603050405020304" pitchFamily="18" charset="0"/>
+              </a:rPr>
+              <a:t>左图的每一个红框，对应一种故障类型，共</a:t>
+            </a:r>
+            <a:r>
+              <a:rPr lang="en-US" altLang="zh-CN" kern="100" dirty="0">
+                <a:latin typeface="等线" panose="02010600030101010101" pitchFamily="2" charset="-122"/>
+                <a:cs typeface="Times New Roman" panose="02020603050405020304" pitchFamily="18" charset="0"/>
+              </a:rPr>
+              <a:t>9</a:t>
+            </a:r>
+            <a:r>
+              <a:rPr lang="zh-CN" altLang="en-US" kern="100" dirty="0">
+                <a:latin typeface="等线" panose="02010600030101010101" pitchFamily="2" charset="-122"/>
+                <a:cs typeface="Times New Roman" panose="02020603050405020304" pitchFamily="18" charset="0"/>
+              </a:rPr>
+              <a:t>种。再加上正常情况，共</a:t>
+            </a:r>
+            <a:r>
+              <a:rPr lang="en-US" altLang="zh-CN" kern="100" dirty="0">
+                <a:latin typeface="等线" panose="02010600030101010101" pitchFamily="2" charset="-122"/>
+                <a:cs typeface="Times New Roman" panose="02020603050405020304" pitchFamily="18" charset="0"/>
+              </a:rPr>
+              <a:t>10</a:t>
+            </a:r>
+            <a:r>
+              <a:rPr lang="zh-CN" altLang="en-US" kern="100" dirty="0">
+                <a:latin typeface="等线" panose="02010600030101010101" pitchFamily="2" charset="-122"/>
+                <a:cs typeface="Times New Roman" panose="02020603050405020304" pitchFamily="18" charset="0"/>
+              </a:rPr>
+              <a:t>种类型。</a:t>
+            </a:r>
+            <a:r>
+              <a:rPr lang="zh-CN" altLang="zh-CN" kern="100" dirty="0">
+                <a:latin typeface="等线" panose="02010600030101010101" pitchFamily="2" charset="-122"/>
+                <a:cs typeface="Times New Roman" panose="02020603050405020304" pitchFamily="18" charset="0"/>
+              </a:rPr>
+              <a:t>以</a:t>
+            </a:r>
+            <a:r>
+              <a:rPr lang="en-US" altLang="zh-CN" kern="100" dirty="0">
+                <a:latin typeface="等线" panose="02010600030101010101" pitchFamily="2" charset="-122"/>
+                <a:cs typeface="Times New Roman" panose="02020603050405020304" pitchFamily="18" charset="0"/>
+              </a:rPr>
+              <a:t>2048</a:t>
+            </a:r>
+            <a:r>
+              <a:rPr lang="zh-CN" altLang="zh-CN" kern="100" dirty="0">
+                <a:latin typeface="等线" panose="02010600030101010101" pitchFamily="2" charset="-122"/>
+                <a:cs typeface="Times New Roman" panose="02020603050405020304" pitchFamily="18" charset="0"/>
+              </a:rPr>
+              <a:t>个点的窗口处理数据，每</a:t>
+            </a:r>
+            <a:r>
+              <a:rPr lang="zh-CN" altLang="en-US" kern="100" dirty="0">
+                <a:latin typeface="等线" panose="02010600030101010101" pitchFamily="2" charset="-122"/>
+                <a:cs typeface="Times New Roman" panose="02020603050405020304" pitchFamily="18" charset="0"/>
+              </a:rPr>
+              <a:t>种</a:t>
+            </a:r>
+            <a:r>
+              <a:rPr lang="zh-CN" altLang="zh-CN" kern="100" dirty="0">
+                <a:latin typeface="等线" panose="02010600030101010101" pitchFamily="2" charset="-122"/>
+                <a:cs typeface="Times New Roman" panose="02020603050405020304" pitchFamily="18" charset="0"/>
+              </a:rPr>
+              <a:t>故障类型可得到</a:t>
+            </a:r>
+            <a:r>
+              <a:rPr lang="en-US" altLang="zh-CN" kern="100" dirty="0">
+                <a:latin typeface="等线" panose="02010600030101010101" pitchFamily="2" charset="-122"/>
+                <a:cs typeface="Times New Roman" panose="02020603050405020304" pitchFamily="18" charset="0"/>
+              </a:rPr>
+              <a:t>150</a:t>
+            </a:r>
+            <a:r>
+              <a:rPr lang="zh-CN" altLang="en-US" kern="100" dirty="0">
+                <a:latin typeface="等线" panose="02010600030101010101" pitchFamily="2" charset="-122"/>
+                <a:cs typeface="Times New Roman" panose="02020603050405020304" pitchFamily="18" charset="0"/>
+              </a:rPr>
+              <a:t>条数据</a:t>
+            </a:r>
+            <a:r>
+              <a:rPr lang="zh-CN" altLang="zh-CN" kern="100" dirty="0">
+                <a:latin typeface="等线" panose="02010600030101010101" pitchFamily="2" charset="-122"/>
+                <a:cs typeface="Times New Roman" panose="02020603050405020304" pitchFamily="18" charset="0"/>
+              </a:rPr>
+              <a:t>，共有</a:t>
+            </a:r>
+            <a:r>
+              <a:rPr lang="en-US" altLang="zh-CN" kern="100" dirty="0">
+                <a:latin typeface="等线" panose="02010600030101010101" pitchFamily="2" charset="-122"/>
+                <a:cs typeface="Times New Roman" panose="02020603050405020304" pitchFamily="18" charset="0"/>
+              </a:rPr>
+              <a:t>1500</a:t>
+            </a:r>
+            <a:r>
+              <a:rPr lang="zh-CN" altLang="zh-CN" kern="100" dirty="0">
+                <a:latin typeface="等线" panose="02010600030101010101" pitchFamily="2" charset="-122"/>
+                <a:cs typeface="Times New Roman" panose="02020603050405020304" pitchFamily="18" charset="0"/>
+              </a:rPr>
+              <a:t>条数据</a:t>
+            </a:r>
+            <a:r>
+              <a:rPr lang="zh-CN" altLang="en-US" kern="100" dirty="0">
+                <a:latin typeface="等线" panose="02010600030101010101" pitchFamily="2" charset="-122"/>
+                <a:cs typeface="Times New Roman" panose="02020603050405020304" pitchFamily="18" charset="0"/>
+              </a:rPr>
+              <a:t>。</a:t>
+            </a:r>
+            <a:r>
+              <a:rPr lang="zh-CN" altLang="zh-CN" kern="100" dirty="0">
+                <a:latin typeface="等线" panose="02010600030101010101" pitchFamily="2" charset="-122"/>
+                <a:cs typeface="Times New Roman" panose="02020603050405020304" pitchFamily="18" charset="0"/>
+              </a:rPr>
+              <a:t>根据</a:t>
+            </a:r>
+            <a:r>
+              <a:rPr lang="zh-CN" altLang="en-US" kern="100" dirty="0">
+                <a:latin typeface="等线" panose="02010600030101010101" pitchFamily="2" charset="-122"/>
+                <a:cs typeface="Times New Roman" panose="02020603050405020304" pitchFamily="18" charset="0"/>
+              </a:rPr>
+              <a:t>右边表格</a:t>
+            </a:r>
+            <a:r>
+              <a:rPr lang="zh-CN" altLang="zh-CN" kern="100" dirty="0">
+                <a:latin typeface="等线" panose="02010600030101010101" pitchFamily="2" charset="-122"/>
+                <a:cs typeface="Times New Roman" panose="02020603050405020304" pitchFamily="18" charset="0"/>
+              </a:rPr>
+              <a:t>计算</a:t>
+            </a:r>
+            <a:r>
+              <a:rPr lang="en-US" altLang="zh-CN" kern="100" dirty="0">
+                <a:latin typeface="等线" panose="02010600030101010101" pitchFamily="2" charset="-122"/>
+                <a:cs typeface="Times New Roman" panose="02020603050405020304" pitchFamily="18" charset="0"/>
+              </a:rPr>
+              <a:t>18</a:t>
+            </a:r>
+            <a:r>
+              <a:rPr lang="zh-CN" altLang="en-US" kern="100" dirty="0">
+                <a:latin typeface="等线" panose="02010600030101010101" pitchFamily="2" charset="-122"/>
+                <a:cs typeface="Times New Roman" panose="02020603050405020304" pitchFamily="18" charset="0"/>
+              </a:rPr>
+              <a:t>种</a:t>
+            </a:r>
+            <a:r>
+              <a:rPr lang="zh-CN" altLang="zh-CN" kern="100" dirty="0">
+                <a:latin typeface="等线" panose="02010600030101010101" pitchFamily="2" charset="-122"/>
+                <a:cs typeface="Times New Roman" panose="02020603050405020304" pitchFamily="18" charset="0"/>
+              </a:rPr>
+              <a:t>特征</a:t>
+            </a:r>
+            <a:r>
+              <a:rPr lang="zh-CN" altLang="en-US" kern="100" dirty="0">
+                <a:latin typeface="等线" panose="02010600030101010101" pitchFamily="2" charset="-122"/>
+                <a:cs typeface="Times New Roman" panose="02020603050405020304" pitchFamily="18" charset="0"/>
+              </a:rPr>
+              <a:t>。</a:t>
+            </a:r>
+            <a:r>
+              <a:rPr lang="zh-CN" altLang="en-US" kern="100" dirty="0">
+                <a:solidFill>
+                  <a:srgbClr val="FF0000"/>
+                </a:solidFill>
+                <a:latin typeface="等线" panose="02010600030101010101" pitchFamily="2" charset="-122"/>
+                <a:cs typeface="Times New Roman" panose="02020603050405020304" pitchFamily="18" charset="0"/>
+              </a:rPr>
+              <a:t>注意我们需要加上原始数据的特征，因为在降噪中可能滤去了有用的信号。那么对于每条数据，都对应着</a:t>
+            </a:r>
+            <a:r>
+              <a:rPr lang="en-US" altLang="zh-CN" kern="100" dirty="0">
+                <a:solidFill>
+                  <a:srgbClr val="FF0000"/>
+                </a:solidFill>
+                <a:latin typeface="等线" panose="02010600030101010101" pitchFamily="2" charset="-122"/>
+                <a:cs typeface="Times New Roman" panose="02020603050405020304" pitchFamily="18" charset="0"/>
+              </a:rPr>
+              <a:t>36</a:t>
+            </a:r>
+            <a:r>
+              <a:rPr lang="zh-CN" altLang="en-US" kern="100" dirty="0">
+                <a:solidFill>
+                  <a:srgbClr val="FF0000"/>
+                </a:solidFill>
+                <a:latin typeface="等线" panose="02010600030101010101" pitchFamily="2" charset="-122"/>
+                <a:cs typeface="Times New Roman" panose="02020603050405020304" pitchFamily="18" charset="0"/>
+              </a:rPr>
+              <a:t>种特征。我们需要做的就是根据这</a:t>
+            </a:r>
+            <a:r>
+              <a:rPr lang="en-US" altLang="zh-CN" kern="100" dirty="0">
+                <a:solidFill>
+                  <a:srgbClr val="FF0000"/>
+                </a:solidFill>
+                <a:latin typeface="等线" panose="02010600030101010101" pitchFamily="2" charset="-122"/>
+                <a:cs typeface="Times New Roman" panose="02020603050405020304" pitchFamily="18" charset="0"/>
+              </a:rPr>
+              <a:t>36</a:t>
+            </a:r>
+            <a:r>
+              <a:rPr lang="zh-CN" altLang="en-US" kern="100" dirty="0">
+                <a:solidFill>
+                  <a:srgbClr val="FF0000"/>
+                </a:solidFill>
+                <a:latin typeface="等线" panose="02010600030101010101" pitchFamily="2" charset="-122"/>
+                <a:cs typeface="Times New Roman" panose="02020603050405020304" pitchFamily="18" charset="0"/>
+              </a:rPr>
+              <a:t>种特征，判断故障类型。</a:t>
+            </a:r>
+            <a:endParaRPr lang="zh-CN" altLang="zh-CN" kern="100" dirty="0">
+              <a:solidFill>
+                <a:srgbClr val="FF0000"/>
+              </a:solidFill>
+              <a:latin typeface="等线" panose="02010600030101010101" pitchFamily="2" charset="-122"/>
+              <a:cs typeface="Times New Roman" panose="02020603050405020304" pitchFamily="18" charset="0"/>
+            </a:endParaRPr>
+          </a:p>
+        </p:txBody>
+      </p:sp>
+      <p:sp>
+        <p:nvSpPr>
+          <p:cNvPr id="4" name="灯片编号占位符 3"/>
+          <p:cNvSpPr>
+            <a:spLocks noGrp="1"/>
+          </p:cNvSpPr>
+          <p:nvPr>
+            <p:ph type="sldNum" sz="quarter" idx="5"/>
+          </p:nvPr>
+        </p:nvSpPr>
+        <p:spPr/>
+        <p:txBody>
+          <a:bodyPr/>
+          <a:lstStyle/>
+          <a:p>
+            <a:fld id="{1ABD6AD3-857A-4236-82C0-30DBD91EE1AF}" type="slidenum">
+              <a:rPr lang="zh-CN" altLang="en-US" smtClean="0"/>
+              <a:t>4</a:t>
+            </a:fld>
+            <a:endParaRPr lang="zh-CN" altLang="en-US"/>
+          </a:p>
+        </p:txBody>
+      </p:sp>
+    </p:spTree>
+    <p:extLst>
+      <p:ext uri="{BB962C8B-B14F-4D97-AF65-F5344CB8AC3E}">
+        <p14:creationId xmlns:p14="http://schemas.microsoft.com/office/powerpoint/2010/main" val="2256109543"/>
+      </p:ext>
+    </p:extLst>
+  </p:cSld>
+  <p:clrMapOvr>
+    <a:masterClrMapping/>
+  </p:clrMapOvr>
+</p:notes>
+</file>
+
+<file path=ppt/notesSlides/notesSlide4.xml><?xml version="1.0" encoding="utf-8"?>
+<p:notes xmlns:a="http://schemas.openxmlformats.org/drawingml/2006/main" xmlns:r="http://schemas.openxmlformats.org/officeDocument/2006/relationships" xmlns:p="http://schemas.openxmlformats.org/presentationml/2006/main">
+  <p:cSld>
+    <p:spTree>
+      <p:nvGrpSpPr>
+        <p:cNvPr id="1" name=""/>
+        <p:cNvGrpSpPr/>
+        <p:nvPr/>
+      </p:nvGrpSpPr>
+      <p:grpSpPr>
+        <a:xfrm>
+          <a:off x="0" y="0"/>
+          <a:ext cx="0" cy="0"/>
+          <a:chOff x="0" y="0"/>
+          <a:chExt cx="0" cy="0"/>
+        </a:xfrm>
+      </p:grpSpPr>
+      <p:sp>
+        <p:nvSpPr>
+          <p:cNvPr id="2" name="幻灯片图像占位符 1"/>
+          <p:cNvSpPr>
+            <a:spLocks noGrp="1" noRot="1" noChangeAspect="1"/>
+          </p:cNvSpPr>
+          <p:nvPr>
+            <p:ph type="sldImg"/>
+          </p:nvPr>
+        </p:nvSpPr>
+        <p:spPr/>
+      </p:sp>
+      <p:sp>
+        <p:nvSpPr>
+          <p:cNvPr id="3" name="备注占位符 2"/>
+          <p:cNvSpPr>
+            <a:spLocks noGrp="1"/>
+          </p:cNvSpPr>
+          <p:nvPr>
+            <p:ph type="body" idx="1"/>
+          </p:nvPr>
+        </p:nvSpPr>
+        <p:spPr/>
+        <p:txBody>
+          <a:bodyPr/>
+          <a:lstStyle/>
+          <a:p>
+            <a:r>
+              <a:rPr lang="zh-CN" altLang="en-US" dirty="0"/>
+              <a:t>这是特征分布图，左边为降噪后的特征分布，右边为原始的特征分布，</a:t>
+            </a:r>
+            <a:r>
+              <a:rPr lang="en-US" altLang="zh-CN" dirty="0"/>
+              <a:t>x</a:t>
+            </a:r>
+            <a:r>
+              <a:rPr lang="zh-CN" altLang="en-US" dirty="0"/>
+              <a:t>轴为特征值大小，</a:t>
+            </a:r>
+            <a:r>
+              <a:rPr lang="en-US" altLang="zh-CN" dirty="0"/>
+              <a:t>y</a:t>
+            </a:r>
+            <a:r>
+              <a:rPr lang="zh-CN" altLang="en-US" dirty="0"/>
+              <a:t>轴为密度，所有的</a:t>
+            </a:r>
+            <a:r>
+              <a:rPr lang="en-US" altLang="zh-CN" dirty="0"/>
+              <a:t>x</a:t>
+            </a:r>
+            <a:r>
+              <a:rPr lang="zh-CN" altLang="en-US" dirty="0"/>
+              <a:t>轴</a:t>
+            </a:r>
+            <a:r>
+              <a:rPr lang="en-US" altLang="zh-CN" dirty="0"/>
+              <a:t>y</a:t>
+            </a:r>
+            <a:r>
+              <a:rPr lang="zh-CN" altLang="en-US" dirty="0"/>
+              <a:t>轴范围都是一致的。可以看到上面的红框中，降噪使特征分布变得不明显，那我们使用原始数据的特征效果更好。而在下面的红框中，降噪后特征更容易区分，所以应该使用降噪后的结果。</a:t>
+            </a:r>
+          </a:p>
+        </p:txBody>
+      </p:sp>
+      <p:sp>
+        <p:nvSpPr>
+          <p:cNvPr id="4" name="灯片编号占位符 3"/>
+          <p:cNvSpPr>
+            <a:spLocks noGrp="1"/>
+          </p:cNvSpPr>
+          <p:nvPr>
+            <p:ph type="sldNum" sz="quarter" idx="5"/>
+          </p:nvPr>
+        </p:nvSpPr>
+        <p:spPr/>
+        <p:txBody>
+          <a:bodyPr/>
+          <a:lstStyle/>
+          <a:p>
+            <a:fld id="{1ABD6AD3-857A-4236-82C0-30DBD91EE1AF}" type="slidenum">
+              <a:rPr lang="zh-CN" altLang="en-US" smtClean="0"/>
+              <a:t>5</a:t>
+            </a:fld>
+            <a:endParaRPr lang="zh-CN" altLang="en-US"/>
+          </a:p>
+        </p:txBody>
+      </p:sp>
+    </p:spTree>
+    <p:extLst>
+      <p:ext uri="{BB962C8B-B14F-4D97-AF65-F5344CB8AC3E}">
+        <p14:creationId xmlns:p14="http://schemas.microsoft.com/office/powerpoint/2010/main" val="4172569393"/>
+      </p:ext>
+    </p:extLst>
+  </p:cSld>
+  <p:clrMapOvr>
+    <a:masterClrMapping/>
+  </p:clrMapOvr>
+</p:notes>
+</file>
+
+<file path=ppt/notesSlides/notesSlide5.xml><?xml version="1.0" encoding="utf-8"?>
+<p:notes xmlns:a="http://schemas.openxmlformats.org/drawingml/2006/main" xmlns:r="http://schemas.openxmlformats.org/officeDocument/2006/relationships" xmlns:p="http://schemas.openxmlformats.org/presentationml/2006/main">
+  <p:cSld>
+    <p:spTree>
+      <p:nvGrpSpPr>
+        <p:cNvPr id="1" name=""/>
+        <p:cNvGrpSpPr/>
+        <p:nvPr/>
+      </p:nvGrpSpPr>
+      <p:grpSpPr>
+        <a:xfrm>
+          <a:off x="0" y="0"/>
+          <a:ext cx="0" cy="0"/>
+          <a:chOff x="0" y="0"/>
+          <a:chExt cx="0" cy="0"/>
+        </a:xfrm>
+      </p:grpSpPr>
+      <p:sp>
+        <p:nvSpPr>
+          <p:cNvPr id="2" name="幻灯片图像占位符 1"/>
+          <p:cNvSpPr>
+            <a:spLocks noGrp="1" noRot="1" noChangeAspect="1"/>
+          </p:cNvSpPr>
+          <p:nvPr>
+            <p:ph type="sldImg"/>
+          </p:nvPr>
+        </p:nvSpPr>
+        <p:spPr/>
+      </p:sp>
+      <p:sp>
+        <p:nvSpPr>
+          <p:cNvPr id="3" name="备注占位符 2"/>
+          <p:cNvSpPr>
+            <a:spLocks noGrp="1"/>
+          </p:cNvSpPr>
+          <p:nvPr>
+            <p:ph type="body" idx="1"/>
+          </p:nvPr>
+        </p:nvSpPr>
+        <p:spPr/>
+        <p:txBody>
+          <a:bodyPr/>
+          <a:lstStyle/>
+          <a:p>
+            <a:r>
+              <a:rPr lang="zh-CN" altLang="en-US" dirty="0"/>
+              <a:t>这是</a:t>
+            </a:r>
+            <a:r>
+              <a:rPr lang="en-US" altLang="zh-CN" dirty="0"/>
+              <a:t>DBN</a:t>
+            </a:r>
+            <a:r>
+              <a:rPr lang="zh-CN" altLang="en-US" dirty="0"/>
+              <a:t>的结构，可以看到其实</a:t>
+            </a:r>
+            <a:r>
+              <a:rPr lang="en-US" altLang="zh-CN" dirty="0"/>
+              <a:t>DBN</a:t>
+            </a:r>
+            <a:r>
+              <a:rPr lang="zh-CN" altLang="en-US" dirty="0"/>
+              <a:t>与</a:t>
+            </a:r>
+            <a:r>
+              <a:rPr lang="en-US" altLang="zh-CN" dirty="0"/>
+              <a:t>BP</a:t>
+            </a:r>
+            <a:r>
+              <a:rPr lang="zh-CN" altLang="en-US" dirty="0"/>
+              <a:t>十分类似。只是在</a:t>
+            </a:r>
+            <a:r>
+              <a:rPr lang="en-US" altLang="zh-CN" dirty="0"/>
+              <a:t>DBN</a:t>
+            </a:r>
+            <a:r>
+              <a:rPr lang="zh-CN" altLang="en-US" dirty="0"/>
+              <a:t>中，加入了预训练（即</a:t>
+            </a:r>
+            <a:r>
+              <a:rPr lang="en-US" altLang="zh-CN" dirty="0"/>
+              <a:t>RBM</a:t>
+            </a:r>
+            <a:r>
+              <a:rPr lang="zh-CN" altLang="en-US" dirty="0"/>
+              <a:t>），从而通过无监督学习，先得到较优的参数，从而提升性能。</a:t>
+            </a:r>
+          </a:p>
+        </p:txBody>
+      </p:sp>
+      <p:sp>
+        <p:nvSpPr>
+          <p:cNvPr id="4" name="灯片编号占位符 3"/>
+          <p:cNvSpPr>
+            <a:spLocks noGrp="1"/>
+          </p:cNvSpPr>
+          <p:nvPr>
+            <p:ph type="sldNum" sz="quarter" idx="5"/>
+          </p:nvPr>
+        </p:nvSpPr>
+        <p:spPr/>
+        <p:txBody>
+          <a:bodyPr/>
+          <a:lstStyle/>
+          <a:p>
+            <a:fld id="{1ABD6AD3-857A-4236-82C0-30DBD91EE1AF}" type="slidenum">
+              <a:rPr lang="zh-CN" altLang="en-US" smtClean="0"/>
+              <a:t>6</a:t>
+            </a:fld>
+            <a:endParaRPr lang="zh-CN" altLang="en-US"/>
+          </a:p>
+        </p:txBody>
+      </p:sp>
+    </p:spTree>
+    <p:extLst>
+      <p:ext uri="{BB962C8B-B14F-4D97-AF65-F5344CB8AC3E}">
+        <p14:creationId xmlns:p14="http://schemas.microsoft.com/office/powerpoint/2010/main" val="638202872"/>
+      </p:ext>
+    </p:extLst>
+  </p:cSld>
+  <p:clrMapOvr>
+    <a:masterClrMapping/>
+  </p:clrMapOvr>
+</p:notes>
+</file>
+
+<file path=ppt/notesSlides/notesSlide6.xml><?xml version="1.0" encoding="utf-8"?>
+<p:notes xmlns:a="http://schemas.openxmlformats.org/drawingml/2006/main" xmlns:r="http://schemas.openxmlformats.org/officeDocument/2006/relationships" xmlns:p="http://schemas.openxmlformats.org/presentationml/2006/main">
+  <p:cSld>
+    <p:spTree>
+      <p:nvGrpSpPr>
+        <p:cNvPr id="1" name=""/>
+        <p:cNvGrpSpPr/>
+        <p:nvPr/>
+      </p:nvGrpSpPr>
+      <p:grpSpPr>
+        <a:xfrm>
+          <a:off x="0" y="0"/>
+          <a:ext cx="0" cy="0"/>
+          <a:chOff x="0" y="0"/>
+          <a:chExt cx="0" cy="0"/>
+        </a:xfrm>
+      </p:grpSpPr>
+      <p:sp>
+        <p:nvSpPr>
+          <p:cNvPr id="2" name="幻灯片图像占位符 1"/>
+          <p:cNvSpPr>
+            <a:spLocks noGrp="1" noRot="1" noChangeAspect="1"/>
+          </p:cNvSpPr>
+          <p:nvPr>
+            <p:ph type="sldImg"/>
+          </p:nvPr>
+        </p:nvSpPr>
+        <p:spPr/>
+      </p:sp>
+      <p:sp>
+        <p:nvSpPr>
+          <p:cNvPr id="3" name="备注占位符 2"/>
+          <p:cNvSpPr>
+            <a:spLocks noGrp="1"/>
+          </p:cNvSpPr>
+          <p:nvPr>
+            <p:ph type="body" idx="1"/>
+          </p:nvPr>
+        </p:nvSpPr>
+        <p:spPr/>
+        <p:txBody>
+          <a:bodyPr/>
+          <a:lstStyle/>
+          <a:p>
+            <a:r>
+              <a:rPr lang="zh-CN" altLang="en-US" sz="1200" dirty="0"/>
+              <a:t>传统</a:t>
+            </a:r>
+            <a:r>
+              <a:rPr lang="en-US" altLang="zh-CN" sz="1200" dirty="0"/>
+              <a:t>BP</a:t>
+            </a:r>
+            <a:r>
+              <a:rPr lang="zh-CN" altLang="en-US" sz="1200" dirty="0"/>
+              <a:t>算法的缺陷：</a:t>
+            </a:r>
+            <a:endParaRPr lang="en-US" altLang="zh-CN" sz="1200" dirty="0"/>
+          </a:p>
+          <a:p>
+            <a:r>
+              <a:rPr lang="zh-CN" altLang="en-US" sz="1200" dirty="0"/>
+              <a:t>（</a:t>
+            </a:r>
+            <a:r>
+              <a:rPr lang="en-US" altLang="zh-CN" sz="1200" dirty="0"/>
+              <a:t>1</a:t>
+            </a:r>
+            <a:r>
+              <a:rPr lang="zh-CN" altLang="en-US" sz="1200" dirty="0"/>
+              <a:t>）需要为训练提供一个有</a:t>
+            </a:r>
+            <a:r>
+              <a:rPr lang="zh-CN" altLang="en-US" sz="1200" dirty="0">
+                <a:solidFill>
+                  <a:srgbClr val="FF0000"/>
+                </a:solidFill>
+              </a:rPr>
+              <a:t>标签</a:t>
+            </a:r>
+            <a:r>
+              <a:rPr lang="zh-CN" altLang="en-US" sz="1200" dirty="0"/>
+              <a:t>的样本集；（</a:t>
+            </a:r>
+            <a:r>
+              <a:rPr lang="en-US" altLang="zh-CN" sz="1200" dirty="0"/>
+              <a:t>2</a:t>
+            </a:r>
+            <a:r>
+              <a:rPr lang="zh-CN" altLang="en-US" sz="1200" dirty="0"/>
+              <a:t>）学习过程</a:t>
+            </a:r>
+            <a:r>
+              <a:rPr lang="zh-CN" altLang="en-US" sz="1200" dirty="0">
+                <a:solidFill>
+                  <a:srgbClr val="FF0000"/>
+                </a:solidFill>
+              </a:rPr>
+              <a:t>较慢</a:t>
+            </a:r>
+            <a:r>
+              <a:rPr lang="zh-CN" altLang="en-US" sz="1200" dirty="0"/>
+              <a:t>；（</a:t>
+            </a:r>
+            <a:r>
+              <a:rPr lang="en-US" altLang="zh-CN" sz="1200" dirty="0"/>
+              <a:t>3</a:t>
+            </a:r>
+            <a:r>
+              <a:rPr lang="zh-CN" altLang="en-US" sz="1200" dirty="0"/>
+              <a:t>）不适当的参数选择会导致学习收敛于</a:t>
+            </a:r>
+            <a:r>
+              <a:rPr lang="zh-CN" altLang="en-US" sz="1200" dirty="0">
+                <a:solidFill>
+                  <a:srgbClr val="FF0000"/>
+                </a:solidFill>
+              </a:rPr>
+              <a:t>局部最优解</a:t>
+            </a:r>
+            <a:r>
+              <a:rPr lang="zh-CN" altLang="en-US" sz="1200" dirty="0"/>
+              <a:t>。</a:t>
+            </a:r>
+            <a:endParaRPr lang="en-US" altLang="zh-CN" sz="1200" dirty="0"/>
+          </a:p>
+          <a:p>
+            <a:r>
+              <a:rPr lang="en-US" altLang="zh-CN" sz="1200" dirty="0"/>
+              <a:t>DBN</a:t>
+            </a:r>
+            <a:r>
+              <a:rPr lang="zh-CN" altLang="en-US" sz="1200" dirty="0"/>
+              <a:t>：</a:t>
+            </a:r>
+            <a:endParaRPr lang="en-US" altLang="zh-CN" sz="1200" dirty="0"/>
+          </a:p>
+          <a:p>
+            <a:r>
+              <a:rPr lang="zh-CN" altLang="en-US" sz="1200" dirty="0"/>
+              <a:t>（</a:t>
+            </a:r>
+            <a:r>
+              <a:rPr lang="en-US" altLang="zh-CN" sz="1200" dirty="0"/>
+              <a:t>1</a:t>
+            </a:r>
+            <a:r>
+              <a:rPr lang="zh-CN" altLang="en-US" sz="1200" dirty="0"/>
+              <a:t>）通过一个</a:t>
+            </a:r>
+            <a:r>
+              <a:rPr lang="zh-CN" altLang="en-US" sz="1200" dirty="0">
+                <a:solidFill>
+                  <a:srgbClr val="FF0000"/>
+                </a:solidFill>
+              </a:rPr>
+              <a:t>非监督</a:t>
+            </a:r>
+            <a:r>
+              <a:rPr lang="zh-CN" altLang="en-US" sz="1200" dirty="0"/>
+              <a:t>贪婪逐层方法去预训练获得生成模型的权值。（</a:t>
+            </a:r>
+            <a:r>
+              <a:rPr lang="en-US" altLang="zh-CN" sz="1200" dirty="0"/>
+              <a:t>2</a:t>
+            </a:r>
+            <a:r>
+              <a:rPr lang="zh-CN" altLang="en-US" sz="1200" dirty="0"/>
+              <a:t>）</a:t>
+            </a:r>
+            <a:r>
+              <a:rPr lang="en-US" altLang="zh-CN" sz="1200" dirty="0"/>
+              <a:t>Gibbs</a:t>
+            </a:r>
+            <a:r>
+              <a:rPr lang="zh-CN" altLang="en-US" sz="1200" dirty="0"/>
+              <a:t>采样使训练时间显著减少，因为只需要</a:t>
+            </a:r>
+            <a:r>
+              <a:rPr lang="zh-CN" altLang="en-US" sz="1200" dirty="0">
+                <a:solidFill>
+                  <a:srgbClr val="FF0000"/>
+                </a:solidFill>
+              </a:rPr>
+              <a:t>单个步骤</a:t>
+            </a:r>
+            <a:r>
+              <a:rPr lang="zh-CN" altLang="en-US" sz="1200" dirty="0"/>
+              <a:t>就可以接近最大似然学习。</a:t>
+            </a:r>
+            <a:r>
+              <a:rPr lang="en-US" altLang="zh-CN" sz="1200" dirty="0"/>
+              <a:t>DBN</a:t>
+            </a:r>
+            <a:r>
+              <a:rPr lang="zh-CN" altLang="en-US" sz="1200" dirty="0"/>
+              <a:t>的</a:t>
+            </a:r>
+            <a:r>
+              <a:rPr lang="en-US" altLang="zh-CN" sz="1200" dirty="0"/>
+              <a:t>BP</a:t>
+            </a:r>
+            <a:r>
+              <a:rPr lang="zh-CN" altLang="en-US" sz="1200" dirty="0"/>
+              <a:t>算法只需要对权值参数空间进行一个</a:t>
+            </a:r>
+            <a:r>
+              <a:rPr lang="zh-CN" altLang="en-US" sz="1200" dirty="0">
+                <a:solidFill>
+                  <a:srgbClr val="FF0000"/>
+                </a:solidFill>
+              </a:rPr>
+              <a:t>局部的搜索</a:t>
+            </a:r>
+            <a:r>
+              <a:rPr lang="zh-CN" altLang="en-US" sz="1200" dirty="0"/>
+              <a:t>，这相比前向神经网络来说，训练是要快的，而且收敛的时间也少。（</a:t>
+            </a:r>
+            <a:r>
+              <a:rPr lang="en-US" altLang="zh-CN" sz="1200" dirty="0"/>
+              <a:t>3</a:t>
+            </a:r>
+            <a:r>
+              <a:rPr lang="zh-CN" altLang="en-US" sz="1200" dirty="0"/>
+              <a:t>）</a:t>
+            </a:r>
+            <a:r>
+              <a:rPr lang="en-US" altLang="zh-CN" sz="1200" dirty="0"/>
+              <a:t>RBM </a:t>
+            </a:r>
+            <a:r>
+              <a:rPr lang="zh-CN" altLang="en-US" sz="1200" dirty="0"/>
+              <a:t>网络训练模型的过程可以看作对一个深层 </a:t>
+            </a:r>
+            <a:r>
+              <a:rPr lang="en-US" altLang="zh-CN" sz="1200" dirty="0"/>
+              <a:t>BP </a:t>
+            </a:r>
+            <a:r>
+              <a:rPr lang="zh-CN" altLang="en-US" sz="1200" dirty="0"/>
+              <a:t>网络权值参数的</a:t>
+            </a:r>
+            <a:r>
+              <a:rPr lang="zh-CN" altLang="en-US" sz="1200" dirty="0">
+                <a:solidFill>
+                  <a:srgbClr val="FF0000"/>
+                </a:solidFill>
+              </a:rPr>
+              <a:t>初始化</a:t>
+            </a:r>
+            <a:r>
+              <a:rPr lang="zh-CN" altLang="en-US" sz="1200" dirty="0"/>
+              <a:t>，使</a:t>
+            </a:r>
+            <a:r>
+              <a:rPr lang="en-US" altLang="zh-CN" sz="1200" dirty="0"/>
+              <a:t>DBN </a:t>
+            </a:r>
+            <a:r>
+              <a:rPr lang="zh-CN" altLang="en-US" sz="1200" dirty="0"/>
+              <a:t>克服了</a:t>
+            </a:r>
+            <a:r>
+              <a:rPr lang="en-US" altLang="zh-CN" sz="1200" dirty="0"/>
+              <a:t>BP </a:t>
+            </a:r>
+            <a:r>
+              <a:rPr lang="zh-CN" altLang="en-US" sz="1200" dirty="0"/>
+              <a:t>网络因随机初始化权值参数而容易陷入局部最优和训练时间长的缺点。</a:t>
+            </a:r>
+          </a:p>
+          <a:p>
+            <a:endParaRPr lang="en-US" altLang="zh-CN" sz="1200" dirty="0"/>
+          </a:p>
+          <a:p>
+            <a:endParaRPr lang="zh-CN" altLang="en-US" dirty="0"/>
+          </a:p>
+        </p:txBody>
+      </p:sp>
+      <p:sp>
+        <p:nvSpPr>
+          <p:cNvPr id="4" name="灯片编号占位符 3"/>
+          <p:cNvSpPr>
+            <a:spLocks noGrp="1"/>
+          </p:cNvSpPr>
+          <p:nvPr>
+            <p:ph type="sldNum" sz="quarter" idx="5"/>
+          </p:nvPr>
+        </p:nvSpPr>
+        <p:spPr/>
+        <p:txBody>
+          <a:bodyPr/>
+          <a:lstStyle/>
+          <a:p>
+            <a:fld id="{1ABD6AD3-857A-4236-82C0-30DBD91EE1AF}" type="slidenum">
+              <a:rPr lang="zh-CN" altLang="en-US" smtClean="0"/>
+              <a:t>7</a:t>
+            </a:fld>
+            <a:endParaRPr lang="zh-CN" altLang="en-US"/>
+          </a:p>
+        </p:txBody>
+      </p:sp>
+    </p:spTree>
+    <p:extLst>
+      <p:ext uri="{BB962C8B-B14F-4D97-AF65-F5344CB8AC3E}">
+        <p14:creationId xmlns:p14="http://schemas.microsoft.com/office/powerpoint/2010/main" val="3304891276"/>
+      </p:ext>
+    </p:extLst>
+  </p:cSld>
+  <p:clrMapOvr>
+    <a:masterClrMapping/>
+  </p:clrMapOvr>
+</p:notes>
+</file>
+
+<file path=ppt/notesSlides/notesSlide7.xml><?xml version="1.0" encoding="utf-8"?>
+<p:notes xmlns:a="http://schemas.openxmlformats.org/drawingml/2006/main" xmlns:r="http://schemas.openxmlformats.org/officeDocument/2006/relationships" xmlns:p="http://schemas.openxmlformats.org/presentationml/2006/main">
+  <p:cSld>
+    <p:spTree>
+      <p:nvGrpSpPr>
+        <p:cNvPr id="1" name=""/>
+        <p:cNvGrpSpPr/>
+        <p:nvPr/>
+      </p:nvGrpSpPr>
+      <p:grpSpPr>
+        <a:xfrm>
+          <a:off x="0" y="0"/>
+          <a:ext cx="0" cy="0"/>
+          <a:chOff x="0" y="0"/>
+          <a:chExt cx="0" cy="0"/>
+        </a:xfrm>
+      </p:grpSpPr>
+      <p:sp>
+        <p:nvSpPr>
+          <p:cNvPr id="2" name="幻灯片图像占位符 1"/>
+          <p:cNvSpPr>
+            <a:spLocks noGrp="1" noRot="1" noChangeAspect="1"/>
+          </p:cNvSpPr>
+          <p:nvPr>
+            <p:ph type="sldImg"/>
+          </p:nvPr>
+        </p:nvSpPr>
+        <p:spPr/>
+      </p:sp>
+      <p:sp>
+        <p:nvSpPr>
+          <p:cNvPr id="3" name="备注占位符 2"/>
+          <p:cNvSpPr>
+            <a:spLocks noGrp="1"/>
+          </p:cNvSpPr>
+          <p:nvPr>
+            <p:ph type="body" idx="1"/>
+          </p:nvPr>
+        </p:nvSpPr>
+        <p:spPr/>
+        <p:txBody>
+          <a:bodyPr/>
+          <a:lstStyle/>
+          <a:p>
+            <a:r>
+              <a:rPr lang="zh-CN" altLang="en-US" dirty="0"/>
+              <a:t>接下来我们比较</a:t>
+            </a:r>
+            <a:r>
+              <a:rPr lang="en-US" altLang="zh-CN" dirty="0"/>
+              <a:t>DBN</a:t>
+            </a:r>
+            <a:r>
+              <a:rPr lang="zh-CN" altLang="en-US" dirty="0"/>
+              <a:t>与传统</a:t>
+            </a:r>
+            <a:r>
+              <a:rPr lang="en-US" altLang="zh-CN" dirty="0"/>
+              <a:t>BP</a:t>
+            </a:r>
+            <a:r>
+              <a:rPr lang="zh-CN" altLang="en-US" dirty="0"/>
+              <a:t>算法。在接下来的对比图中，黑色的曲线总是代表理论上更加优秀的算法。并取</a:t>
+            </a:r>
+            <a:r>
+              <a:rPr lang="en-US" altLang="zh-CN" dirty="0"/>
+              <a:t>50</a:t>
+            </a:r>
+            <a:r>
+              <a:rPr lang="zh-CN" altLang="en-US" dirty="0"/>
+              <a:t>次实验的平均值。可见在传统</a:t>
+            </a:r>
+            <a:r>
+              <a:rPr lang="en-US" altLang="zh-CN" dirty="0"/>
+              <a:t>BP</a:t>
+            </a:r>
+            <a:r>
+              <a:rPr lang="zh-CN" altLang="en-US" dirty="0"/>
+              <a:t>中，初始正确率很低，仅为</a:t>
+            </a:r>
+            <a:r>
+              <a:rPr lang="en-US" altLang="zh-CN" dirty="0"/>
+              <a:t>10%</a:t>
+            </a:r>
+            <a:r>
+              <a:rPr lang="zh-CN" altLang="en-US" dirty="0"/>
+              <a:t>，而在</a:t>
+            </a:r>
+            <a:r>
+              <a:rPr lang="en-US" altLang="zh-CN" dirty="0"/>
+              <a:t>DBN</a:t>
+            </a:r>
+            <a:r>
+              <a:rPr lang="zh-CN" altLang="en-US" dirty="0"/>
+              <a:t>中，初始正确率可达到</a:t>
+            </a:r>
+            <a:r>
+              <a:rPr lang="en-US" altLang="zh-CN" dirty="0"/>
+              <a:t>20%</a:t>
+            </a:r>
+            <a:r>
+              <a:rPr lang="zh-CN" altLang="en-US" dirty="0"/>
+              <a:t>。</a:t>
+            </a:r>
+            <a:r>
+              <a:rPr lang="en-US" altLang="zh-CN" dirty="0"/>
+              <a:t>DBN</a:t>
+            </a:r>
+            <a:r>
+              <a:rPr lang="zh-CN" altLang="en-US" dirty="0"/>
+              <a:t>可以更快收敛，且有更高的分类准确率。</a:t>
+            </a:r>
+          </a:p>
+        </p:txBody>
+      </p:sp>
+      <p:sp>
+        <p:nvSpPr>
+          <p:cNvPr id="4" name="灯片编号占位符 3"/>
+          <p:cNvSpPr>
+            <a:spLocks noGrp="1"/>
+          </p:cNvSpPr>
+          <p:nvPr>
+            <p:ph type="sldNum" sz="quarter" idx="5"/>
+          </p:nvPr>
+        </p:nvSpPr>
+        <p:spPr/>
+        <p:txBody>
+          <a:bodyPr/>
+          <a:lstStyle/>
+          <a:p>
+            <a:fld id="{1ABD6AD3-857A-4236-82C0-30DBD91EE1AF}" type="slidenum">
+              <a:rPr lang="zh-CN" altLang="en-US" smtClean="0"/>
+              <a:t>8</a:t>
+            </a:fld>
+            <a:endParaRPr lang="zh-CN" altLang="en-US"/>
+          </a:p>
+        </p:txBody>
+      </p:sp>
+    </p:spTree>
+    <p:extLst>
+      <p:ext uri="{BB962C8B-B14F-4D97-AF65-F5344CB8AC3E}">
+        <p14:creationId xmlns:p14="http://schemas.microsoft.com/office/powerpoint/2010/main" val="1443704097"/>
+      </p:ext>
+    </p:extLst>
+  </p:cSld>
+  <p:clrMapOvr>
+    <a:masterClrMapping/>
+  </p:clrMapOvr>
+</p:notes>
+</file>
+
+<file path=ppt/notesSlides/notesSlide8.xml><?xml version="1.0" encoding="utf-8"?>
+<p:notes xmlns:a="http://schemas.openxmlformats.org/drawingml/2006/main" xmlns:r="http://schemas.openxmlformats.org/officeDocument/2006/relationships" xmlns:p="http://schemas.openxmlformats.org/presentationml/2006/main">
+  <p:cSld>
+    <p:spTree>
+      <p:nvGrpSpPr>
+        <p:cNvPr id="1" name=""/>
+        <p:cNvGrpSpPr/>
+        <p:nvPr/>
+      </p:nvGrpSpPr>
+      <p:grpSpPr>
+        <a:xfrm>
+          <a:off x="0" y="0"/>
+          <a:ext cx="0" cy="0"/>
+          <a:chOff x="0" y="0"/>
+          <a:chExt cx="0" cy="0"/>
+        </a:xfrm>
+      </p:grpSpPr>
+      <p:sp>
+        <p:nvSpPr>
+          <p:cNvPr id="2" name="幻灯片图像占位符 1"/>
+          <p:cNvSpPr>
+            <a:spLocks noGrp="1" noRot="1" noChangeAspect="1"/>
+          </p:cNvSpPr>
+          <p:nvPr>
+            <p:ph type="sldImg"/>
+          </p:nvPr>
+        </p:nvSpPr>
+        <p:spPr/>
+      </p:sp>
+      <p:sp>
+        <p:nvSpPr>
+          <p:cNvPr id="3" name="备注占位符 2"/>
+          <p:cNvSpPr>
+            <a:spLocks noGrp="1"/>
+          </p:cNvSpPr>
+          <p:nvPr>
+            <p:ph type="body" idx="1"/>
+          </p:nvPr>
+        </p:nvSpPr>
+        <p:spPr/>
+        <p:txBody>
+          <a:bodyPr/>
+          <a:lstStyle/>
+          <a:p>
+            <a:r>
+              <a:rPr lang="zh-CN" altLang="en-US" sz="1200" dirty="0">
+                <a:latin typeface="+mn-lt"/>
+                <a:ea typeface="+mn-ea"/>
+              </a:rPr>
+              <a:t>将</a:t>
+            </a:r>
+            <a:r>
+              <a:rPr lang="en-US" altLang="zh-CN" sz="1200" dirty="0">
+                <a:latin typeface="+mn-lt"/>
+                <a:ea typeface="+mn-ea"/>
+              </a:rPr>
+              <a:t>Sigmoid</a:t>
+            </a:r>
+            <a:r>
+              <a:rPr lang="zh-CN" altLang="en-US" sz="1200" dirty="0">
+                <a:latin typeface="+mn-lt"/>
+                <a:ea typeface="+mn-ea"/>
+              </a:rPr>
+              <a:t>与</a:t>
+            </a:r>
+            <a:r>
+              <a:rPr lang="en-US" altLang="zh-CN" sz="1200" dirty="0">
+                <a:latin typeface="+mn-lt"/>
+                <a:ea typeface="+mn-ea"/>
+              </a:rPr>
+              <a:t>Leaky-</a:t>
+            </a:r>
+            <a:r>
+              <a:rPr lang="en-US" altLang="zh-CN" sz="1200" dirty="0" err="1">
+                <a:latin typeface="+mn-lt"/>
+                <a:ea typeface="+mn-ea"/>
+              </a:rPr>
+              <a:t>ReLU</a:t>
+            </a:r>
+            <a:r>
+              <a:rPr lang="zh-CN" altLang="en-US" sz="1200" dirty="0">
+                <a:latin typeface="+mn-lt"/>
+                <a:ea typeface="+mn-ea"/>
+              </a:rPr>
+              <a:t>结合，提出了</a:t>
+            </a:r>
+            <a:r>
+              <a:rPr lang="en-US" altLang="zh-CN" sz="1200" dirty="0">
+                <a:latin typeface="+mn-lt"/>
+                <a:ea typeface="+mn-ea"/>
+              </a:rPr>
+              <a:t>Improved-Sigmoid</a:t>
+            </a:r>
+            <a:r>
+              <a:rPr lang="zh-CN" altLang="en-US" sz="1200" dirty="0">
+                <a:latin typeface="+mn-lt"/>
+                <a:ea typeface="+mn-ea"/>
+              </a:rPr>
+              <a:t>，将其做为微调时的激活函数，可以加快收敛，进一步提升准确率。</a:t>
+            </a:r>
+            <a:endParaRPr lang="zh-CN" altLang="en-US" dirty="0"/>
+          </a:p>
+        </p:txBody>
+      </p:sp>
+      <p:sp>
+        <p:nvSpPr>
+          <p:cNvPr id="4" name="灯片编号占位符 3"/>
+          <p:cNvSpPr>
+            <a:spLocks noGrp="1"/>
+          </p:cNvSpPr>
+          <p:nvPr>
+            <p:ph type="sldNum" sz="quarter" idx="5"/>
+          </p:nvPr>
+        </p:nvSpPr>
+        <p:spPr/>
+        <p:txBody>
+          <a:bodyPr/>
+          <a:lstStyle/>
+          <a:p>
+            <a:fld id="{1ABD6AD3-857A-4236-82C0-30DBD91EE1AF}" type="slidenum">
+              <a:rPr lang="zh-CN" altLang="en-US" smtClean="0"/>
+              <a:t>9</a:t>
+            </a:fld>
+            <a:endParaRPr lang="zh-CN" altLang="en-US"/>
+          </a:p>
+        </p:txBody>
+      </p:sp>
+    </p:spTree>
+    <p:extLst>
+      <p:ext uri="{BB962C8B-B14F-4D97-AF65-F5344CB8AC3E}">
+        <p14:creationId xmlns:p14="http://schemas.microsoft.com/office/powerpoint/2010/main" val="732194374"/>
+      </p:ext>
+    </p:extLst>
+  </p:cSld>
+  <p:clrMapOvr>
+    <a:masterClrMapping/>
+  </p:clrMapOvr>
+</p:notes>
+</file>
+
+<file path=ppt/notesSlides/notesSlide9.xml><?xml version="1.0" encoding="utf-8"?>
+<p:notes xmlns:a="http://schemas.openxmlformats.org/drawingml/2006/main" xmlns:r="http://schemas.openxmlformats.org/officeDocument/2006/relationships" xmlns:p="http://schemas.openxmlformats.org/presentationml/2006/main">
+  <p:cSld>
+    <p:spTree>
+      <p:nvGrpSpPr>
+        <p:cNvPr id="1" name=""/>
+        <p:cNvGrpSpPr/>
+        <p:nvPr/>
+      </p:nvGrpSpPr>
+      <p:grpSpPr>
+        <a:xfrm>
+          <a:off x="0" y="0"/>
+          <a:ext cx="0" cy="0"/>
+          <a:chOff x="0" y="0"/>
+          <a:chExt cx="0" cy="0"/>
+        </a:xfrm>
+      </p:grpSpPr>
+      <p:sp>
+        <p:nvSpPr>
+          <p:cNvPr id="2" name="幻灯片图像占位符 1"/>
+          <p:cNvSpPr>
+            <a:spLocks noGrp="1" noRot="1" noChangeAspect="1"/>
+          </p:cNvSpPr>
+          <p:nvPr>
+            <p:ph type="sldImg"/>
+          </p:nvPr>
+        </p:nvSpPr>
+        <p:spPr/>
+      </p:sp>
+      <p:sp>
+        <p:nvSpPr>
+          <p:cNvPr id="3" name="备注占位符 2"/>
+          <p:cNvSpPr>
+            <a:spLocks noGrp="1"/>
+          </p:cNvSpPr>
+          <p:nvPr>
+            <p:ph type="body" idx="1"/>
+          </p:nvPr>
+        </p:nvSpPr>
+        <p:spPr/>
+        <p:txBody>
+          <a:bodyPr/>
+          <a:lstStyle/>
+          <a:p>
+            <a:r>
+              <a:rPr lang="en-US" altLang="zh-CN" sz="1200" dirty="0"/>
+              <a:t>1. Sigmoid</a:t>
+            </a:r>
+            <a:r>
+              <a:rPr lang="zh-CN" altLang="en-US" sz="1200" dirty="0"/>
+              <a:t>函数在</a:t>
+            </a:r>
+            <a:r>
+              <a:rPr lang="zh-CN" altLang="en-US" sz="1200" dirty="0">
+                <a:solidFill>
+                  <a:srgbClr val="FF0000"/>
+                </a:solidFill>
+              </a:rPr>
+              <a:t>压缩数据“幅度”方面有优势</a:t>
+            </a:r>
+            <a:r>
+              <a:rPr lang="zh-CN" altLang="en-US" sz="1200" dirty="0"/>
+              <a:t>，对于深度网络，使用</a:t>
+            </a:r>
+            <a:r>
+              <a:rPr lang="en-US" altLang="zh-CN" sz="1200" dirty="0"/>
+              <a:t>Sigmoid</a:t>
+            </a:r>
+            <a:r>
+              <a:rPr lang="zh-CN" altLang="en-US" sz="1200" dirty="0"/>
+              <a:t>函数可以保证数据幅度不会有问题，幅度稳住后就不会有太大失误。</a:t>
+            </a:r>
+            <a:endParaRPr lang="en-US" altLang="zh-CN" sz="1200" dirty="0"/>
+          </a:p>
+          <a:p>
+            <a:r>
+              <a:rPr lang="en-US" altLang="zh-CN" sz="1200" dirty="0"/>
+              <a:t>2. </a:t>
+            </a:r>
+            <a:r>
+              <a:rPr lang="en-US" altLang="zh-CN" sz="1200" dirty="0" err="1"/>
+              <a:t>ReLU</a:t>
+            </a:r>
+            <a:r>
+              <a:rPr lang="zh-CN" altLang="en-US" sz="1200" dirty="0">
+                <a:solidFill>
+                  <a:srgbClr val="FF0000"/>
+                </a:solidFill>
+              </a:rPr>
+              <a:t>不会对数据做幅度压缩</a:t>
+            </a:r>
+            <a:r>
+              <a:rPr lang="zh-CN" altLang="en-US" sz="1200" dirty="0"/>
+              <a:t>，所以随着深度网络层数加深，数据的幅度会越来越大，最终影响模型的表现。</a:t>
+            </a:r>
+          </a:p>
+          <a:p>
+            <a:r>
+              <a:rPr lang="en-US" altLang="zh-CN" sz="1200" dirty="0"/>
+              <a:t>3. Sigmoid</a:t>
+            </a:r>
+            <a:r>
+              <a:rPr lang="zh-CN" altLang="en-US" sz="1200" dirty="0"/>
+              <a:t>存在梯度消失的问题，</a:t>
+            </a:r>
+            <a:r>
+              <a:rPr lang="zh-CN" altLang="en-US" sz="1200" dirty="0">
+                <a:solidFill>
+                  <a:srgbClr val="00B0F0"/>
+                </a:solidFill>
+              </a:rPr>
+              <a:t>在反向传播上有劣势</a:t>
+            </a:r>
+            <a:r>
+              <a:rPr lang="zh-CN" altLang="en-US" sz="1200" dirty="0"/>
+              <a:t>。</a:t>
+            </a:r>
+          </a:p>
+          <a:p>
+            <a:r>
+              <a:rPr lang="en-US" altLang="zh-CN" sz="1200" dirty="0"/>
+              <a:t>4. </a:t>
+            </a:r>
+            <a:r>
+              <a:rPr lang="en-US" altLang="zh-CN" sz="1200" dirty="0" err="1"/>
+              <a:t>ReLU</a:t>
+            </a:r>
+            <a:r>
+              <a:rPr lang="zh-CN" altLang="en-US" sz="1200" dirty="0"/>
+              <a:t>在反向传导时，</a:t>
+            </a:r>
+            <a:r>
+              <a:rPr lang="zh-CN" altLang="en-US" sz="1200" dirty="0">
+                <a:solidFill>
+                  <a:srgbClr val="00B0F0"/>
+                </a:solidFill>
+              </a:rPr>
+              <a:t>能够将梯度信息“完完全全”地传递到浅层网络</a:t>
+            </a:r>
+            <a:r>
+              <a:rPr lang="zh-CN" altLang="en-US" sz="1200" dirty="0"/>
+              <a:t>。</a:t>
+            </a:r>
+          </a:p>
+          <a:p>
+            <a:r>
+              <a:rPr lang="en-US" altLang="zh-CN" sz="1200" dirty="0" err="1"/>
+              <a:t>ReLU</a:t>
+            </a:r>
+            <a:r>
+              <a:rPr lang="zh-CN" altLang="en-US" sz="1200" dirty="0"/>
+              <a:t>和</a:t>
+            </a:r>
+            <a:r>
+              <a:rPr lang="en-US" altLang="zh-CN" sz="1200" dirty="0" err="1"/>
+              <a:t>LReLU</a:t>
+            </a:r>
+            <a:r>
+              <a:rPr lang="zh-CN" altLang="en-US" sz="1200" dirty="0"/>
+              <a:t>不适用于</a:t>
+            </a:r>
+            <a:r>
+              <a:rPr lang="en-US" altLang="zh-CN" sz="1200" dirty="0"/>
+              <a:t>DBN</a:t>
+            </a:r>
+            <a:r>
+              <a:rPr lang="zh-CN" altLang="en-US" sz="1200" dirty="0"/>
+              <a:t>，因为它们无法充分发挥</a:t>
+            </a:r>
+            <a:r>
+              <a:rPr lang="en-US" altLang="zh-CN" sz="1200" dirty="0"/>
+              <a:t>RBM</a:t>
+            </a:r>
+            <a:r>
+              <a:rPr lang="zh-CN" altLang="en-US" sz="1200" dirty="0"/>
+              <a:t>预训练的作用。</a:t>
+            </a:r>
+          </a:p>
+          <a:p>
+            <a:r>
+              <a:rPr lang="zh-CN" altLang="en-US" sz="1200" dirty="0"/>
+              <a:t>因此在文章中结合了</a:t>
+            </a:r>
+            <a:r>
+              <a:rPr lang="en-US" altLang="zh-CN" sz="1200" dirty="0" err="1"/>
+              <a:t>LReL</a:t>
+            </a:r>
+            <a:r>
+              <a:rPr lang="zh-CN" altLang="en-US" sz="1200" dirty="0"/>
+              <a:t>和</a:t>
+            </a:r>
+            <a:r>
+              <a:rPr lang="en-US" altLang="zh-CN" sz="1200" dirty="0"/>
+              <a:t>Sigmoid</a:t>
+            </a:r>
+            <a:r>
+              <a:rPr lang="zh-CN" altLang="en-US" sz="1200" dirty="0"/>
+              <a:t>，图中是</a:t>
+            </a:r>
+            <a:r>
+              <a:rPr lang="en-US" altLang="zh-CN" sz="1200" dirty="0"/>
+              <a:t>Sigmoid</a:t>
+            </a:r>
+            <a:r>
+              <a:rPr lang="zh-CN" altLang="en-US" sz="1200" dirty="0"/>
+              <a:t>和</a:t>
+            </a:r>
+            <a:r>
+              <a:rPr lang="en-US" altLang="zh-CN" sz="1200" dirty="0" err="1"/>
+              <a:t>Isigmoid</a:t>
+            </a:r>
+            <a:r>
+              <a:rPr lang="zh-CN" altLang="en-US" sz="1200" dirty="0"/>
+              <a:t>的导数，由于反向传播与导数相关，因此在</a:t>
+            </a:r>
+            <a:r>
+              <a:rPr lang="en-US" altLang="zh-CN" sz="1200" dirty="0"/>
+              <a:t>x</a:t>
+            </a:r>
+            <a:r>
+              <a:rPr lang="zh-CN" altLang="en-US" sz="1200" dirty="0"/>
+              <a:t>的绝对值大于特定值时，使用</a:t>
+            </a:r>
+            <a:r>
+              <a:rPr lang="en-US" altLang="zh-CN" sz="1200" dirty="0" err="1"/>
+              <a:t>Isigmoid</a:t>
+            </a:r>
+            <a:r>
+              <a:rPr lang="zh-CN" altLang="en-US" sz="1200" dirty="0"/>
+              <a:t>可以使权重偏置的变化更大，那么收敛就能更快，并减少了梯度消失的情况。</a:t>
+            </a:r>
+          </a:p>
+          <a:p>
+            <a:endParaRPr lang="zh-CN" altLang="en-US" dirty="0"/>
+          </a:p>
+        </p:txBody>
+      </p:sp>
+      <p:sp>
+        <p:nvSpPr>
+          <p:cNvPr id="4" name="灯片编号占位符 3"/>
+          <p:cNvSpPr>
+            <a:spLocks noGrp="1"/>
+          </p:cNvSpPr>
+          <p:nvPr>
+            <p:ph type="sldNum" sz="quarter" idx="5"/>
+          </p:nvPr>
+        </p:nvSpPr>
+        <p:spPr/>
+        <p:txBody>
+          <a:bodyPr/>
+          <a:lstStyle/>
+          <a:p>
+            <a:fld id="{1ABD6AD3-857A-4236-82C0-30DBD91EE1AF}" type="slidenum">
+              <a:rPr lang="zh-CN" altLang="en-US" smtClean="0"/>
+              <a:t>10</a:t>
+            </a:fld>
+            <a:endParaRPr lang="zh-CN" altLang="en-US"/>
+          </a:p>
+        </p:txBody>
+      </p:sp>
+    </p:spTree>
+    <p:extLst>
+      <p:ext uri="{BB962C8B-B14F-4D97-AF65-F5344CB8AC3E}">
+        <p14:creationId xmlns:p14="http://schemas.microsoft.com/office/powerpoint/2010/main" val="70107783"/>
+      </p:ext>
+    </p:extLst>
+  </p:cSld>
+  <p:clrMapOvr>
+    <a:masterClrMapping/>
+  </p:clrMapOvr>
+</p:notes>
+</file>
+
 <file path=ppt/slideLayouts/slideLayout1.xml><?xml version="1.0" encoding="utf-8"?>
 <p:sldLayout xmlns:a="http://schemas.openxmlformats.org/drawingml/2006/main" xmlns:r="http://schemas.openxmlformats.org/officeDocument/2006/relationships" xmlns:p="http://schemas.openxmlformats.org/presentationml/2006/main" type="title" preserve="1">
   <p:cSld name="标题幻灯片">
@@ -276,7 +3188,7 @@
           <a:p>
             <a:fld id="{517B7516-F1BE-4132-A57F-1F7122AAACF9}" type="datetimeFigureOut">
               <a:rPr lang="zh-CN" altLang="en-US" smtClean="0"/>
-              <a:t>2019/6/20</a:t>
+              <a:t>2019/6/22</a:t>
             </a:fld>
             <a:endParaRPr lang="zh-CN" altLang="en-US"/>
           </a:p>
@@ -474,7 +3386,7 @@
           <a:p>
             <a:fld id="{517B7516-F1BE-4132-A57F-1F7122AAACF9}" type="datetimeFigureOut">
               <a:rPr lang="zh-CN" altLang="en-US" smtClean="0"/>
-              <a:t>2019/6/20</a:t>
+              <a:t>2019/6/22</a:t>
             </a:fld>
             <a:endParaRPr lang="zh-CN" altLang="en-US"/>
           </a:p>
@@ -682,7 +3594,7 @@
           <a:p>
             <a:fld id="{517B7516-F1BE-4132-A57F-1F7122AAACF9}" type="datetimeFigureOut">
               <a:rPr lang="zh-CN" altLang="en-US" smtClean="0"/>
-              <a:t>2019/6/20</a:t>
+              <a:t>2019/6/22</a:t>
             </a:fld>
             <a:endParaRPr lang="zh-CN" altLang="en-US"/>
           </a:p>
@@ -880,7 +3792,7 @@
           <a:p>
             <a:fld id="{517B7516-F1BE-4132-A57F-1F7122AAACF9}" type="datetimeFigureOut">
               <a:rPr lang="zh-CN" altLang="en-US" smtClean="0"/>
-              <a:t>2019/6/20</a:t>
+              <a:t>2019/6/22</a:t>
             </a:fld>
             <a:endParaRPr lang="zh-CN" altLang="en-US"/>
           </a:p>
@@ -1155,7 +4067,7 @@
           <a:p>
             <a:fld id="{517B7516-F1BE-4132-A57F-1F7122AAACF9}" type="datetimeFigureOut">
               <a:rPr lang="zh-CN" altLang="en-US" smtClean="0"/>
-              <a:t>2019/6/20</a:t>
+              <a:t>2019/6/22</a:t>
             </a:fld>
             <a:endParaRPr lang="zh-CN" altLang="en-US"/>
           </a:p>
@@ -1420,7 +4332,7 @@
           <a:p>
             <a:fld id="{517B7516-F1BE-4132-A57F-1F7122AAACF9}" type="datetimeFigureOut">
               <a:rPr lang="zh-CN" altLang="en-US" smtClean="0"/>
-              <a:t>2019/6/20</a:t>
+              <a:t>2019/6/22</a:t>
             </a:fld>
             <a:endParaRPr lang="zh-CN" altLang="en-US"/>
           </a:p>
@@ -1832,7 +4744,7 @@
           <a:p>
             <a:fld id="{517B7516-F1BE-4132-A57F-1F7122AAACF9}" type="datetimeFigureOut">
               <a:rPr lang="zh-CN" altLang="en-US" smtClean="0"/>
-              <a:t>2019/6/20</a:t>
+              <a:t>2019/6/22</a:t>
             </a:fld>
             <a:endParaRPr lang="zh-CN" altLang="en-US"/>
           </a:p>
@@ -1973,7 +4885,7 @@
           <a:p>
             <a:fld id="{517B7516-F1BE-4132-A57F-1F7122AAACF9}" type="datetimeFigureOut">
               <a:rPr lang="zh-CN" altLang="en-US" smtClean="0"/>
-              <a:t>2019/6/20</a:t>
+              <a:t>2019/6/22</a:t>
             </a:fld>
             <a:endParaRPr lang="zh-CN" altLang="en-US"/>
           </a:p>
@@ -2086,7 +4998,7 @@
           <a:p>
             <a:fld id="{517B7516-F1BE-4132-A57F-1F7122AAACF9}" type="datetimeFigureOut">
               <a:rPr lang="zh-CN" altLang="en-US" smtClean="0"/>
-              <a:t>2019/6/20</a:t>
+              <a:t>2019/6/22</a:t>
             </a:fld>
             <a:endParaRPr lang="zh-CN" altLang="en-US"/>
           </a:p>
@@ -2397,7 +5309,7 @@
           <a:p>
             <a:fld id="{517B7516-F1BE-4132-A57F-1F7122AAACF9}" type="datetimeFigureOut">
               <a:rPr lang="zh-CN" altLang="en-US" smtClean="0"/>
-              <a:t>2019/6/20</a:t>
+              <a:t>2019/6/22</a:t>
             </a:fld>
             <a:endParaRPr lang="zh-CN" altLang="en-US"/>
           </a:p>
@@ -2685,7 +5597,7 @@
           <a:p>
             <a:fld id="{517B7516-F1BE-4132-A57F-1F7122AAACF9}" type="datetimeFigureOut">
               <a:rPr lang="zh-CN" altLang="en-US" smtClean="0"/>
-              <a:t>2019/6/20</a:t>
+              <a:t>2019/6/22</a:t>
             </a:fld>
             <a:endParaRPr lang="zh-CN" altLang="en-US"/>
           </a:p>
@@ -2926,7 +5838,7 @@
           <a:p>
             <a:fld id="{517B7516-F1BE-4132-A57F-1F7122AAACF9}" type="datetimeFigureOut">
               <a:rPr lang="zh-CN" altLang="en-US" smtClean="0"/>
-              <a:t>2019/6/20</a:t>
+              <a:t>2019/6/22</a:t>
             </a:fld>
             <a:endParaRPr lang="zh-CN" altLang="en-US"/>
           </a:p>
@@ -3408,6 +6320,15 @@
               <a:rPr lang="zh-CN" altLang="en-US" dirty="0"/>
               <a:t>孙武杰</a:t>
             </a:r>
+            <a:endParaRPr lang="en-US" altLang="zh-CN" dirty="0"/>
+          </a:p>
+          <a:p>
+            <a:pPr algn="ctr"/>
+            <a:r>
+              <a:rPr lang="en-US" altLang="zh-CN" dirty="0"/>
+              <a:t>201630665632</a:t>
+            </a:r>
+            <a:endParaRPr lang="zh-CN" altLang="en-US" dirty="0"/>
           </a:p>
         </p:txBody>
       </p:sp>
@@ -3441,12 +6362,76 @@
           <a:chExt cx="0" cy="0"/>
         </a:xfrm>
       </p:grpSpPr>
+      <p:sp>
+        <p:nvSpPr>
+          <p:cNvPr id="3" name="标题 3">
+            <a:extLst>
+              <a:ext uri="{FF2B5EF4-FFF2-40B4-BE49-F238E27FC236}">
+                <a16:creationId xmlns:a16="http://schemas.microsoft.com/office/drawing/2014/main" id="{DA116168-1539-48E4-8C92-8CE3A1958599}"/>
+              </a:ext>
+            </a:extLst>
+          </p:cNvPr>
+          <p:cNvSpPr txBox="1">
+            <a:spLocks/>
+          </p:cNvSpPr>
+          <p:nvPr/>
+        </p:nvSpPr>
+        <p:spPr>
+          <a:xfrm>
+            <a:off x="0" y="0"/>
+            <a:ext cx="10515600" cy="1902583"/>
+          </a:xfrm>
+          <a:prstGeom prst="rect">
+            <a:avLst/>
+          </a:prstGeom>
+        </p:spPr>
+        <p:txBody>
+          <a:bodyPr/>
+          <a:lstStyle>
+            <a:lvl1pPr algn="l" defTabSz="914400" rtl="0" eaLnBrk="1" latinLnBrk="0" hangingPunct="1">
+              <a:lnSpc>
+                <a:spcPct val="90000"/>
+              </a:lnSpc>
+              <a:spcBef>
+                <a:spcPct val="0"/>
+              </a:spcBef>
+              <a:buNone/>
+              <a:defRPr sz="4400" kern="1200">
+                <a:solidFill>
+                  <a:schemeClr val="tx1"/>
+                </a:solidFill>
+                <a:latin typeface="+mj-lt"/>
+                <a:ea typeface="+mj-ea"/>
+                <a:cs typeface="+mj-cs"/>
+              </a:defRPr>
+            </a:lvl1pPr>
+          </a:lstStyle>
+          <a:p>
+            <a:r>
+              <a:rPr lang="zh-CN" altLang="en-US" b="1" dirty="0"/>
+              <a:t>为什么要用</a:t>
+            </a:r>
+            <a:r>
+              <a:rPr lang="en-US" altLang="zh-CN" b="1" dirty="0"/>
+              <a:t>Improved-Sigmoid</a:t>
+            </a:r>
+            <a:r>
+              <a:rPr lang="zh-CN" altLang="en-US" b="1" dirty="0"/>
+              <a:t>？</a:t>
+            </a:r>
+            <a:endParaRPr lang="en-US" altLang="zh-CN" b="1" dirty="0"/>
+          </a:p>
+          <a:p>
+            <a:endParaRPr lang="en-US" altLang="zh-CN" b="1" dirty="0"/>
+          </a:p>
+        </p:txBody>
+      </p:sp>
       <p:pic>
         <p:nvPicPr>
-          <p:cNvPr id="3" name="图片 2">
-            <a:extLst>
-              <a:ext uri="{FF2B5EF4-FFF2-40B4-BE49-F238E27FC236}">
-                <a16:creationId xmlns:a16="http://schemas.microsoft.com/office/drawing/2014/main" id="{75B897E3-7BC8-4EA2-A00B-AB5075C2F12D}"/>
+          <p:cNvPr id="2" name="图片 1">
+            <a:extLst>
+              <a:ext uri="{FF2B5EF4-FFF2-40B4-BE49-F238E27FC236}">
+                <a16:creationId xmlns:a16="http://schemas.microsoft.com/office/drawing/2014/main" id="{7D191D72-70D5-40DA-B592-CC558A009A6E}"/>
               </a:ext>
             </a:extLst>
           </p:cNvPr>
@@ -3455,46 +6440,15 @@
           </p:cNvPicPr>
           <p:nvPr/>
         </p:nvPicPr>
-        <p:blipFill>
-          <a:blip r:embed="rId2"/>
-          <a:stretch>
-            <a:fillRect/>
-          </a:stretch>
+        <p:blipFill rotWithShape="1">
+          <a:blip r:embed="rId3"/>
+          <a:srcRect b="11714"/>
+          <a:stretch/>
         </p:blipFill>
         <p:spPr>
           <a:xfrm>
-            <a:off x="0" y="231828"/>
-            <a:ext cx="12192000" cy="6394343"/>
-          </a:xfrm>
-          <a:prstGeom prst="rect">
-            <a:avLst/>
-          </a:prstGeom>
-        </p:spPr>
-      </p:pic>
-      <p:pic>
-        <p:nvPicPr>
-          <p:cNvPr id="4" name="图片 3">
-            <a:extLst>
-              <a:ext uri="{FF2B5EF4-FFF2-40B4-BE49-F238E27FC236}">
-                <a16:creationId xmlns:a16="http://schemas.microsoft.com/office/drawing/2014/main" id="{A2BB1D30-EB8F-4016-A355-469AF75784EB}"/>
-              </a:ext>
-            </a:extLst>
-          </p:cNvPr>
-          <p:cNvPicPr>
-            <a:picLocks noChangeAspect="1"/>
-          </p:cNvPicPr>
-          <p:nvPr/>
-        </p:nvPicPr>
-        <p:blipFill>
-          <a:blip r:embed="rId3"/>
-          <a:stretch>
-            <a:fillRect/>
-          </a:stretch>
-        </p:blipFill>
-        <p:spPr>
-          <a:xfrm>
-            <a:off x="5891741" y="1710266"/>
-            <a:ext cx="5810250" cy="2286000"/>
+            <a:off x="3283110" y="1463715"/>
+            <a:ext cx="4838700" cy="4103708"/>
           </a:xfrm>
           <a:prstGeom prst="rect">
             <a:avLst/>
@@ -3504,7 +6458,7 @@
     </p:spTree>
     <p:extLst>
       <p:ext uri="{BB962C8B-B14F-4D97-AF65-F5344CB8AC3E}">
-        <p14:creationId xmlns:p14="http://schemas.microsoft.com/office/powerpoint/2010/main" val="1293064261"/>
+        <p14:creationId xmlns:p14="http://schemas.microsoft.com/office/powerpoint/2010/main" val="868248692"/>
       </p:ext>
     </p:extLst>
   </p:cSld>
@@ -3531,192 +6485,12 @@
           <a:chExt cx="0" cy="0"/>
         </a:xfrm>
       </p:grpSpPr>
-      <p:sp>
-        <p:nvSpPr>
-          <p:cNvPr id="4" name="Rectangle 5">
-            <a:extLst>
-              <a:ext uri="{FF2B5EF4-FFF2-40B4-BE49-F238E27FC236}">
-                <a16:creationId xmlns:a16="http://schemas.microsoft.com/office/drawing/2014/main" id="{4EF0652D-E2E4-46EF-B0DB-A4B8D85B8479}"/>
-              </a:ext>
-            </a:extLst>
-          </p:cNvPr>
-          <p:cNvSpPr>
-            <a:spLocks noChangeArrowheads="1"/>
-          </p:cNvSpPr>
-          <p:nvPr/>
-        </p:nvSpPr>
-        <p:spPr bwMode="auto">
-          <a:xfrm>
-            <a:off x="3335983" y="5444940"/>
-            <a:ext cx="12192000" cy="0"/>
-          </a:xfrm>
-          <a:prstGeom prst="rect">
-            <a:avLst/>
-          </a:prstGeom>
-          <a:noFill/>
-          <a:ln>
-            <a:noFill/>
-          </a:ln>
-          <a:effectLst/>
-          <a:extLst>
-            <a:ext uri="{909E8E84-426E-40DD-AFC4-6F175D3DCCD1}">
-              <a14:hiddenFill xmlns:a14="http://schemas.microsoft.com/office/drawing/2010/main">
-                <a:solidFill>
-                  <a:schemeClr val="accent1"/>
-                </a:solidFill>
-              </a14:hiddenFill>
-            </a:ext>
-            <a:ext uri="{91240B29-F687-4F45-9708-019B960494DF}">
-              <a14:hiddenLine xmlns:a14="http://schemas.microsoft.com/office/drawing/2010/main" w="9525">
-                <a:solidFill>
-                  <a:schemeClr val="tx1"/>
-                </a:solidFill>
-                <a:miter lim="800000"/>
-                <a:headEnd/>
-                <a:tailEnd/>
-              </a14:hiddenLine>
-            </a:ext>
-            <a:ext uri="{AF507438-7753-43E0-B8FC-AC1667EBCBE1}">
-              <a14:hiddenEffects xmlns:a14="http://schemas.microsoft.com/office/drawing/2010/main">
-                <a:effectLst>
-                  <a:outerShdw dist="35921" dir="2700000" algn="ctr" rotWithShape="0">
-                    <a:schemeClr val="bg2"/>
-                  </a:outerShdw>
-                </a:effectLst>
-              </a14:hiddenEffects>
-            </a:ext>
-          </a:extLst>
-        </p:spPr>
-        <p:txBody>
-          <a:bodyPr vert="horz" wrap="none" lIns="91440" tIns="45720" rIns="91440" bIns="45720" numCol="1" anchor="ctr" anchorCtr="0" compatLnSpc="1">
-            <a:prstTxWarp prst="textNoShape">
-              <a:avLst/>
-            </a:prstTxWarp>
-            <a:spAutoFit/>
-          </a:bodyPr>
-          <a:lstStyle/>
-          <a:p>
-            <a:endParaRPr lang="zh-CN" altLang="en-US"/>
-          </a:p>
-        </p:txBody>
-      </p:sp>
-      <p:sp>
-        <p:nvSpPr>
-          <p:cNvPr id="7" name="标题 3">
-            <a:extLst>
-              <a:ext uri="{FF2B5EF4-FFF2-40B4-BE49-F238E27FC236}">
-                <a16:creationId xmlns:a16="http://schemas.microsoft.com/office/drawing/2014/main" id="{C405966C-67F3-404E-B12A-6226DA809BC1}"/>
-              </a:ext>
-            </a:extLst>
-          </p:cNvPr>
-          <p:cNvSpPr txBox="1">
-            <a:spLocks/>
-          </p:cNvSpPr>
-          <p:nvPr/>
-        </p:nvSpPr>
-        <p:spPr>
-          <a:xfrm>
-            <a:off x="0" y="0"/>
-            <a:ext cx="10515600" cy="1536760"/>
-          </a:xfrm>
-          <a:prstGeom prst="rect">
-            <a:avLst/>
-          </a:prstGeom>
-        </p:spPr>
-        <p:txBody>
-          <a:bodyPr/>
-          <a:lstStyle>
-            <a:lvl1pPr algn="l" defTabSz="914400" rtl="0" eaLnBrk="1" latinLnBrk="0" hangingPunct="1">
-              <a:lnSpc>
-                <a:spcPct val="90000"/>
-              </a:lnSpc>
-              <a:spcBef>
-                <a:spcPct val="0"/>
-              </a:spcBef>
-              <a:buNone/>
-              <a:defRPr sz="4400" kern="1200">
-                <a:solidFill>
-                  <a:schemeClr val="tx1"/>
-                </a:solidFill>
-                <a:latin typeface="+mj-lt"/>
-                <a:ea typeface="+mj-ea"/>
-                <a:cs typeface="+mj-cs"/>
-              </a:defRPr>
-            </a:lvl1pPr>
-          </a:lstStyle>
-          <a:p>
-            <a:r>
-              <a:rPr lang="zh-CN" altLang="en-US" b="1" dirty="0"/>
-              <a:t>第一篇论文的创新点</a:t>
-            </a:r>
-            <a:endParaRPr lang="en-US" altLang="zh-CN" b="1" dirty="0"/>
-          </a:p>
-          <a:p>
-            <a:endParaRPr lang="en-US" altLang="zh-CN" sz="2800" b="1" dirty="0">
-              <a:latin typeface="+mn-lt"/>
-              <a:ea typeface="+mn-ea"/>
-            </a:endParaRPr>
-          </a:p>
-          <a:p>
-            <a:r>
-              <a:rPr lang="zh-CN" altLang="en-US" sz="2800" dirty="0">
-                <a:latin typeface="+mn-lt"/>
-                <a:ea typeface="+mn-ea"/>
-              </a:rPr>
-              <a:t>将</a:t>
-            </a:r>
-            <a:r>
-              <a:rPr lang="en-US" altLang="zh-CN" sz="2800" dirty="0">
-                <a:latin typeface="+mn-lt"/>
-                <a:ea typeface="+mn-ea"/>
-              </a:rPr>
-              <a:t>Sigmoid</a:t>
-            </a:r>
-            <a:r>
-              <a:rPr lang="zh-CN" altLang="en-US" sz="2800" dirty="0">
-                <a:latin typeface="+mn-lt"/>
-                <a:ea typeface="+mn-ea"/>
-              </a:rPr>
-              <a:t>与</a:t>
-            </a:r>
-            <a:r>
-              <a:rPr lang="en-US" altLang="zh-CN" sz="2800" dirty="0">
-                <a:latin typeface="+mn-lt"/>
-                <a:ea typeface="+mn-ea"/>
-              </a:rPr>
-              <a:t>Leaky-</a:t>
-            </a:r>
-            <a:r>
-              <a:rPr lang="en-US" altLang="zh-CN" sz="2800" dirty="0" err="1">
-                <a:latin typeface="+mn-lt"/>
-                <a:ea typeface="+mn-ea"/>
-              </a:rPr>
-              <a:t>ReLU</a:t>
-            </a:r>
-            <a:r>
-              <a:rPr lang="zh-CN" altLang="en-US" sz="2800" dirty="0">
-                <a:latin typeface="+mn-lt"/>
-                <a:ea typeface="+mn-ea"/>
-              </a:rPr>
-              <a:t>结合，提出了</a:t>
-            </a:r>
-            <a:r>
-              <a:rPr lang="en-US" altLang="zh-CN" sz="2800" dirty="0">
-                <a:latin typeface="+mn-lt"/>
-                <a:ea typeface="+mn-ea"/>
-              </a:rPr>
-              <a:t>Improved-Sigmoid</a:t>
-            </a:r>
-            <a:endParaRPr lang="en-US" altLang="zh-CN" dirty="0"/>
-          </a:p>
-        </p:txBody>
-      </p:sp>
       <p:pic>
         <p:nvPicPr>
-          <p:cNvPr id="5" name="图片 4">
-            <a:extLst>
-              <a:ext uri="{FF2B5EF4-FFF2-40B4-BE49-F238E27FC236}">
-                <a16:creationId xmlns:a16="http://schemas.microsoft.com/office/drawing/2014/main" id="{0BBB7907-13E0-478C-A316-2757B48A2B04}"/>
+          <p:cNvPr id="3" name="图片 2">
+            <a:extLst>
+              <a:ext uri="{FF2B5EF4-FFF2-40B4-BE49-F238E27FC236}">
+                <a16:creationId xmlns:a16="http://schemas.microsoft.com/office/drawing/2014/main" id="{F295B888-9C02-4390-8360-582D56FA831E}"/>
               </a:ext>
             </a:extLst>
           </p:cNvPr>
@@ -3726,15 +6500,15 @@
           <p:nvPr/>
         </p:nvPicPr>
         <p:blipFill>
-          <a:blip r:embed="rId2"/>
+          <a:blip r:embed="rId3"/>
           <a:stretch>
             <a:fillRect/>
           </a:stretch>
         </p:blipFill>
         <p:spPr>
           <a:xfrm>
-            <a:off x="3335983" y="2088428"/>
-            <a:ext cx="4886325" cy="4048125"/>
+            <a:off x="0" y="231507"/>
+            <a:ext cx="12192000" cy="6394986"/>
           </a:xfrm>
           <a:prstGeom prst="rect">
             <a:avLst/>
@@ -3744,7 +6518,7 @@
     </p:spTree>
     <p:extLst>
       <p:ext uri="{BB962C8B-B14F-4D97-AF65-F5344CB8AC3E}">
-        <p14:creationId xmlns:p14="http://schemas.microsoft.com/office/powerpoint/2010/main" val="141972221"/>
+        <p14:creationId xmlns:p14="http://schemas.microsoft.com/office/powerpoint/2010/main" val="1036589176"/>
       </p:ext>
     </p:extLst>
   </p:cSld>
@@ -3771,358 +6545,122 @@
           <a:chExt cx="0" cy="0"/>
         </a:xfrm>
       </p:grpSpPr>
-      <p:sp>
-        <p:nvSpPr>
-          <p:cNvPr id="3" name="标题 3">
-            <a:extLst>
-              <a:ext uri="{FF2B5EF4-FFF2-40B4-BE49-F238E27FC236}">
-                <a16:creationId xmlns:a16="http://schemas.microsoft.com/office/drawing/2014/main" id="{DA116168-1539-48E4-8C92-8CE3A1958599}"/>
-              </a:ext>
-            </a:extLst>
-          </p:cNvPr>
-          <p:cNvSpPr txBox="1">
-            <a:spLocks/>
-          </p:cNvSpPr>
+      <p:pic>
+        <p:nvPicPr>
+          <p:cNvPr id="3" name="图片 2">
+            <a:extLst>
+              <a:ext uri="{FF2B5EF4-FFF2-40B4-BE49-F238E27FC236}">
+                <a16:creationId xmlns:a16="http://schemas.microsoft.com/office/drawing/2014/main" id="{9CFA2048-DC45-4BC5-9C82-E169DD01EC7F}"/>
+              </a:ext>
+            </a:extLst>
+          </p:cNvPr>
+          <p:cNvPicPr>
+            <a:picLocks noChangeAspect="1"/>
+          </p:cNvPicPr>
           <p:nvPr/>
-        </p:nvSpPr>
+        </p:nvPicPr>
+        <p:blipFill>
+          <a:blip r:embed="rId3"/>
+          <a:stretch>
+            <a:fillRect/>
+          </a:stretch>
+        </p:blipFill>
         <p:spPr>
           <a:xfrm>
-            <a:off x="0" y="0"/>
-            <a:ext cx="10515600" cy="1902583"/>
+            <a:off x="0" y="271646"/>
+            <a:ext cx="12192000" cy="6314708"/>
           </a:xfrm>
           <a:prstGeom prst="rect">
             <a:avLst/>
           </a:prstGeom>
         </p:spPr>
-        <p:txBody>
-          <a:bodyPr/>
-          <a:lstStyle>
-            <a:lvl1pPr algn="l" defTabSz="914400" rtl="0" eaLnBrk="1" latinLnBrk="0" hangingPunct="1">
-              <a:lnSpc>
-                <a:spcPct val="90000"/>
-              </a:lnSpc>
-              <a:spcBef>
-                <a:spcPct val="0"/>
-              </a:spcBef>
-              <a:buNone/>
-              <a:defRPr sz="4400" kern="1200">
-                <a:solidFill>
-                  <a:schemeClr val="tx1"/>
-                </a:solidFill>
-                <a:latin typeface="+mj-lt"/>
-                <a:ea typeface="+mj-ea"/>
-                <a:cs typeface="+mj-cs"/>
-              </a:defRPr>
-            </a:lvl1pPr>
-          </a:lstStyle>
-          <a:p>
-            <a:r>
-              <a:rPr lang="zh-CN" altLang="en-US" b="1" dirty="0"/>
-              <a:t>为什么要用</a:t>
-            </a:r>
-            <a:r>
-              <a:rPr lang="en-US" altLang="zh-CN" b="1" dirty="0"/>
-              <a:t>Improved-Sigmoid</a:t>
-            </a:r>
-            <a:r>
-              <a:rPr lang="zh-CN" altLang="en-US" b="1" dirty="0"/>
-              <a:t>？</a:t>
-            </a:r>
-            <a:endParaRPr lang="en-US" altLang="zh-CN" b="1" dirty="0"/>
-          </a:p>
-          <a:p>
-            <a:endParaRPr lang="en-US" altLang="zh-CN" b="1" dirty="0"/>
-          </a:p>
-        </p:txBody>
-      </p:sp>
-      <p:sp>
-        <p:nvSpPr>
-          <p:cNvPr id="5" name="矩形 4">
-            <a:extLst>
-              <a:ext uri="{FF2B5EF4-FFF2-40B4-BE49-F238E27FC236}">
-                <a16:creationId xmlns:a16="http://schemas.microsoft.com/office/drawing/2014/main" id="{797A5B57-B75B-4B64-A77D-669139996CB2}"/>
-              </a:ext>
-            </a:extLst>
-          </p:cNvPr>
-          <p:cNvSpPr/>
+      </p:pic>
+      <p:pic>
+        <p:nvPicPr>
+          <p:cNvPr id="4" name="图片 3">
+            <a:extLst>
+              <a:ext uri="{FF2B5EF4-FFF2-40B4-BE49-F238E27FC236}">
+                <a16:creationId xmlns:a16="http://schemas.microsoft.com/office/drawing/2014/main" id="{AEF6814E-AB7A-4BF9-94E5-B322FC0B95E0}"/>
+              </a:ext>
+            </a:extLst>
+          </p:cNvPr>
+          <p:cNvPicPr>
+            <a:picLocks noChangeAspect="1"/>
+          </p:cNvPicPr>
           <p:nvPr/>
-        </p:nvSpPr>
+        </p:nvPicPr>
+        <p:blipFill>
+          <a:blip r:embed="rId4"/>
+          <a:stretch>
+            <a:fillRect/>
+          </a:stretch>
+        </p:blipFill>
         <p:spPr>
           <a:xfrm>
-            <a:off x="240145" y="1252567"/>
-            <a:ext cx="11951855" cy="5016758"/>
+            <a:off x="6301115" y="1900599"/>
+            <a:ext cx="5772150" cy="2352675"/>
           </a:xfrm>
           <a:prstGeom prst="rect">
             <a:avLst/>
           </a:prstGeom>
         </p:spPr>
-        <p:txBody>
-          <a:bodyPr wrap="square">
-            <a:spAutoFit/>
-          </a:bodyPr>
-          <a:lstStyle/>
-          <a:p>
-            <a:r>
-              <a:rPr lang="zh-CN" altLang="en-US" sz="2000" dirty="0"/>
-              <a:t>选择</a:t>
-            </a:r>
-            <a:r>
-              <a:rPr lang="en-US" altLang="zh-CN" sz="2000" dirty="0"/>
-              <a:t>Sigmoid</a:t>
-            </a:r>
-            <a:r>
-              <a:rPr lang="zh-CN" altLang="en-US" sz="2000" dirty="0"/>
-              <a:t>函数作为激活函数的优势：</a:t>
-            </a:r>
-            <a:endParaRPr lang="en-US" altLang="zh-CN" sz="2000" dirty="0"/>
-          </a:p>
-          <a:p>
-            <a:r>
-              <a:rPr lang="en-US" altLang="zh-CN" sz="2000" dirty="0"/>
-              <a:t>1)</a:t>
-            </a:r>
-            <a:r>
-              <a:rPr lang="zh-CN" altLang="en-US" sz="2000" dirty="0"/>
-              <a:t>可以引入非线性；</a:t>
-            </a:r>
-            <a:endParaRPr lang="en-US" altLang="zh-CN" sz="2000" dirty="0"/>
-          </a:p>
-          <a:p>
-            <a:r>
-              <a:rPr lang="en-US" altLang="zh-CN" sz="2000" dirty="0"/>
-              <a:t>2)</a:t>
-            </a:r>
-            <a:r>
-              <a:rPr lang="zh-CN" altLang="en-US" sz="2000" dirty="0"/>
-              <a:t>容易求导；</a:t>
-            </a:r>
-            <a:endParaRPr lang="en-US" altLang="zh-CN" sz="2000" dirty="0"/>
-          </a:p>
-          <a:p>
-            <a:r>
-              <a:rPr lang="en-US" altLang="zh-CN" sz="2000" dirty="0"/>
-              <a:t>3)</a:t>
-            </a:r>
-            <a:r>
-              <a:rPr lang="zh-CN" altLang="en-US" sz="2000" dirty="0"/>
-              <a:t>可以将实数压缩至</a:t>
-            </a:r>
-            <a:r>
-              <a:rPr lang="en-US" altLang="zh-CN" sz="2000" dirty="0"/>
-              <a:t>(0,1)</a:t>
-            </a:r>
-            <a:r>
-              <a:rPr lang="zh-CN" altLang="en-US" sz="2000" dirty="0"/>
-              <a:t>。</a:t>
-            </a:r>
-            <a:endParaRPr lang="en-US" altLang="zh-CN" sz="2000" dirty="0"/>
-          </a:p>
-          <a:p>
-            <a:endParaRPr lang="zh-CN" altLang="en-US" sz="2000" dirty="0"/>
-          </a:p>
-          <a:p>
-            <a:r>
-              <a:rPr lang="en-US" altLang="zh-CN" sz="2000" dirty="0"/>
-              <a:t>1. Sigmoid</a:t>
-            </a:r>
-            <a:r>
-              <a:rPr lang="zh-CN" altLang="en-US" sz="2000" dirty="0"/>
-              <a:t>函数在</a:t>
-            </a:r>
-            <a:r>
-              <a:rPr lang="zh-CN" altLang="en-US" sz="2000" dirty="0">
-                <a:solidFill>
-                  <a:srgbClr val="FF0000"/>
-                </a:solidFill>
-              </a:rPr>
-              <a:t>压缩数据“幅度”方面有优势</a:t>
-            </a:r>
-            <a:r>
-              <a:rPr lang="zh-CN" altLang="en-US" sz="2000" dirty="0"/>
-              <a:t>，对于深度网络，使用</a:t>
-            </a:r>
-            <a:r>
-              <a:rPr lang="en-US" altLang="zh-CN" sz="2000" dirty="0"/>
-              <a:t>Sigmoid</a:t>
-            </a:r>
-            <a:r>
-              <a:rPr lang="zh-CN" altLang="en-US" sz="2000" dirty="0"/>
-              <a:t>函数可以保证数据幅度不会有问题，幅度稳住后就不会有太大失误。</a:t>
-            </a:r>
-            <a:endParaRPr lang="en-US" altLang="zh-CN" sz="2000" dirty="0"/>
-          </a:p>
-          <a:p>
-            <a:r>
-              <a:rPr lang="en-US" altLang="zh-CN" sz="2000" dirty="0"/>
-              <a:t>2. </a:t>
-            </a:r>
-            <a:r>
-              <a:rPr lang="en-US" altLang="zh-CN" sz="2000" dirty="0" err="1"/>
-              <a:t>ReLU</a:t>
-            </a:r>
-            <a:r>
-              <a:rPr lang="zh-CN" altLang="en-US" sz="2000" dirty="0">
-                <a:solidFill>
-                  <a:srgbClr val="FF0000"/>
-                </a:solidFill>
-              </a:rPr>
-              <a:t>不会对数据做幅度压缩</a:t>
-            </a:r>
-            <a:r>
-              <a:rPr lang="zh-CN" altLang="en-US" sz="2000" dirty="0"/>
-              <a:t>，所以随着深度网络层数加深，数据的幅度会越来越大，最终影响模型的表现。</a:t>
-            </a:r>
-          </a:p>
-          <a:p>
-            <a:r>
-              <a:rPr lang="en-US" altLang="zh-CN" sz="2000" dirty="0"/>
-              <a:t>3. Sigmoid</a:t>
-            </a:r>
-            <a:r>
-              <a:rPr lang="zh-CN" altLang="en-US" sz="2000" dirty="0"/>
-              <a:t>存在梯度消失的问题，</a:t>
-            </a:r>
-            <a:r>
-              <a:rPr lang="zh-CN" altLang="en-US" sz="2000" dirty="0">
-                <a:solidFill>
-                  <a:srgbClr val="00B0F0"/>
-                </a:solidFill>
-              </a:rPr>
-              <a:t>在反向传播上有劣势</a:t>
-            </a:r>
-            <a:r>
-              <a:rPr lang="zh-CN" altLang="en-US" sz="2000" dirty="0"/>
-              <a:t>。</a:t>
-            </a:r>
-          </a:p>
-          <a:p>
-            <a:r>
-              <a:rPr lang="en-US" altLang="zh-CN" sz="2000" dirty="0"/>
-              <a:t>4. </a:t>
-            </a:r>
-            <a:r>
-              <a:rPr lang="en-US" altLang="zh-CN" sz="2000" dirty="0" err="1"/>
-              <a:t>ReLU</a:t>
-            </a:r>
-            <a:r>
-              <a:rPr lang="zh-CN" altLang="en-US" sz="2000" dirty="0"/>
-              <a:t>在反向传导时，</a:t>
-            </a:r>
-            <a:r>
-              <a:rPr lang="zh-CN" altLang="en-US" sz="2000" dirty="0">
-                <a:solidFill>
-                  <a:srgbClr val="00B0F0"/>
-                </a:solidFill>
-              </a:rPr>
-              <a:t>能够将梯度信息“完完全全”地传递到浅层网络</a:t>
-            </a:r>
-            <a:r>
-              <a:rPr lang="zh-CN" altLang="en-US" sz="2000" dirty="0"/>
-              <a:t>。</a:t>
-            </a:r>
-            <a:endParaRPr lang="en-US" altLang="zh-CN" sz="2000" dirty="0"/>
-          </a:p>
-          <a:p>
-            <a:endParaRPr lang="zh-CN" altLang="en-US" sz="2000" dirty="0"/>
-          </a:p>
-          <a:p>
-            <a:r>
-              <a:rPr lang="en-US" altLang="zh-CN" sz="2000" dirty="0" err="1"/>
-              <a:t>ReLU</a:t>
-            </a:r>
-            <a:r>
-              <a:rPr lang="zh-CN" altLang="en-US" sz="2000" dirty="0"/>
-              <a:t>和</a:t>
-            </a:r>
-            <a:r>
-              <a:rPr lang="en-US" altLang="zh-CN" sz="2000" dirty="0" err="1"/>
-              <a:t>LReLU</a:t>
-            </a:r>
-            <a:r>
-              <a:rPr lang="zh-CN" altLang="en-US" sz="2000" dirty="0"/>
-              <a:t>不适用于</a:t>
-            </a:r>
-            <a:r>
-              <a:rPr lang="en-US" altLang="zh-CN" sz="2000" dirty="0"/>
-              <a:t>DBN</a:t>
-            </a:r>
-            <a:r>
-              <a:rPr lang="zh-CN" altLang="en-US" sz="2000" dirty="0"/>
-              <a:t>，因为它们无法充分发挥</a:t>
-            </a:r>
-            <a:r>
-              <a:rPr lang="en-US" altLang="zh-CN" sz="2000" dirty="0"/>
-              <a:t>RBM</a:t>
-            </a:r>
-            <a:r>
-              <a:rPr lang="zh-CN" altLang="en-US" sz="2000" dirty="0"/>
-              <a:t>预训练的作用。</a:t>
-            </a:r>
-            <a:endParaRPr lang="en-US" altLang="zh-CN" sz="2000" dirty="0"/>
-          </a:p>
-          <a:p>
-            <a:endParaRPr lang="zh-CN" altLang="en-US" sz="2000" dirty="0"/>
-          </a:p>
-          <a:p>
-            <a:r>
-              <a:rPr lang="zh-CN" altLang="en-US" sz="2000" dirty="0"/>
-              <a:t>因此在文章中结合了</a:t>
-            </a:r>
-            <a:r>
-              <a:rPr lang="en-US" altLang="zh-CN" sz="2000" dirty="0" err="1"/>
-              <a:t>LReL</a:t>
-            </a:r>
-            <a:r>
-              <a:rPr lang="zh-CN" altLang="en-US" sz="2000" dirty="0"/>
-              <a:t>和</a:t>
-            </a:r>
-            <a:r>
-              <a:rPr lang="en-US" altLang="zh-CN" sz="2000" dirty="0"/>
-              <a:t>Sigmoid</a:t>
-            </a:r>
-            <a:r>
-              <a:rPr lang="zh-CN" altLang="en-US" sz="2000" dirty="0"/>
-              <a:t>，在</a:t>
-            </a:r>
-            <a:r>
-              <a:rPr lang="en-US" altLang="zh-CN" sz="2000" dirty="0"/>
-              <a:t>|x|&gt;α</a:t>
-            </a:r>
-            <a:r>
-              <a:rPr lang="zh-CN" altLang="en-US" sz="2000" dirty="0"/>
-              <a:t>时，</a:t>
-            </a:r>
-            <a:r>
-              <a:rPr lang="en-US" altLang="zh-CN" sz="2000" dirty="0" err="1"/>
-              <a:t>fI</a:t>
-            </a:r>
-            <a:r>
-              <a:rPr lang="en-US" altLang="zh-CN" sz="2000" dirty="0"/>
-              <a:t>’&gt;</a:t>
-            </a:r>
-            <a:r>
-              <a:rPr lang="en-US" altLang="zh-CN" sz="2000" dirty="0" err="1"/>
-              <a:t>fS’</a:t>
-            </a:r>
-            <a:r>
-              <a:rPr lang="zh-CN" altLang="en-US" sz="2000" dirty="0"/>
-              <a:t>，权重变化值又与</a:t>
-            </a:r>
-            <a:r>
-              <a:rPr lang="en-US" altLang="zh-CN" sz="2000" dirty="0"/>
-              <a:t>f’</a:t>
-            </a:r>
-            <a:r>
-              <a:rPr lang="zh-CN" altLang="en-US" sz="2000" dirty="0"/>
-              <a:t>有关，则权重变化更快，收敛更快。同时减少了梯度消失的情况。</a:t>
-            </a:r>
+      </p:pic>
+      <p:sp>
+        <p:nvSpPr>
+          <p:cNvPr id="5" name="箭头: 下 4">
+            <a:extLst>
+              <a:ext uri="{FF2B5EF4-FFF2-40B4-BE49-F238E27FC236}">
+                <a16:creationId xmlns:a16="http://schemas.microsoft.com/office/drawing/2014/main" id="{413D8E07-5F0E-4628-AD2D-1DE590A1FC71}"/>
+              </a:ext>
+            </a:extLst>
+          </p:cNvPr>
+          <p:cNvSpPr/>
+          <p:nvPr/>
+        </p:nvSpPr>
+        <p:spPr>
+          <a:xfrm>
+            <a:off x="10451939" y="1041722"/>
+            <a:ext cx="763929" cy="1145893"/>
+          </a:xfrm>
+          <a:prstGeom prst="downArrow">
+            <a:avLst/>
+          </a:prstGeom>
+          <a:noFill/>
+          <a:ln>
+            <a:solidFill>
+              <a:schemeClr val="tx1"/>
+            </a:solidFill>
+          </a:ln>
+        </p:spPr>
+        <p:style>
+          <a:lnRef idx="2">
+            <a:schemeClr val="accent1">
+              <a:shade val="50000"/>
+            </a:schemeClr>
+          </a:lnRef>
+          <a:fillRef idx="1">
+            <a:schemeClr val="accent1"/>
+          </a:fillRef>
+          <a:effectRef idx="0">
+            <a:schemeClr val="accent1"/>
+          </a:effectRef>
+          <a:fontRef idx="minor">
+            <a:schemeClr val="lt1"/>
+          </a:fontRef>
+        </p:style>
+        <p:txBody>
+          <a:bodyPr rtlCol="0" anchor="ctr"/>
+          <a:lstStyle/>
+          <a:p>
+            <a:pPr algn="ctr"/>
+            <a:endParaRPr lang="zh-CN" altLang="en-US"/>
           </a:p>
         </p:txBody>
       </p:sp>
     </p:spTree>
     <p:extLst>
       <p:ext uri="{BB962C8B-B14F-4D97-AF65-F5344CB8AC3E}">
-        <p14:creationId xmlns:p14="http://schemas.microsoft.com/office/powerpoint/2010/main" val="868248692"/>
+        <p14:creationId xmlns:p14="http://schemas.microsoft.com/office/powerpoint/2010/main" val="43773475"/>
       </p:ext>
     </p:extLst>
   </p:cSld>
@@ -4149,42 +6687,121 @@
           <a:chExt cx="0" cy="0"/>
         </a:xfrm>
       </p:grpSpPr>
-      <p:pic>
-        <p:nvPicPr>
-          <p:cNvPr id="3" name="图片 2">
-            <a:extLst>
-              <a:ext uri="{FF2B5EF4-FFF2-40B4-BE49-F238E27FC236}">
-                <a16:creationId xmlns:a16="http://schemas.microsoft.com/office/drawing/2014/main" id="{F295B888-9C02-4390-8360-582D56FA831E}"/>
-              </a:ext>
-            </a:extLst>
-          </p:cNvPr>
-          <p:cNvPicPr>
-            <a:picLocks noChangeAspect="1"/>
-          </p:cNvPicPr>
+      <p:sp>
+        <p:nvSpPr>
+          <p:cNvPr id="10" name="标题 3">
+            <a:extLst>
+              <a:ext uri="{FF2B5EF4-FFF2-40B4-BE49-F238E27FC236}">
+                <a16:creationId xmlns:a16="http://schemas.microsoft.com/office/drawing/2014/main" id="{5BB9631D-0411-4372-8924-23DFE7925311}"/>
+              </a:ext>
+            </a:extLst>
+          </p:cNvPr>
+          <p:cNvSpPr txBox="1">
+            <a:spLocks/>
+          </p:cNvSpPr>
           <p:nvPr/>
-        </p:nvPicPr>
-        <p:blipFill>
-          <a:blip r:embed="rId2"/>
-          <a:stretch>
-            <a:fillRect/>
-          </a:stretch>
-        </p:blipFill>
+        </p:nvSpPr>
         <p:spPr>
           <a:xfrm>
-            <a:off x="0" y="231507"/>
-            <a:ext cx="12192000" cy="6394986"/>
+            <a:off x="0" y="0"/>
+            <a:ext cx="9430327" cy="5661344"/>
           </a:xfrm>
           <a:prstGeom prst="rect">
             <a:avLst/>
           </a:prstGeom>
         </p:spPr>
-      </p:pic>
+        <p:txBody>
+          <a:bodyPr/>
+          <a:lstStyle>
+            <a:lvl1pPr algn="l" defTabSz="914400" rtl="0" eaLnBrk="1" latinLnBrk="0" hangingPunct="1">
+              <a:lnSpc>
+                <a:spcPct val="90000"/>
+              </a:lnSpc>
+              <a:spcBef>
+                <a:spcPct val="0"/>
+              </a:spcBef>
+              <a:buNone/>
+              <a:defRPr sz="4400" kern="1200">
+                <a:solidFill>
+                  <a:schemeClr val="tx1"/>
+                </a:solidFill>
+                <a:latin typeface="+mj-lt"/>
+                <a:ea typeface="+mj-ea"/>
+                <a:cs typeface="+mj-cs"/>
+              </a:defRPr>
+            </a:lvl1pPr>
+          </a:lstStyle>
+          <a:p>
+            <a:r>
+              <a:rPr lang="zh-CN" altLang="en-US" b="1" dirty="0"/>
+              <a:t>第二篇论文的创新点</a:t>
+            </a:r>
+            <a:endParaRPr lang="en-US" altLang="zh-CN" b="1" dirty="0"/>
+          </a:p>
+          <a:p>
+            <a:endParaRPr lang="en-US" altLang="zh-CN" sz="2800" b="1" dirty="0">
+              <a:latin typeface="+mn-lt"/>
+              <a:ea typeface="+mn-ea"/>
+            </a:endParaRPr>
+          </a:p>
+          <a:p>
+            <a:r>
+              <a:rPr lang="en-US" altLang="zh-CN" sz="2800" dirty="0">
+                <a:latin typeface="+mn-lt"/>
+                <a:ea typeface="+mn-ea"/>
+              </a:rPr>
+              <a:t>SSDBN</a:t>
+            </a:r>
+            <a:r>
+              <a:rPr lang="zh-CN" altLang="en-US" sz="2800" dirty="0">
+                <a:latin typeface="+mn-lt"/>
+                <a:ea typeface="+mn-ea"/>
+              </a:rPr>
+              <a:t>优化了</a:t>
+            </a:r>
+            <a:r>
+              <a:rPr lang="en-US" altLang="zh-CN" sz="2800" dirty="0">
+                <a:latin typeface="+mn-lt"/>
+                <a:ea typeface="+mn-ea"/>
+              </a:rPr>
+              <a:t>DBN</a:t>
+            </a:r>
+            <a:r>
+              <a:rPr lang="zh-CN" altLang="en-US" sz="2800" dirty="0">
+                <a:latin typeface="+mn-lt"/>
+                <a:ea typeface="+mn-ea"/>
+              </a:rPr>
+              <a:t>结构，引入了半监督学习。</a:t>
+            </a:r>
+            <a:endParaRPr lang="en-US" altLang="zh-CN" sz="2800" dirty="0">
+              <a:latin typeface="+mn-lt"/>
+              <a:ea typeface="+mn-ea"/>
+            </a:endParaRPr>
+          </a:p>
+          <a:p>
+            <a:endParaRPr lang="en-US" altLang="zh-CN" sz="2800" dirty="0">
+              <a:latin typeface="+mn-lt"/>
+              <a:ea typeface="+mn-ea"/>
+            </a:endParaRPr>
+          </a:p>
+          <a:p>
+            <a:r>
+              <a:rPr lang="zh-CN" altLang="en-US" sz="2800" dirty="0">
+                <a:latin typeface="+mn-lt"/>
+                <a:ea typeface="+mn-ea"/>
+              </a:rPr>
+              <a:t>使用到了奇异值分解，从中提取出重要的特征。</a:t>
+            </a:r>
+            <a:endParaRPr lang="en-US" altLang="zh-CN" dirty="0"/>
+          </a:p>
+        </p:txBody>
+      </p:sp>
       <p:pic>
         <p:nvPicPr>
-          <p:cNvPr id="4" name="图片 3">
-            <a:extLst>
-              <a:ext uri="{FF2B5EF4-FFF2-40B4-BE49-F238E27FC236}">
-                <a16:creationId xmlns:a16="http://schemas.microsoft.com/office/drawing/2014/main" id="{0BB1ECD6-F224-4576-BBEC-7E91AFFA54D0}"/>
+          <p:cNvPr id="5" name="图片 4">
+            <a:extLst>
+              <a:ext uri="{FF2B5EF4-FFF2-40B4-BE49-F238E27FC236}">
+                <a16:creationId xmlns:a16="http://schemas.microsoft.com/office/drawing/2014/main" id="{5015FEA0-4EF4-429C-A628-47B73B0F9136}"/>
               </a:ext>
             </a:extLst>
           </p:cNvPr>
@@ -4201,8 +6818,8 @@
         </p:blipFill>
         <p:spPr>
           <a:xfrm>
-            <a:off x="7370185" y="1038657"/>
-            <a:ext cx="4600575" cy="2009775"/>
+            <a:off x="7968319" y="976403"/>
+            <a:ext cx="4034187" cy="5067240"/>
           </a:xfrm>
           <a:prstGeom prst="rect">
             <a:avLst/>
@@ -4212,7 +6829,7 @@
     </p:spTree>
     <p:extLst>
       <p:ext uri="{BB962C8B-B14F-4D97-AF65-F5344CB8AC3E}">
-        <p14:creationId xmlns:p14="http://schemas.microsoft.com/office/powerpoint/2010/main" val="1036589176"/>
+        <p14:creationId xmlns:p14="http://schemas.microsoft.com/office/powerpoint/2010/main" val="2939957524"/>
       </p:ext>
     </p:extLst>
   </p:cSld>
@@ -4241,40 +6858,10 @@
       </p:grpSpPr>
       <p:pic>
         <p:nvPicPr>
-          <p:cNvPr id="3" name="图片 2">
-            <a:extLst>
-              <a:ext uri="{FF2B5EF4-FFF2-40B4-BE49-F238E27FC236}">
-                <a16:creationId xmlns:a16="http://schemas.microsoft.com/office/drawing/2014/main" id="{9CFA2048-DC45-4BC5-9C82-E169DD01EC7F}"/>
-              </a:ext>
-            </a:extLst>
-          </p:cNvPr>
-          <p:cNvPicPr>
-            <a:picLocks noChangeAspect="1"/>
-          </p:cNvPicPr>
-          <p:nvPr/>
-        </p:nvPicPr>
-        <p:blipFill>
-          <a:blip r:embed="rId2"/>
-          <a:stretch>
-            <a:fillRect/>
-          </a:stretch>
-        </p:blipFill>
-        <p:spPr>
-          <a:xfrm>
-            <a:off x="0" y="271646"/>
-            <a:ext cx="12192000" cy="6314708"/>
-          </a:xfrm>
-          <a:prstGeom prst="rect">
-            <a:avLst/>
-          </a:prstGeom>
-        </p:spPr>
-      </p:pic>
-      <p:pic>
-        <p:nvPicPr>
-          <p:cNvPr id="4" name="图片 3">
-            <a:extLst>
-              <a:ext uri="{FF2B5EF4-FFF2-40B4-BE49-F238E27FC236}">
-                <a16:creationId xmlns:a16="http://schemas.microsoft.com/office/drawing/2014/main" id="{AEF6814E-AB7A-4BF9-94E5-B322FC0B95E0}"/>
+          <p:cNvPr id="2" name="图片 1">
+            <a:extLst>
+              <a:ext uri="{FF2B5EF4-FFF2-40B4-BE49-F238E27FC236}">
+                <a16:creationId xmlns:a16="http://schemas.microsoft.com/office/drawing/2014/main" id="{968F407B-CE6E-47F1-B86D-819C1596B1CD}"/>
               </a:ext>
             </a:extLst>
           </p:cNvPr>
@@ -4291,8 +6878,8 @@
         </p:blipFill>
         <p:spPr>
           <a:xfrm>
-            <a:off x="6266391" y="1414462"/>
-            <a:ext cx="5772150" cy="2352675"/>
+            <a:off x="0" y="300146"/>
+            <a:ext cx="12192000" cy="6257708"/>
           </a:xfrm>
           <a:prstGeom prst="rect">
             <a:avLst/>
@@ -4302,7 +6889,7 @@
     </p:spTree>
     <p:extLst>
       <p:ext uri="{BB962C8B-B14F-4D97-AF65-F5344CB8AC3E}">
-        <p14:creationId xmlns:p14="http://schemas.microsoft.com/office/powerpoint/2010/main" val="43773475"/>
+        <p14:creationId xmlns:p14="http://schemas.microsoft.com/office/powerpoint/2010/main" val="3857720819"/>
       </p:ext>
     </p:extLst>
   </p:cSld>
@@ -4329,121 +6916,12 @@
           <a:chExt cx="0" cy="0"/>
         </a:xfrm>
       </p:grpSpPr>
-      <p:sp>
-        <p:nvSpPr>
-          <p:cNvPr id="10" name="标题 3">
-            <a:extLst>
-              <a:ext uri="{FF2B5EF4-FFF2-40B4-BE49-F238E27FC236}">
-                <a16:creationId xmlns:a16="http://schemas.microsoft.com/office/drawing/2014/main" id="{5BB9631D-0411-4372-8924-23DFE7925311}"/>
-              </a:ext>
-            </a:extLst>
-          </p:cNvPr>
-          <p:cNvSpPr txBox="1">
-            <a:spLocks/>
-          </p:cNvSpPr>
-          <p:nvPr/>
-        </p:nvSpPr>
-        <p:spPr>
-          <a:xfrm>
-            <a:off x="0" y="0"/>
-            <a:ext cx="9430327" cy="5661344"/>
-          </a:xfrm>
-          <a:prstGeom prst="rect">
-            <a:avLst/>
-          </a:prstGeom>
-        </p:spPr>
-        <p:txBody>
-          <a:bodyPr/>
-          <a:lstStyle>
-            <a:lvl1pPr algn="l" defTabSz="914400" rtl="0" eaLnBrk="1" latinLnBrk="0" hangingPunct="1">
-              <a:lnSpc>
-                <a:spcPct val="90000"/>
-              </a:lnSpc>
-              <a:spcBef>
-                <a:spcPct val="0"/>
-              </a:spcBef>
-              <a:buNone/>
-              <a:defRPr sz="4400" kern="1200">
-                <a:solidFill>
-                  <a:schemeClr val="tx1"/>
-                </a:solidFill>
-                <a:latin typeface="+mj-lt"/>
-                <a:ea typeface="+mj-ea"/>
-                <a:cs typeface="+mj-cs"/>
-              </a:defRPr>
-            </a:lvl1pPr>
-          </a:lstStyle>
-          <a:p>
-            <a:r>
-              <a:rPr lang="zh-CN" altLang="en-US" b="1" dirty="0"/>
-              <a:t>第二篇论文的创新点</a:t>
-            </a:r>
-            <a:endParaRPr lang="en-US" altLang="zh-CN" b="1" dirty="0"/>
-          </a:p>
-          <a:p>
-            <a:endParaRPr lang="en-US" altLang="zh-CN" sz="2800" b="1" dirty="0">
-              <a:latin typeface="+mn-lt"/>
-              <a:ea typeface="+mn-ea"/>
-            </a:endParaRPr>
-          </a:p>
-          <a:p>
-            <a:r>
-              <a:rPr lang="en-US" altLang="zh-CN" sz="2800" dirty="0">
-                <a:latin typeface="+mn-lt"/>
-                <a:ea typeface="+mn-ea"/>
-              </a:rPr>
-              <a:t>SSDBN</a:t>
-            </a:r>
-            <a:r>
-              <a:rPr lang="zh-CN" altLang="en-US" sz="2800" dirty="0">
-                <a:latin typeface="+mn-lt"/>
-                <a:ea typeface="+mn-ea"/>
-              </a:rPr>
-              <a:t>优化了</a:t>
-            </a:r>
-            <a:r>
-              <a:rPr lang="en-US" altLang="zh-CN" sz="2800" dirty="0">
-                <a:latin typeface="+mn-lt"/>
-                <a:ea typeface="+mn-ea"/>
-              </a:rPr>
-              <a:t>DBN</a:t>
-            </a:r>
-            <a:r>
-              <a:rPr lang="zh-CN" altLang="en-US" sz="2800" dirty="0">
-                <a:latin typeface="+mn-lt"/>
-                <a:ea typeface="+mn-ea"/>
-              </a:rPr>
-              <a:t>结构，引入了监督学习。</a:t>
-            </a:r>
-            <a:endParaRPr lang="en-US" altLang="zh-CN" sz="2800" dirty="0">
-              <a:latin typeface="+mn-lt"/>
-              <a:ea typeface="+mn-ea"/>
-            </a:endParaRPr>
-          </a:p>
-          <a:p>
-            <a:endParaRPr lang="en-US" altLang="zh-CN" sz="2800" dirty="0">
-              <a:latin typeface="+mn-lt"/>
-              <a:ea typeface="+mn-ea"/>
-            </a:endParaRPr>
-          </a:p>
-          <a:p>
-            <a:r>
-              <a:rPr lang="zh-CN" altLang="en-US" sz="2800" dirty="0">
-                <a:latin typeface="+mn-lt"/>
-                <a:ea typeface="+mn-ea"/>
-              </a:rPr>
-              <a:t>使用到了奇异值分解，从中提取出重要的特征。</a:t>
-            </a:r>
-            <a:endParaRPr lang="en-US" altLang="zh-CN" dirty="0"/>
-          </a:p>
-        </p:txBody>
-      </p:sp>
       <p:pic>
         <p:nvPicPr>
-          <p:cNvPr id="5" name="图片 4">
-            <a:extLst>
-              <a:ext uri="{FF2B5EF4-FFF2-40B4-BE49-F238E27FC236}">
-                <a16:creationId xmlns:a16="http://schemas.microsoft.com/office/drawing/2014/main" id="{5015FEA0-4EF4-429C-A628-47B73B0F9136}"/>
+          <p:cNvPr id="2" name="图片 1">
+            <a:extLst>
+              <a:ext uri="{FF2B5EF4-FFF2-40B4-BE49-F238E27FC236}">
+                <a16:creationId xmlns:a16="http://schemas.microsoft.com/office/drawing/2014/main" id="{0096AF4C-8C97-4362-8B3D-17E33BB2FADA}"/>
               </a:ext>
             </a:extLst>
           </p:cNvPr>
@@ -4453,25 +6931,107 @@
           <p:nvPr/>
         </p:nvPicPr>
         <p:blipFill>
-          <a:blip r:embed="rId2"/>
+          <a:blip r:embed="rId3"/>
           <a:stretch>
             <a:fillRect/>
           </a:stretch>
         </p:blipFill>
         <p:spPr>
           <a:xfrm>
-            <a:off x="8222962" y="895380"/>
-            <a:ext cx="4034187" cy="5067240"/>
+            <a:off x="0" y="256538"/>
+            <a:ext cx="12192000" cy="6344924"/>
           </a:xfrm>
           <a:prstGeom prst="rect">
             <a:avLst/>
           </a:prstGeom>
         </p:spPr>
       </p:pic>
+      <p:pic>
+        <p:nvPicPr>
+          <p:cNvPr id="5" name="图片 4">
+            <a:extLst>
+              <a:ext uri="{FF2B5EF4-FFF2-40B4-BE49-F238E27FC236}">
+                <a16:creationId xmlns:a16="http://schemas.microsoft.com/office/drawing/2014/main" id="{D749BBFD-964B-457D-9798-B9DDD56F78F2}"/>
+              </a:ext>
+            </a:extLst>
+          </p:cNvPr>
+          <p:cNvPicPr>
+            <a:picLocks noChangeAspect="1"/>
+          </p:cNvPicPr>
+          <p:nvPr/>
+        </p:nvPicPr>
+        <p:blipFill>
+          <a:blip r:embed="rId4"/>
+          <a:stretch>
+            <a:fillRect/>
+          </a:stretch>
+        </p:blipFill>
+        <p:spPr>
+          <a:xfrm>
+            <a:off x="6604982" y="1805063"/>
+            <a:ext cx="5324475" cy="2105025"/>
+          </a:xfrm>
+          <a:prstGeom prst="rect">
+            <a:avLst/>
+          </a:prstGeom>
+        </p:spPr>
+      </p:pic>
+      <p:sp>
+        <p:nvSpPr>
+          <p:cNvPr id="4" name="箭头: 下 3">
+            <a:extLst>
+              <a:ext uri="{FF2B5EF4-FFF2-40B4-BE49-F238E27FC236}">
+                <a16:creationId xmlns:a16="http://schemas.microsoft.com/office/drawing/2014/main" id="{BA10DA7B-2B25-4549-BD80-DD7CBA1DE56D}"/>
+              </a:ext>
+            </a:extLst>
+          </p:cNvPr>
+          <p:cNvSpPr/>
+          <p:nvPr/>
+        </p:nvSpPr>
+        <p:spPr>
+          <a:xfrm>
+            <a:off x="10451939" y="1041722"/>
+            <a:ext cx="763929" cy="1145893"/>
+          </a:xfrm>
+          <a:prstGeom prst="downArrow">
+            <a:avLst/>
+          </a:prstGeom>
+          <a:noFill/>
+          <a:ln>
+            <a:solidFill>
+              <a:schemeClr val="tx1"/>
+            </a:solidFill>
+          </a:ln>
+        </p:spPr>
+        <p:style>
+          <a:lnRef idx="2">
+            <a:schemeClr val="accent1">
+              <a:shade val="50000"/>
+            </a:schemeClr>
+          </a:lnRef>
+          <a:fillRef idx="1">
+            <a:schemeClr val="accent1"/>
+          </a:fillRef>
+          <a:effectRef idx="0">
+            <a:schemeClr val="accent1"/>
+          </a:effectRef>
+          <a:fontRef idx="minor">
+            <a:schemeClr val="lt1"/>
+          </a:fontRef>
+        </p:style>
+        <p:txBody>
+          <a:bodyPr rtlCol="0" anchor="ctr"/>
+          <a:lstStyle/>
+          <a:p>
+            <a:pPr algn="ctr"/>
+            <a:endParaRPr lang="zh-CN" altLang="en-US"/>
+          </a:p>
+        </p:txBody>
+      </p:sp>
     </p:spTree>
     <p:extLst>
       <p:ext uri="{BB962C8B-B14F-4D97-AF65-F5344CB8AC3E}">
-        <p14:creationId xmlns:p14="http://schemas.microsoft.com/office/powerpoint/2010/main" val="2939957524"/>
+        <p14:creationId xmlns:p14="http://schemas.microsoft.com/office/powerpoint/2010/main" val="310162701"/>
       </p:ext>
     </p:extLst>
   </p:cSld>
@@ -4503,37 +7063,7 @@
           <p:cNvPr id="2" name="图片 1">
             <a:extLst>
               <a:ext uri="{FF2B5EF4-FFF2-40B4-BE49-F238E27FC236}">
-                <a16:creationId xmlns:a16="http://schemas.microsoft.com/office/drawing/2014/main" id="{968F407B-CE6E-47F1-B86D-819C1596B1CD}"/>
-              </a:ext>
-            </a:extLst>
-          </p:cNvPr>
-          <p:cNvPicPr>
-            <a:picLocks noChangeAspect="1"/>
-          </p:cNvPicPr>
-          <p:nvPr/>
-        </p:nvPicPr>
-        <p:blipFill>
-          <a:blip r:embed="rId2"/>
-          <a:stretch>
-            <a:fillRect/>
-          </a:stretch>
-        </p:blipFill>
-        <p:spPr>
-          <a:xfrm>
-            <a:off x="0" y="300146"/>
-            <a:ext cx="12192000" cy="6257708"/>
-          </a:xfrm>
-          <a:prstGeom prst="rect">
-            <a:avLst/>
-          </a:prstGeom>
-        </p:spPr>
-      </p:pic>
-      <p:pic>
-        <p:nvPicPr>
-          <p:cNvPr id="3" name="图片 2">
-            <a:extLst>
-              <a:ext uri="{FF2B5EF4-FFF2-40B4-BE49-F238E27FC236}">
-                <a16:creationId xmlns:a16="http://schemas.microsoft.com/office/drawing/2014/main" id="{556A6185-9B16-495A-9A0E-19D66009145C}"/>
+                <a16:creationId xmlns:a16="http://schemas.microsoft.com/office/drawing/2014/main" id="{E7F967F4-E48F-4AE4-9182-2962314C8855}"/>
               </a:ext>
             </a:extLst>
           </p:cNvPr>
@@ -4550,8 +7080,8 @@
         </p:blipFill>
         <p:spPr>
           <a:xfrm>
-            <a:off x="5310909" y="2059708"/>
-            <a:ext cx="5385374" cy="3620861"/>
+            <a:off x="0" y="281102"/>
+            <a:ext cx="12192000" cy="6295796"/>
           </a:xfrm>
           <a:prstGeom prst="rect">
             <a:avLst/>
@@ -4561,7 +7091,7 @@
     </p:spTree>
     <p:extLst>
       <p:ext uri="{BB962C8B-B14F-4D97-AF65-F5344CB8AC3E}">
-        <p14:creationId xmlns:p14="http://schemas.microsoft.com/office/powerpoint/2010/main" val="3857720819"/>
+        <p14:creationId xmlns:p14="http://schemas.microsoft.com/office/powerpoint/2010/main" val="3820806575"/>
       </p:ext>
     </p:extLst>
   </p:cSld>
@@ -4593,37 +7123,7 @@
           <p:cNvPr id="2" name="图片 1">
             <a:extLst>
               <a:ext uri="{FF2B5EF4-FFF2-40B4-BE49-F238E27FC236}">
-                <a16:creationId xmlns:a16="http://schemas.microsoft.com/office/drawing/2014/main" id="{0096AF4C-8C97-4362-8B3D-17E33BB2FADA}"/>
-              </a:ext>
-            </a:extLst>
-          </p:cNvPr>
-          <p:cNvPicPr>
-            <a:picLocks noChangeAspect="1"/>
-          </p:cNvPicPr>
-          <p:nvPr/>
-        </p:nvPicPr>
-        <p:blipFill>
-          <a:blip r:embed="rId2"/>
-          <a:stretch>
-            <a:fillRect/>
-          </a:stretch>
-        </p:blipFill>
-        <p:spPr>
-          <a:xfrm>
-            <a:off x="0" y="256538"/>
-            <a:ext cx="12192000" cy="6344924"/>
-          </a:xfrm>
-          <a:prstGeom prst="rect">
-            <a:avLst/>
-          </a:prstGeom>
-        </p:spPr>
-      </p:pic>
-      <p:pic>
-        <p:nvPicPr>
-          <p:cNvPr id="5" name="图片 4">
-            <a:extLst>
-              <a:ext uri="{FF2B5EF4-FFF2-40B4-BE49-F238E27FC236}">
-                <a16:creationId xmlns:a16="http://schemas.microsoft.com/office/drawing/2014/main" id="{D749BBFD-964B-457D-9798-B9DDD56F78F2}"/>
+                <a16:creationId xmlns:a16="http://schemas.microsoft.com/office/drawing/2014/main" id="{BB324C52-75BA-489A-A855-DDEB9293B032}"/>
               </a:ext>
             </a:extLst>
           </p:cNvPr>
@@ -4634,66 +7134,6 @@
         </p:nvPicPr>
         <p:blipFill>
           <a:blip r:embed="rId3"/>
-          <a:stretch>
-            <a:fillRect/>
-          </a:stretch>
-        </p:blipFill>
-        <p:spPr>
-          <a:xfrm>
-            <a:off x="6292465" y="1654592"/>
-            <a:ext cx="5324475" cy="2105025"/>
-          </a:xfrm>
-          <a:prstGeom prst="rect">
-            <a:avLst/>
-          </a:prstGeom>
-        </p:spPr>
-      </p:pic>
-    </p:spTree>
-    <p:extLst>
-      <p:ext uri="{BB962C8B-B14F-4D97-AF65-F5344CB8AC3E}">
-        <p14:creationId xmlns:p14="http://schemas.microsoft.com/office/powerpoint/2010/main" val="310162701"/>
-      </p:ext>
-    </p:extLst>
-  </p:cSld>
-  <p:clrMapOvr>
-    <a:masterClrMapping/>
-  </p:clrMapOvr>
-</p:sld>
-</file>
-
-<file path=ppt/slides/slide18.xml><?xml version="1.0" encoding="utf-8"?>
-<p:sld xmlns:a="http://schemas.openxmlformats.org/drawingml/2006/main" xmlns:r="http://schemas.openxmlformats.org/officeDocument/2006/relationships" xmlns:p="http://schemas.openxmlformats.org/presentationml/2006/main">
-  <p:cSld>
-    <p:spTree>
-      <p:nvGrpSpPr>
-        <p:cNvPr id="1" name=""/>
-        <p:cNvGrpSpPr/>
-        <p:nvPr/>
-      </p:nvGrpSpPr>
-      <p:grpSpPr>
-        <a:xfrm>
-          <a:off x="0" y="0"/>
-          <a:ext cx="0" cy="0"/>
-          <a:chOff x="0" y="0"/>
-          <a:chExt cx="0" cy="0"/>
-        </a:xfrm>
-      </p:grpSpPr>
-      <p:pic>
-        <p:nvPicPr>
-          <p:cNvPr id="2" name="图片 1">
-            <a:extLst>
-              <a:ext uri="{FF2B5EF4-FFF2-40B4-BE49-F238E27FC236}">
-                <a16:creationId xmlns:a16="http://schemas.microsoft.com/office/drawing/2014/main" id="{BB324C52-75BA-489A-A855-DDEB9293B032}"/>
-              </a:ext>
-            </a:extLst>
-          </p:cNvPr>
-          <p:cNvPicPr>
-            <a:picLocks noChangeAspect="1"/>
-          </p:cNvPicPr>
-          <p:nvPr/>
-        </p:nvPicPr>
-        <p:blipFill>
-          <a:blip r:embed="rId2"/>
           <a:stretch>
             <a:fillRect/>
           </a:stretch>
@@ -4722,22 +7162,73 @@
           </p:cNvPicPr>
           <p:nvPr/>
         </p:nvPicPr>
-        <p:blipFill>
-          <a:blip r:embed="rId3"/>
-          <a:stretch>
-            <a:fillRect/>
-          </a:stretch>
+        <p:blipFill rotWithShape="1">
+          <a:blip r:embed="rId4"/>
+          <a:srcRect r="9052"/>
+          <a:stretch/>
         </p:blipFill>
         <p:spPr>
           <a:xfrm>
-            <a:off x="6674379" y="1572154"/>
-            <a:ext cx="5362575" cy="2105025"/>
+            <a:off x="7102644" y="1885413"/>
+            <a:ext cx="4877155" cy="2105025"/>
           </a:xfrm>
           <a:prstGeom prst="rect">
             <a:avLst/>
           </a:prstGeom>
         </p:spPr>
       </p:pic>
+      <p:sp>
+        <p:nvSpPr>
+          <p:cNvPr id="4" name="箭头: 下 3">
+            <a:extLst>
+              <a:ext uri="{FF2B5EF4-FFF2-40B4-BE49-F238E27FC236}">
+                <a16:creationId xmlns:a16="http://schemas.microsoft.com/office/drawing/2014/main" id="{2215C906-69A9-4DF6-AC05-CDE1B9FA8078}"/>
+              </a:ext>
+            </a:extLst>
+          </p:cNvPr>
+          <p:cNvSpPr/>
+          <p:nvPr/>
+        </p:nvSpPr>
+        <p:spPr>
+          <a:xfrm>
+            <a:off x="10451939" y="1041722"/>
+            <a:ext cx="763929" cy="1145893"/>
+          </a:xfrm>
+          <a:prstGeom prst="downArrow">
+            <a:avLst/>
+          </a:prstGeom>
+          <a:noFill/>
+          <a:ln>
+            <a:solidFill>
+              <a:schemeClr val="tx1"/>
+            </a:solidFill>
+          </a:ln>
+        </p:spPr>
+        <p:style>
+          <a:lnRef idx="2">
+            <a:schemeClr val="accent1">
+              <a:shade val="50000"/>
+            </a:schemeClr>
+          </a:lnRef>
+          <a:fillRef idx="1">
+            <a:schemeClr val="accent1"/>
+          </a:fillRef>
+          <a:effectRef idx="0">
+            <a:schemeClr val="accent1"/>
+          </a:effectRef>
+          <a:fontRef idx="minor">
+            <a:schemeClr val="lt1"/>
+          </a:fontRef>
+        </p:style>
+        <p:txBody>
+          <a:bodyPr rtlCol="0" anchor="ctr"/>
+          <a:lstStyle/>
+          <a:p>
+            <a:pPr algn="ctr"/>
+            <a:endParaRPr lang="zh-CN" altLang="en-US"/>
+          </a:p>
+        </p:txBody>
+      </p:sp>
     </p:spTree>
     <p:extLst>
       <p:ext uri="{BB962C8B-B14F-4D97-AF65-F5344CB8AC3E}">
@@ -5529,75 +8020,68 @@
       </p:grpSpPr>
       <p:sp>
         <p:nvSpPr>
-          <p:cNvPr id="4" name="标题 3">
-            <a:extLst>
-              <a:ext uri="{FF2B5EF4-FFF2-40B4-BE49-F238E27FC236}">
-                <a16:creationId xmlns:a16="http://schemas.microsoft.com/office/drawing/2014/main" id="{7A8F3C45-7A70-4466-96E6-7C0DDA8A1431}"/>
-              </a:ext>
-            </a:extLst>
-          </p:cNvPr>
-          <p:cNvSpPr>
-            <a:spLocks noGrp="1"/>
-          </p:cNvSpPr>
-          <p:nvPr>
-            <p:ph type="title"/>
-          </p:nvPr>
+          <p:cNvPr id="6" name="标题 3">
+            <a:extLst>
+              <a:ext uri="{FF2B5EF4-FFF2-40B4-BE49-F238E27FC236}">
+                <a16:creationId xmlns:a16="http://schemas.microsoft.com/office/drawing/2014/main" id="{721B242D-120C-4E61-A3A1-37548B3CD1AB}"/>
+              </a:ext>
+            </a:extLst>
+          </p:cNvPr>
+          <p:cNvSpPr txBox="1">
+            <a:spLocks/>
+          </p:cNvSpPr>
+          <p:nvPr/>
         </p:nvSpPr>
         <p:spPr>
           <a:xfrm>
             <a:off x="0" y="0"/>
             <a:ext cx="10515600" cy="1325563"/>
           </a:xfrm>
-        </p:spPr>
-        <p:txBody>
-          <a:bodyPr/>
-          <a:lstStyle/>
-          <a:p>
-            <a:r>
-              <a:rPr lang="zh-CN" altLang="en-US" b="1" dirty="0"/>
-              <a:t>数据预处理</a:t>
-            </a:r>
-          </a:p>
-        </p:txBody>
-      </p:sp>
-      <p:pic>
-        <p:nvPicPr>
-          <p:cNvPr id="5" name="图片 4">
-            <a:extLst>
-              <a:ext uri="{FF2B5EF4-FFF2-40B4-BE49-F238E27FC236}">
-                <a16:creationId xmlns:a16="http://schemas.microsoft.com/office/drawing/2014/main" id="{3C03A52A-0C51-40E4-8A6A-2C531C8D86F6}"/>
-              </a:ext>
-            </a:extLst>
-          </p:cNvPr>
-          <p:cNvPicPr/>
-          <p:nvPr/>
-        </p:nvPicPr>
-        <p:blipFill>
-          <a:blip r:embed="rId2"/>
-          <a:stretch>
-            <a:fillRect/>
-          </a:stretch>
-        </p:blipFill>
-        <p:spPr>
-          <a:xfrm>
-            <a:off x="821690" y="2105111"/>
-            <a:ext cx="5274310" cy="2981960"/>
-          </a:xfrm>
           <a:prstGeom prst="rect">
             <a:avLst/>
           </a:prstGeom>
         </p:spPr>
-      </p:pic>
+        <p:txBody>
+          <a:bodyPr/>
+          <a:lstStyle>
+            <a:lvl1pPr algn="l" defTabSz="914400" rtl="0" eaLnBrk="1" latinLnBrk="0" hangingPunct="1">
+              <a:lnSpc>
+                <a:spcPct val="90000"/>
+              </a:lnSpc>
+              <a:spcBef>
+                <a:spcPct val="0"/>
+              </a:spcBef>
+              <a:buNone/>
+              <a:defRPr sz="4400" kern="1200">
+                <a:solidFill>
+                  <a:schemeClr val="tx1"/>
+                </a:solidFill>
+                <a:latin typeface="+mj-lt"/>
+                <a:ea typeface="+mj-ea"/>
+                <a:cs typeface="+mj-cs"/>
+              </a:defRPr>
+            </a:lvl1pPr>
+          </a:lstStyle>
+          <a:p>
+            <a:r>
+              <a:rPr lang="zh-CN" altLang="en-US" b="1" dirty="0"/>
+              <a:t>特征提取</a:t>
+            </a:r>
+          </a:p>
+        </p:txBody>
+      </p:sp>
       <p:pic>
         <p:nvPicPr>
-          <p:cNvPr id="6" name="图片 5">
-            <a:extLst>
-              <a:ext uri="{FF2B5EF4-FFF2-40B4-BE49-F238E27FC236}">
-                <a16:creationId xmlns:a16="http://schemas.microsoft.com/office/drawing/2014/main" id="{26786016-F9ED-4D5B-8E5B-96D04215C72D}"/>
-              </a:ext>
-            </a:extLst>
-          </p:cNvPr>
-          <p:cNvPicPr/>
+          <p:cNvPr id="3" name="图片 2">
+            <a:extLst>
+              <a:ext uri="{FF2B5EF4-FFF2-40B4-BE49-F238E27FC236}">
+                <a16:creationId xmlns:a16="http://schemas.microsoft.com/office/drawing/2014/main" id="{6C9A56B9-0E59-4239-A61A-9F05557FB242}"/>
+              </a:ext>
+            </a:extLst>
+          </p:cNvPr>
+          <p:cNvPicPr>
+            <a:picLocks noChangeAspect="1"/>
+          </p:cNvPicPr>
           <p:nvPr/>
         </p:nvPicPr>
         <p:blipFill>
@@ -5608,18 +8092,516 @@
         </p:blipFill>
         <p:spPr>
           <a:xfrm>
-            <a:off x="6294409" y="2119456"/>
-            <a:ext cx="5274310" cy="2998470"/>
+            <a:off x="2420435" y="0"/>
+            <a:ext cx="5830553" cy="6858000"/>
           </a:xfrm>
           <a:prstGeom prst="rect">
             <a:avLst/>
           </a:prstGeom>
         </p:spPr>
       </p:pic>
+      <p:pic>
+        <p:nvPicPr>
+          <p:cNvPr id="7" name="图片 6">
+            <a:extLst>
+              <a:ext uri="{FF2B5EF4-FFF2-40B4-BE49-F238E27FC236}">
+                <a16:creationId xmlns:a16="http://schemas.microsoft.com/office/drawing/2014/main" id="{AB0D6951-86D2-4F11-88EA-6698CF477BF3}"/>
+              </a:ext>
+            </a:extLst>
+          </p:cNvPr>
+          <p:cNvPicPr>
+            <a:picLocks noChangeAspect="1"/>
+          </p:cNvPicPr>
+          <p:nvPr/>
+        </p:nvPicPr>
+        <p:blipFill>
+          <a:blip r:embed="rId4"/>
+          <a:stretch>
+            <a:fillRect/>
+          </a:stretch>
+        </p:blipFill>
+        <p:spPr>
+          <a:xfrm>
+            <a:off x="8389937" y="0"/>
+            <a:ext cx="3802063" cy="6858000"/>
+          </a:xfrm>
+          <a:prstGeom prst="rect">
+            <a:avLst/>
+          </a:prstGeom>
+        </p:spPr>
+      </p:pic>
+      <p:sp>
+        <p:nvSpPr>
+          <p:cNvPr id="8" name="矩形 7">
+            <a:extLst>
+              <a:ext uri="{FF2B5EF4-FFF2-40B4-BE49-F238E27FC236}">
+                <a16:creationId xmlns:a16="http://schemas.microsoft.com/office/drawing/2014/main" id="{890F42D8-AC7B-4509-B66D-DE40FCF7E9D4}"/>
+              </a:ext>
+            </a:extLst>
+          </p:cNvPr>
+          <p:cNvSpPr/>
+          <p:nvPr/>
+        </p:nvSpPr>
+        <p:spPr>
+          <a:xfrm>
+            <a:off x="4265011" y="1941816"/>
+            <a:ext cx="569455" cy="1202076"/>
+          </a:xfrm>
+          <a:prstGeom prst="rect">
+            <a:avLst/>
+          </a:prstGeom>
+          <a:noFill/>
+          <a:ln w="28575">
+            <a:solidFill>
+              <a:srgbClr val="FF0000"/>
+            </a:solidFill>
+          </a:ln>
+        </p:spPr>
+        <p:style>
+          <a:lnRef idx="2">
+            <a:schemeClr val="accent1">
+              <a:shade val="50000"/>
+            </a:schemeClr>
+          </a:lnRef>
+          <a:fillRef idx="1">
+            <a:schemeClr val="accent1"/>
+          </a:fillRef>
+          <a:effectRef idx="0">
+            <a:schemeClr val="accent1"/>
+          </a:effectRef>
+          <a:fontRef idx="minor">
+            <a:schemeClr val="lt1"/>
+          </a:fontRef>
+        </p:style>
+        <p:txBody>
+          <a:bodyPr rtlCol="0" anchor="ctr"/>
+          <a:lstStyle/>
+          <a:p>
+            <a:pPr algn="ctr"/>
+            <a:endParaRPr lang="zh-CN" altLang="en-US"/>
+          </a:p>
+        </p:txBody>
+      </p:sp>
+      <p:sp>
+        <p:nvSpPr>
+          <p:cNvPr id="10" name="矩形 9">
+            <a:extLst>
+              <a:ext uri="{FF2B5EF4-FFF2-40B4-BE49-F238E27FC236}">
+                <a16:creationId xmlns:a16="http://schemas.microsoft.com/office/drawing/2014/main" id="{BBA8E67E-A37B-45A0-B89C-34AB2BC9AD9E}"/>
+              </a:ext>
+            </a:extLst>
+          </p:cNvPr>
+          <p:cNvSpPr/>
+          <p:nvPr/>
+        </p:nvSpPr>
+        <p:spPr>
+          <a:xfrm>
+            <a:off x="4876801" y="1941816"/>
+            <a:ext cx="569455" cy="1202076"/>
+          </a:xfrm>
+          <a:prstGeom prst="rect">
+            <a:avLst/>
+          </a:prstGeom>
+          <a:noFill/>
+          <a:ln w="28575">
+            <a:solidFill>
+              <a:srgbClr val="FF0000"/>
+            </a:solidFill>
+          </a:ln>
+        </p:spPr>
+        <p:style>
+          <a:lnRef idx="2">
+            <a:schemeClr val="accent1">
+              <a:shade val="50000"/>
+            </a:schemeClr>
+          </a:lnRef>
+          <a:fillRef idx="1">
+            <a:schemeClr val="accent1"/>
+          </a:fillRef>
+          <a:effectRef idx="0">
+            <a:schemeClr val="accent1"/>
+          </a:effectRef>
+          <a:fontRef idx="minor">
+            <a:schemeClr val="lt1"/>
+          </a:fontRef>
+        </p:style>
+        <p:txBody>
+          <a:bodyPr rtlCol="0" anchor="ctr"/>
+          <a:lstStyle/>
+          <a:p>
+            <a:pPr algn="ctr"/>
+            <a:endParaRPr lang="zh-CN" altLang="en-US"/>
+          </a:p>
+        </p:txBody>
+      </p:sp>
+      <p:sp>
+        <p:nvSpPr>
+          <p:cNvPr id="11" name="矩形 10">
+            <a:extLst>
+              <a:ext uri="{FF2B5EF4-FFF2-40B4-BE49-F238E27FC236}">
+                <a16:creationId xmlns:a16="http://schemas.microsoft.com/office/drawing/2014/main" id="{4B96F7A0-7390-4399-AA6E-70A9F4C6B72F}"/>
+              </a:ext>
+            </a:extLst>
+          </p:cNvPr>
+          <p:cNvSpPr/>
+          <p:nvPr/>
+        </p:nvSpPr>
+        <p:spPr>
+          <a:xfrm>
+            <a:off x="5488591" y="1941816"/>
+            <a:ext cx="836009" cy="1202076"/>
+          </a:xfrm>
+          <a:prstGeom prst="rect">
+            <a:avLst/>
+          </a:prstGeom>
+          <a:noFill/>
+          <a:ln w="28575">
+            <a:solidFill>
+              <a:srgbClr val="FF0000"/>
+            </a:solidFill>
+          </a:ln>
+        </p:spPr>
+        <p:style>
+          <a:lnRef idx="2">
+            <a:schemeClr val="accent1">
+              <a:shade val="50000"/>
+            </a:schemeClr>
+          </a:lnRef>
+          <a:fillRef idx="1">
+            <a:schemeClr val="accent1"/>
+          </a:fillRef>
+          <a:effectRef idx="0">
+            <a:schemeClr val="accent1"/>
+          </a:effectRef>
+          <a:fontRef idx="minor">
+            <a:schemeClr val="lt1"/>
+          </a:fontRef>
+        </p:style>
+        <p:txBody>
+          <a:bodyPr rtlCol="0" anchor="ctr"/>
+          <a:lstStyle/>
+          <a:p>
+            <a:pPr algn="ctr"/>
+            <a:endParaRPr lang="zh-CN" altLang="en-US"/>
+          </a:p>
+        </p:txBody>
+      </p:sp>
+      <p:sp>
+        <p:nvSpPr>
+          <p:cNvPr id="12" name="矩形 11">
+            <a:extLst>
+              <a:ext uri="{FF2B5EF4-FFF2-40B4-BE49-F238E27FC236}">
+                <a16:creationId xmlns:a16="http://schemas.microsoft.com/office/drawing/2014/main" id="{6D02D683-7713-4323-9768-0DAA28649B52}"/>
+              </a:ext>
+            </a:extLst>
+          </p:cNvPr>
+          <p:cNvSpPr/>
+          <p:nvPr/>
+        </p:nvSpPr>
+        <p:spPr>
+          <a:xfrm>
+            <a:off x="4265011" y="3635149"/>
+            <a:ext cx="569455" cy="1202076"/>
+          </a:xfrm>
+          <a:prstGeom prst="rect">
+            <a:avLst/>
+          </a:prstGeom>
+          <a:noFill/>
+          <a:ln w="28575">
+            <a:solidFill>
+              <a:srgbClr val="FF0000"/>
+            </a:solidFill>
+          </a:ln>
+        </p:spPr>
+        <p:style>
+          <a:lnRef idx="2">
+            <a:schemeClr val="accent1">
+              <a:shade val="50000"/>
+            </a:schemeClr>
+          </a:lnRef>
+          <a:fillRef idx="1">
+            <a:schemeClr val="accent1"/>
+          </a:fillRef>
+          <a:effectRef idx="0">
+            <a:schemeClr val="accent1"/>
+          </a:effectRef>
+          <a:fontRef idx="minor">
+            <a:schemeClr val="lt1"/>
+          </a:fontRef>
+        </p:style>
+        <p:txBody>
+          <a:bodyPr rtlCol="0" anchor="ctr"/>
+          <a:lstStyle/>
+          <a:p>
+            <a:pPr algn="ctr"/>
+            <a:endParaRPr lang="zh-CN" altLang="en-US"/>
+          </a:p>
+        </p:txBody>
+      </p:sp>
+      <p:sp>
+        <p:nvSpPr>
+          <p:cNvPr id="13" name="矩形 12">
+            <a:extLst>
+              <a:ext uri="{FF2B5EF4-FFF2-40B4-BE49-F238E27FC236}">
+                <a16:creationId xmlns:a16="http://schemas.microsoft.com/office/drawing/2014/main" id="{78312E6F-AFBD-4756-B576-C5420059064C}"/>
+              </a:ext>
+            </a:extLst>
+          </p:cNvPr>
+          <p:cNvSpPr/>
+          <p:nvPr/>
+        </p:nvSpPr>
+        <p:spPr>
+          <a:xfrm>
+            <a:off x="4876801" y="3635149"/>
+            <a:ext cx="569455" cy="1202076"/>
+          </a:xfrm>
+          <a:prstGeom prst="rect">
+            <a:avLst/>
+          </a:prstGeom>
+          <a:noFill/>
+          <a:ln w="28575">
+            <a:solidFill>
+              <a:srgbClr val="FF0000"/>
+            </a:solidFill>
+          </a:ln>
+        </p:spPr>
+        <p:style>
+          <a:lnRef idx="2">
+            <a:schemeClr val="accent1">
+              <a:shade val="50000"/>
+            </a:schemeClr>
+          </a:lnRef>
+          <a:fillRef idx="1">
+            <a:schemeClr val="accent1"/>
+          </a:fillRef>
+          <a:effectRef idx="0">
+            <a:schemeClr val="accent1"/>
+          </a:effectRef>
+          <a:fontRef idx="minor">
+            <a:schemeClr val="lt1"/>
+          </a:fontRef>
+        </p:style>
+        <p:txBody>
+          <a:bodyPr rtlCol="0" anchor="ctr"/>
+          <a:lstStyle/>
+          <a:p>
+            <a:pPr algn="ctr"/>
+            <a:endParaRPr lang="zh-CN" altLang="en-US"/>
+          </a:p>
+        </p:txBody>
+      </p:sp>
+      <p:sp>
+        <p:nvSpPr>
+          <p:cNvPr id="14" name="矩形 13">
+            <a:extLst>
+              <a:ext uri="{FF2B5EF4-FFF2-40B4-BE49-F238E27FC236}">
+                <a16:creationId xmlns:a16="http://schemas.microsoft.com/office/drawing/2014/main" id="{9DD6A230-4879-460C-A65C-07554A578445}"/>
+              </a:ext>
+            </a:extLst>
+          </p:cNvPr>
+          <p:cNvSpPr/>
+          <p:nvPr/>
+        </p:nvSpPr>
+        <p:spPr>
+          <a:xfrm>
+            <a:off x="5488591" y="3635149"/>
+            <a:ext cx="836009" cy="1202076"/>
+          </a:xfrm>
+          <a:prstGeom prst="rect">
+            <a:avLst/>
+          </a:prstGeom>
+          <a:noFill/>
+          <a:ln w="28575">
+            <a:solidFill>
+              <a:srgbClr val="FF0000"/>
+            </a:solidFill>
+          </a:ln>
+        </p:spPr>
+        <p:style>
+          <a:lnRef idx="2">
+            <a:schemeClr val="accent1">
+              <a:shade val="50000"/>
+            </a:schemeClr>
+          </a:lnRef>
+          <a:fillRef idx="1">
+            <a:schemeClr val="accent1"/>
+          </a:fillRef>
+          <a:effectRef idx="0">
+            <a:schemeClr val="accent1"/>
+          </a:effectRef>
+          <a:fontRef idx="minor">
+            <a:schemeClr val="lt1"/>
+          </a:fontRef>
+        </p:style>
+        <p:txBody>
+          <a:bodyPr rtlCol="0" anchor="ctr"/>
+          <a:lstStyle/>
+          <a:p>
+            <a:pPr algn="ctr"/>
+            <a:endParaRPr lang="zh-CN" altLang="en-US"/>
+          </a:p>
+        </p:txBody>
+      </p:sp>
+      <p:sp>
+        <p:nvSpPr>
+          <p:cNvPr id="15" name="矩形 14">
+            <a:extLst>
+              <a:ext uri="{FF2B5EF4-FFF2-40B4-BE49-F238E27FC236}">
+                <a16:creationId xmlns:a16="http://schemas.microsoft.com/office/drawing/2014/main" id="{B16077D8-D98B-4408-A1C1-6751278D3A9C}"/>
+              </a:ext>
+            </a:extLst>
+          </p:cNvPr>
+          <p:cNvSpPr/>
+          <p:nvPr/>
+        </p:nvSpPr>
+        <p:spPr>
+          <a:xfrm>
+            <a:off x="4265011" y="5328482"/>
+            <a:ext cx="569455" cy="1202076"/>
+          </a:xfrm>
+          <a:prstGeom prst="rect">
+            <a:avLst/>
+          </a:prstGeom>
+          <a:noFill/>
+          <a:ln w="28575">
+            <a:solidFill>
+              <a:srgbClr val="FF0000"/>
+            </a:solidFill>
+          </a:ln>
+        </p:spPr>
+        <p:style>
+          <a:lnRef idx="2">
+            <a:schemeClr val="accent1">
+              <a:shade val="50000"/>
+            </a:schemeClr>
+          </a:lnRef>
+          <a:fillRef idx="1">
+            <a:schemeClr val="accent1"/>
+          </a:fillRef>
+          <a:effectRef idx="0">
+            <a:schemeClr val="accent1"/>
+          </a:effectRef>
+          <a:fontRef idx="minor">
+            <a:schemeClr val="lt1"/>
+          </a:fontRef>
+        </p:style>
+        <p:txBody>
+          <a:bodyPr rtlCol="0" anchor="ctr"/>
+          <a:lstStyle/>
+          <a:p>
+            <a:pPr algn="ctr"/>
+            <a:endParaRPr lang="zh-CN" altLang="en-US"/>
+          </a:p>
+        </p:txBody>
+      </p:sp>
+      <p:sp>
+        <p:nvSpPr>
+          <p:cNvPr id="16" name="矩形 15">
+            <a:extLst>
+              <a:ext uri="{FF2B5EF4-FFF2-40B4-BE49-F238E27FC236}">
+                <a16:creationId xmlns:a16="http://schemas.microsoft.com/office/drawing/2014/main" id="{1E2A9132-2EFC-4175-8995-6D183C2B5A2B}"/>
+              </a:ext>
+            </a:extLst>
+          </p:cNvPr>
+          <p:cNvSpPr/>
+          <p:nvPr/>
+        </p:nvSpPr>
+        <p:spPr>
+          <a:xfrm>
+            <a:off x="4876801" y="5328482"/>
+            <a:ext cx="569455" cy="1202076"/>
+          </a:xfrm>
+          <a:prstGeom prst="rect">
+            <a:avLst/>
+          </a:prstGeom>
+          <a:noFill/>
+          <a:ln w="28575">
+            <a:solidFill>
+              <a:srgbClr val="FF0000"/>
+            </a:solidFill>
+          </a:ln>
+        </p:spPr>
+        <p:style>
+          <a:lnRef idx="2">
+            <a:schemeClr val="accent1">
+              <a:shade val="50000"/>
+            </a:schemeClr>
+          </a:lnRef>
+          <a:fillRef idx="1">
+            <a:schemeClr val="accent1"/>
+          </a:fillRef>
+          <a:effectRef idx="0">
+            <a:schemeClr val="accent1"/>
+          </a:effectRef>
+          <a:fontRef idx="minor">
+            <a:schemeClr val="lt1"/>
+          </a:fontRef>
+        </p:style>
+        <p:txBody>
+          <a:bodyPr rtlCol="0" anchor="ctr"/>
+          <a:lstStyle/>
+          <a:p>
+            <a:pPr algn="ctr"/>
+            <a:endParaRPr lang="zh-CN" altLang="en-US"/>
+          </a:p>
+        </p:txBody>
+      </p:sp>
+      <p:sp>
+        <p:nvSpPr>
+          <p:cNvPr id="17" name="矩形 16">
+            <a:extLst>
+              <a:ext uri="{FF2B5EF4-FFF2-40B4-BE49-F238E27FC236}">
+                <a16:creationId xmlns:a16="http://schemas.microsoft.com/office/drawing/2014/main" id="{A5F73CDB-7A1C-43CA-87B6-D30AAB54CCE0}"/>
+              </a:ext>
+            </a:extLst>
+          </p:cNvPr>
+          <p:cNvSpPr/>
+          <p:nvPr/>
+        </p:nvSpPr>
+        <p:spPr>
+          <a:xfrm>
+            <a:off x="5488591" y="5328482"/>
+            <a:ext cx="836009" cy="1202076"/>
+          </a:xfrm>
+          <a:prstGeom prst="rect">
+            <a:avLst/>
+          </a:prstGeom>
+          <a:noFill/>
+          <a:ln w="28575">
+            <a:solidFill>
+              <a:srgbClr val="FF0000"/>
+            </a:solidFill>
+          </a:ln>
+        </p:spPr>
+        <p:style>
+          <a:lnRef idx="2">
+            <a:schemeClr val="accent1">
+              <a:shade val="50000"/>
+            </a:schemeClr>
+          </a:lnRef>
+          <a:fillRef idx="1">
+            <a:schemeClr val="accent1"/>
+          </a:fillRef>
+          <a:effectRef idx="0">
+            <a:schemeClr val="accent1"/>
+          </a:effectRef>
+          <a:fontRef idx="minor">
+            <a:schemeClr val="lt1"/>
+          </a:fontRef>
+        </p:style>
+        <p:txBody>
+          <a:bodyPr rtlCol="0" anchor="ctr"/>
+          <a:lstStyle/>
+          <a:p>
+            <a:pPr algn="ctr"/>
+            <a:endParaRPr lang="zh-CN" altLang="en-US"/>
+          </a:p>
+        </p:txBody>
+      </p:sp>
     </p:spTree>
     <p:extLst>
       <p:ext uri="{BB962C8B-B14F-4D97-AF65-F5344CB8AC3E}">
-        <p14:creationId xmlns:p14="http://schemas.microsoft.com/office/powerpoint/2010/main" val="2104449544"/>
+        <p14:creationId xmlns:p14="http://schemas.microsoft.com/office/powerpoint/2010/main" val="1391565131"/>
       </p:ext>
     </p:extLst>
   </p:cSld>
@@ -5648,304 +8630,63 @@
       </p:grpSpPr>
       <p:sp>
         <p:nvSpPr>
-          <p:cNvPr id="4" name="矩形 3">
-            <a:extLst>
-              <a:ext uri="{FF2B5EF4-FFF2-40B4-BE49-F238E27FC236}">
-                <a16:creationId xmlns:a16="http://schemas.microsoft.com/office/drawing/2014/main" id="{59A8E646-370C-409A-BA96-1E2856A0AD60}"/>
-              </a:ext>
-            </a:extLst>
-          </p:cNvPr>
-          <p:cNvSpPr/>
+          <p:cNvPr id="3" name="文本框 2">
+            <a:extLst>
+              <a:ext uri="{FF2B5EF4-FFF2-40B4-BE49-F238E27FC236}">
+                <a16:creationId xmlns:a16="http://schemas.microsoft.com/office/drawing/2014/main" id="{4E92E0F0-22EB-4751-82F1-E36B1C9563DA}"/>
+              </a:ext>
+            </a:extLst>
+          </p:cNvPr>
+          <p:cNvSpPr txBox="1"/>
           <p:nvPr/>
         </p:nvSpPr>
         <p:spPr>
           <a:xfrm>
-            <a:off x="0" y="1093685"/>
-            <a:ext cx="12098693" cy="1200329"/>
+            <a:off x="0" y="244231"/>
+            <a:ext cx="4108817" cy="369332"/>
           </a:xfrm>
           <a:prstGeom prst="rect">
             <a:avLst/>
           </a:prstGeom>
+          <a:noFill/>
         </p:spPr>
         <p:txBody>
-          <a:bodyPr wrap="square">
+          <a:bodyPr wrap="none" rtlCol="0">
             <a:spAutoFit/>
           </a:bodyPr>
           <a:lstStyle/>
           <a:p>
-            <a:pPr algn="just">
-              <a:spcAft>
-                <a:spcPts val="0"/>
-              </a:spcAft>
-            </a:pPr>
-            <a:r>
-              <a:rPr lang="zh-CN" altLang="zh-CN" kern="100" dirty="0">
-                <a:latin typeface="等线" panose="02010600030101010101" pitchFamily="2" charset="-122"/>
-                <a:cs typeface="Times New Roman" panose="02020603050405020304" pitchFamily="18" charset="0"/>
-              </a:rPr>
-              <a:t>将数据分为</a:t>
-            </a:r>
-            <a:r>
-              <a:rPr lang="en-US" altLang="zh-CN" kern="100" dirty="0">
-                <a:latin typeface="等线" panose="02010600030101010101" pitchFamily="2" charset="-122"/>
-                <a:cs typeface="Times New Roman" panose="02020603050405020304" pitchFamily="18" charset="0"/>
-              </a:rPr>
-              <a:t>ABCD</a:t>
-            </a:r>
-            <a:r>
-              <a:rPr lang="zh-CN" altLang="zh-CN" kern="100" dirty="0">
-                <a:latin typeface="等线" panose="02010600030101010101" pitchFamily="2" charset="-122"/>
-                <a:cs typeface="Times New Roman" panose="02020603050405020304" pitchFamily="18" charset="0"/>
-              </a:rPr>
-              <a:t>四类，</a:t>
-            </a:r>
-            <a:r>
-              <a:rPr lang="en-US" altLang="zh-CN" kern="100" dirty="0">
-                <a:latin typeface="等线" panose="02010600030101010101" pitchFamily="2" charset="-122"/>
-                <a:cs typeface="Times New Roman" panose="02020603050405020304" pitchFamily="18" charset="0"/>
-              </a:rPr>
-              <a:t>ABC</a:t>
-            </a:r>
-            <a:r>
-              <a:rPr lang="zh-CN" altLang="zh-CN" kern="100" dirty="0">
-                <a:latin typeface="等线" panose="02010600030101010101" pitchFamily="2" charset="-122"/>
-                <a:cs typeface="Times New Roman" panose="02020603050405020304" pitchFamily="18" charset="0"/>
-              </a:rPr>
-              <a:t>对应不同负荷</a:t>
-            </a:r>
-            <a:r>
-              <a:rPr lang="zh-CN" altLang="en-US" kern="100" dirty="0">
-                <a:latin typeface="等线" panose="02010600030101010101" pitchFamily="2" charset="-122"/>
-                <a:cs typeface="Times New Roman" panose="02020603050405020304" pitchFamily="18" charset="0"/>
-              </a:rPr>
-              <a:t>（</a:t>
-            </a:r>
-            <a:r>
-              <a:rPr lang="en-US" altLang="zh-CN" kern="100" dirty="0">
-                <a:latin typeface="等线" panose="02010600030101010101" pitchFamily="2" charset="-122"/>
-                <a:cs typeface="Times New Roman" panose="02020603050405020304" pitchFamily="18" charset="0"/>
-              </a:rPr>
-              <a:t>0-2hp</a:t>
-            </a:r>
-            <a:r>
-              <a:rPr lang="zh-CN" altLang="en-US" kern="100" dirty="0">
-                <a:latin typeface="等线" panose="02010600030101010101" pitchFamily="2" charset="-122"/>
-                <a:cs typeface="Times New Roman" panose="02020603050405020304" pitchFamily="18" charset="0"/>
-              </a:rPr>
-              <a:t>）</a:t>
-            </a:r>
-            <a:r>
-              <a:rPr lang="zh-CN" altLang="zh-CN" kern="100" dirty="0">
-                <a:latin typeface="等线" panose="02010600030101010101" pitchFamily="2" charset="-122"/>
-                <a:cs typeface="Times New Roman" panose="02020603050405020304" pitchFamily="18" charset="0"/>
-              </a:rPr>
-              <a:t>，</a:t>
-            </a:r>
-            <a:r>
-              <a:rPr lang="en-US" altLang="zh-CN" kern="100" dirty="0">
-                <a:latin typeface="等线" panose="02010600030101010101" pitchFamily="2" charset="-122"/>
-                <a:cs typeface="Times New Roman" panose="02020603050405020304" pitchFamily="18" charset="0"/>
-              </a:rPr>
-              <a:t>D</a:t>
-            </a:r>
-            <a:r>
-              <a:rPr lang="zh-CN" altLang="zh-CN" kern="100" dirty="0">
-                <a:latin typeface="等线" panose="02010600030101010101" pitchFamily="2" charset="-122"/>
-                <a:cs typeface="Times New Roman" panose="02020603050405020304" pitchFamily="18" charset="0"/>
-              </a:rPr>
-              <a:t>为三者总和。以</a:t>
-            </a:r>
-            <a:r>
-              <a:rPr lang="en-US" altLang="zh-CN" kern="100" dirty="0">
-                <a:latin typeface="等线" panose="02010600030101010101" pitchFamily="2" charset="-122"/>
-                <a:cs typeface="Times New Roman" panose="02020603050405020304" pitchFamily="18" charset="0"/>
-              </a:rPr>
-              <a:t>2048</a:t>
-            </a:r>
-            <a:r>
-              <a:rPr lang="zh-CN" altLang="zh-CN" kern="100" dirty="0">
-                <a:latin typeface="等线" panose="02010600030101010101" pitchFamily="2" charset="-122"/>
-                <a:cs typeface="Times New Roman" panose="02020603050405020304" pitchFamily="18" charset="0"/>
-              </a:rPr>
-              <a:t>个点的窗口处理数据，每种负荷的每种故障类型可得到</a:t>
-            </a:r>
-            <a:r>
-              <a:rPr lang="en-US" altLang="zh-CN" kern="100" dirty="0">
-                <a:latin typeface="等线" panose="02010600030101010101" pitchFamily="2" charset="-122"/>
-                <a:cs typeface="Times New Roman" panose="02020603050405020304" pitchFamily="18" charset="0"/>
-              </a:rPr>
-              <a:t>50</a:t>
-            </a:r>
-            <a:r>
-              <a:rPr lang="zh-CN" altLang="zh-CN" kern="100" dirty="0">
-                <a:latin typeface="等线" panose="02010600030101010101" pitchFamily="2" charset="-122"/>
-                <a:cs typeface="Times New Roman" panose="02020603050405020304" pitchFamily="18" charset="0"/>
-              </a:rPr>
-              <a:t>个，共</a:t>
-            </a:r>
-            <a:r>
-              <a:rPr lang="en-US" altLang="zh-CN" kern="100" dirty="0">
-                <a:latin typeface="等线" panose="02010600030101010101" pitchFamily="2" charset="-122"/>
-                <a:cs typeface="Times New Roman" panose="02020603050405020304" pitchFamily="18" charset="0"/>
-              </a:rPr>
-              <a:t>10</a:t>
-            </a:r>
-            <a:r>
-              <a:rPr lang="zh-CN" altLang="zh-CN" kern="100" dirty="0">
-                <a:latin typeface="等线" panose="02010600030101010101" pitchFamily="2" charset="-122"/>
-                <a:cs typeface="Times New Roman" panose="02020603050405020304" pitchFamily="18" charset="0"/>
-              </a:rPr>
-              <a:t>种故障类型，则共有</a:t>
-            </a:r>
-            <a:r>
-              <a:rPr lang="en-US" altLang="zh-CN" kern="100" dirty="0">
-                <a:latin typeface="等线" panose="02010600030101010101" pitchFamily="2" charset="-122"/>
-                <a:cs typeface="Times New Roman" panose="02020603050405020304" pitchFamily="18" charset="0"/>
-              </a:rPr>
-              <a:t>1500</a:t>
-            </a:r>
-            <a:r>
-              <a:rPr lang="zh-CN" altLang="zh-CN" kern="100" dirty="0">
-                <a:latin typeface="等线" panose="02010600030101010101" pitchFamily="2" charset="-122"/>
-                <a:cs typeface="Times New Roman" panose="02020603050405020304" pitchFamily="18" charset="0"/>
-              </a:rPr>
-              <a:t>条数据，</a:t>
-            </a:r>
-            <a:r>
-              <a:rPr lang="zh-CN" altLang="en-US" kern="100" dirty="0">
-                <a:latin typeface="等线" panose="02010600030101010101" pitchFamily="2" charset="-122"/>
-                <a:cs typeface="Times New Roman" panose="02020603050405020304" pitchFamily="18" charset="0"/>
-              </a:rPr>
-              <a:t>此处参考了论文</a:t>
-            </a:r>
-            <a:r>
-              <a:rPr lang="en-US" altLang="zh-CN" kern="100" dirty="0">
-                <a:latin typeface="等线" panose="02010600030101010101" pitchFamily="2" charset="-122"/>
-                <a:cs typeface="Times New Roman" panose="02020603050405020304" pitchFamily="18" charset="0"/>
-              </a:rPr>
-              <a:t>《</a:t>
-            </a:r>
             <a:r>
               <a:rPr lang="zh-CN" altLang="en-US" dirty="0"/>
-              <a:t>基于</a:t>
-            </a:r>
-            <a:r>
-              <a:rPr lang="en-US" altLang="zh-CN" dirty="0"/>
-              <a:t>DBN</a:t>
-            </a:r>
-            <a:r>
-              <a:rPr lang="zh-CN" altLang="en-US" dirty="0"/>
-              <a:t>的故障特征提取及诊断方法研究</a:t>
-            </a:r>
-            <a:r>
-              <a:rPr lang="en-US" altLang="zh-CN" kern="100" dirty="0">
-                <a:latin typeface="等线" panose="02010600030101010101" pitchFamily="2" charset="-122"/>
-                <a:cs typeface="Times New Roman" panose="02020603050405020304" pitchFamily="18" charset="0"/>
-              </a:rPr>
-              <a:t>》</a:t>
-            </a:r>
-            <a:r>
-              <a:rPr lang="zh-CN" altLang="en-US" kern="100" dirty="0">
-                <a:latin typeface="等线" panose="02010600030101010101" pitchFamily="2" charset="-122"/>
-                <a:cs typeface="Times New Roman" panose="02020603050405020304" pitchFamily="18" charset="0"/>
-              </a:rPr>
-              <a:t>。</a:t>
-            </a:r>
-            <a:r>
-              <a:rPr lang="zh-CN" altLang="zh-CN" kern="100" dirty="0">
-                <a:latin typeface="等线" panose="02010600030101010101" pitchFamily="2" charset="-122"/>
-                <a:cs typeface="Times New Roman" panose="02020603050405020304" pitchFamily="18" charset="0"/>
-              </a:rPr>
-              <a:t>根据下表计算每条数据的前</a:t>
-            </a:r>
-            <a:r>
-              <a:rPr lang="en-US" altLang="zh-CN" kern="100" dirty="0">
-                <a:latin typeface="等线" panose="02010600030101010101" pitchFamily="2" charset="-122"/>
-                <a:cs typeface="Times New Roman" panose="02020603050405020304" pitchFamily="18" charset="0"/>
-              </a:rPr>
-              <a:t>17</a:t>
-            </a:r>
-            <a:r>
-              <a:rPr lang="zh-CN" altLang="zh-CN" kern="100" dirty="0">
-                <a:latin typeface="等线" panose="02010600030101010101" pitchFamily="2" charset="-122"/>
-                <a:cs typeface="Times New Roman" panose="02020603050405020304" pitchFamily="18" charset="0"/>
-              </a:rPr>
-              <a:t>种特征（</a:t>
-            </a:r>
-            <a:r>
-              <a:rPr lang="zh-CN" altLang="en-US" kern="100" dirty="0">
-                <a:latin typeface="等线" panose="02010600030101010101" pitchFamily="2" charset="-122"/>
-                <a:cs typeface="Times New Roman" panose="02020603050405020304" pitchFamily="18" charset="0"/>
-              </a:rPr>
-              <a:t>降</a:t>
-            </a:r>
-            <a:r>
-              <a:rPr lang="zh-CN" altLang="zh-CN" kern="100" dirty="0">
-                <a:latin typeface="等线" panose="02010600030101010101" pitchFamily="2" charset="-122"/>
-                <a:cs typeface="Times New Roman" panose="02020603050405020304" pitchFamily="18" charset="0"/>
-              </a:rPr>
-              <a:t>噪后，暂未加上未去噪时的特征）</a:t>
-            </a:r>
-            <a:r>
-              <a:rPr lang="zh-CN" altLang="en-US" kern="100" dirty="0">
-                <a:latin typeface="等线" panose="02010600030101010101" pitchFamily="2" charset="-122"/>
-                <a:cs typeface="Times New Roman" panose="02020603050405020304" pitchFamily="18" charset="0"/>
-              </a:rPr>
-              <a:t>，再加上一个波形熵。</a:t>
-            </a:r>
-            <a:endParaRPr lang="en-US" altLang="zh-CN" kern="100" dirty="0">
-              <a:latin typeface="等线" panose="02010600030101010101" pitchFamily="2" charset="-122"/>
-              <a:cs typeface="Times New Roman" panose="02020603050405020304" pitchFamily="18" charset="0"/>
-            </a:endParaRPr>
-          </a:p>
-          <a:p>
-            <a:pPr algn="just">
-              <a:spcAft>
-                <a:spcPts val="0"/>
-              </a:spcAft>
-            </a:pPr>
-            <a:r>
-              <a:rPr lang="zh-CN" altLang="en-US" kern="100" dirty="0">
-                <a:solidFill>
-                  <a:srgbClr val="FF0000"/>
-                </a:solidFill>
-                <a:latin typeface="等线" panose="02010600030101010101" pitchFamily="2" charset="-122"/>
-                <a:cs typeface="Times New Roman" panose="02020603050405020304" pitchFamily="18" charset="0"/>
-              </a:rPr>
-              <a:t>注意我们需要加上原始数据的特征，因为在降噪中可能滤去了有用的信号。</a:t>
-            </a:r>
-            <a:endParaRPr lang="zh-CN" altLang="zh-CN" kern="100" dirty="0">
-              <a:solidFill>
-                <a:srgbClr val="FF0000"/>
-              </a:solidFill>
-              <a:latin typeface="等线" panose="02010600030101010101" pitchFamily="2" charset="-122"/>
-              <a:cs typeface="Times New Roman" panose="02020603050405020304" pitchFamily="18" charset="0"/>
-            </a:endParaRPr>
+              <a:t>左半图为降噪数据，右半图为原始数据</a:t>
+            </a:r>
           </a:p>
         </p:txBody>
       </p:sp>
       <p:pic>
         <p:nvPicPr>
-          <p:cNvPr id="5" name="图片 4">
-            <a:extLst>
-              <a:ext uri="{FF2B5EF4-FFF2-40B4-BE49-F238E27FC236}">
-                <a16:creationId xmlns:a16="http://schemas.microsoft.com/office/drawing/2014/main" id="{E8836F7A-41EE-46C9-A333-1380955F398C}"/>
-              </a:ext>
-            </a:extLst>
-          </p:cNvPr>
-          <p:cNvPicPr/>
+          <p:cNvPr id="6" name="图片 5">
+            <a:extLst>
+              <a:ext uri="{FF2B5EF4-FFF2-40B4-BE49-F238E27FC236}">
+                <a16:creationId xmlns:a16="http://schemas.microsoft.com/office/drawing/2014/main" id="{6EE7EDFA-BA15-426F-A0D8-29CF38A28ACD}"/>
+              </a:ext>
+            </a:extLst>
+          </p:cNvPr>
+          <p:cNvPicPr>
+            <a:picLocks noChangeAspect="1"/>
+          </p:cNvPicPr>
           <p:nvPr/>
         </p:nvPicPr>
         <p:blipFill>
-          <a:blip r:embed="rId2"/>
+          <a:blip r:embed="rId3"/>
           <a:stretch>
             <a:fillRect/>
           </a:stretch>
         </p:blipFill>
         <p:spPr>
           <a:xfrm>
-            <a:off x="572324" y="2294014"/>
-            <a:ext cx="10781476" cy="4592537"/>
+            <a:off x="0" y="627951"/>
+            <a:ext cx="12192000" cy="6067109"/>
           </a:xfrm>
           <a:prstGeom prst="rect">
             <a:avLst/>
@@ -5954,60 +8695,112 @@
       </p:pic>
       <p:sp>
         <p:nvSpPr>
-          <p:cNvPr id="6" name="标题 3">
-            <a:extLst>
-              <a:ext uri="{FF2B5EF4-FFF2-40B4-BE49-F238E27FC236}">
-                <a16:creationId xmlns:a16="http://schemas.microsoft.com/office/drawing/2014/main" id="{721B242D-120C-4E61-A3A1-37548B3CD1AB}"/>
-              </a:ext>
-            </a:extLst>
-          </p:cNvPr>
-          <p:cNvSpPr txBox="1">
-            <a:spLocks/>
-          </p:cNvSpPr>
+          <p:cNvPr id="4" name="矩形 3">
+            <a:extLst>
+              <a:ext uri="{FF2B5EF4-FFF2-40B4-BE49-F238E27FC236}">
+                <a16:creationId xmlns:a16="http://schemas.microsoft.com/office/drawing/2014/main" id="{786F7823-506D-4CC8-8575-BD6F15C02455}"/>
+              </a:ext>
+            </a:extLst>
+          </p:cNvPr>
+          <p:cNvSpPr/>
           <p:nvPr/>
         </p:nvSpPr>
         <p:spPr>
           <a:xfrm>
-            <a:off x="0" y="0"/>
-            <a:ext cx="10515600" cy="1325563"/>
+            <a:off x="0" y="2243674"/>
+            <a:ext cx="12192000" cy="503160"/>
           </a:xfrm>
           <a:prstGeom prst="rect">
             <a:avLst/>
           </a:prstGeom>
+          <a:noFill/>
+          <a:ln w="38100">
+            <a:solidFill>
+              <a:srgbClr val="FF0000"/>
+            </a:solidFill>
+          </a:ln>
         </p:spPr>
-        <p:txBody>
-          <a:bodyPr/>
-          <a:lstStyle>
-            <a:lvl1pPr algn="l" defTabSz="914400" rtl="0" eaLnBrk="1" latinLnBrk="0" hangingPunct="1">
-              <a:lnSpc>
-                <a:spcPct val="90000"/>
-              </a:lnSpc>
-              <a:spcBef>
-                <a:spcPct val="0"/>
-              </a:spcBef>
-              <a:buNone/>
-              <a:defRPr sz="4400" kern="1200">
-                <a:solidFill>
-                  <a:schemeClr val="tx1"/>
-                </a:solidFill>
-                <a:latin typeface="+mj-lt"/>
-                <a:ea typeface="+mj-ea"/>
-                <a:cs typeface="+mj-cs"/>
-              </a:defRPr>
-            </a:lvl1pPr>
-          </a:lstStyle>
-          <a:p>
-            <a:r>
-              <a:rPr lang="zh-CN" altLang="en-US" b="1" dirty="0"/>
-              <a:t>特征提取</a:t>
-            </a:r>
+        <p:style>
+          <a:lnRef idx="2">
+            <a:schemeClr val="accent1">
+              <a:shade val="50000"/>
+            </a:schemeClr>
+          </a:lnRef>
+          <a:fillRef idx="1">
+            <a:schemeClr val="accent1"/>
+          </a:fillRef>
+          <a:effectRef idx="0">
+            <a:schemeClr val="accent1"/>
+          </a:effectRef>
+          <a:fontRef idx="minor">
+            <a:schemeClr val="lt1"/>
+          </a:fontRef>
+        </p:style>
+        <p:txBody>
+          <a:bodyPr rtlCol="0" anchor="ctr"/>
+          <a:lstStyle/>
+          <a:p>
+            <a:pPr algn="ctr"/>
+            <a:endParaRPr lang="zh-CN" altLang="en-US"/>
+          </a:p>
+        </p:txBody>
+      </p:sp>
+      <p:sp>
+        <p:nvSpPr>
+          <p:cNvPr id="5" name="矩形 4">
+            <a:extLst>
+              <a:ext uri="{FF2B5EF4-FFF2-40B4-BE49-F238E27FC236}">
+                <a16:creationId xmlns:a16="http://schemas.microsoft.com/office/drawing/2014/main" id="{52851512-059C-4431-A704-03F0BCCA189A}"/>
+              </a:ext>
+            </a:extLst>
+          </p:cNvPr>
+          <p:cNvSpPr/>
+          <p:nvPr/>
+        </p:nvSpPr>
+        <p:spPr>
+          <a:xfrm>
+            <a:off x="0" y="3236632"/>
+            <a:ext cx="12192000" cy="503161"/>
+          </a:xfrm>
+          <a:prstGeom prst="rect">
+            <a:avLst/>
+          </a:prstGeom>
+          <a:noFill/>
+          <a:ln w="38100">
+            <a:solidFill>
+              <a:srgbClr val="FF0000"/>
+            </a:solidFill>
+          </a:ln>
+        </p:spPr>
+        <p:style>
+          <a:lnRef idx="2">
+            <a:schemeClr val="accent1">
+              <a:shade val="50000"/>
+            </a:schemeClr>
+          </a:lnRef>
+          <a:fillRef idx="1">
+            <a:schemeClr val="accent1"/>
+          </a:fillRef>
+          <a:effectRef idx="0">
+            <a:schemeClr val="accent1"/>
+          </a:effectRef>
+          <a:fontRef idx="minor">
+            <a:schemeClr val="lt1"/>
+          </a:fontRef>
+        </p:style>
+        <p:txBody>
+          <a:bodyPr rtlCol="0" anchor="ctr"/>
+          <a:lstStyle/>
+          <a:p>
+            <a:pPr algn="ctr"/>
+            <a:endParaRPr lang="zh-CN" altLang="en-US"/>
           </a:p>
         </p:txBody>
       </p:sp>
     </p:spTree>
     <p:extLst>
       <p:ext uri="{BB962C8B-B14F-4D97-AF65-F5344CB8AC3E}">
-        <p14:creationId xmlns:p14="http://schemas.microsoft.com/office/powerpoint/2010/main" val="1391565131"/>
+        <p14:creationId xmlns:p14="http://schemas.microsoft.com/office/powerpoint/2010/main" val="703016171"/>
       </p:ext>
     </p:extLst>
   </p:cSld>
@@ -6036,177 +8829,110 @@
       </p:grpSpPr>
       <p:pic>
         <p:nvPicPr>
-          <p:cNvPr id="2" name="图片 1">
-            <a:extLst>
-              <a:ext uri="{FF2B5EF4-FFF2-40B4-BE49-F238E27FC236}">
-                <a16:creationId xmlns:a16="http://schemas.microsoft.com/office/drawing/2014/main" id="{975A41D3-DEB8-4A5B-95FB-8C67E0E1CEC3}"/>
+          <p:cNvPr id="1026" name="Picture 2" descr="https://img-blog.csdn.net/20161213124220124?watermark/2/text/aHR0cDovL2Jsb2cuY3Nkbi5uZXQvYTgxOTgyNTI5NA==/font/5a6L5L2T/fontsize/400/fill/I0JBQkFCMA==/dissolve/70/gravity/SouthEast">
+            <a:extLst>
+              <a:ext uri="{FF2B5EF4-FFF2-40B4-BE49-F238E27FC236}">
+                <a16:creationId xmlns:a16="http://schemas.microsoft.com/office/drawing/2014/main" id="{082ED7CC-486B-4A61-9F0A-A020226F59EE}"/>
               </a:ext>
             </a:extLst>
           </p:cNvPr>
           <p:cNvPicPr>
-            <a:picLocks noChangeAspect="1"/>
+            <a:picLocks noChangeAspect="1" noChangeArrowheads="1"/>
           </p:cNvPicPr>
           <p:nvPr/>
         </p:nvPicPr>
-        <p:blipFill>
-          <a:blip r:embed="rId2"/>
-          <a:stretch>
-            <a:fillRect/>
-          </a:stretch>
+        <p:blipFill rotWithShape="1">
+          <a:blip r:embed="rId3">
+            <a:extLst>
+              <a:ext uri="{28A0092B-C50C-407E-A947-70E740481C1C}">
+                <a14:useLocalDpi xmlns:a14="http://schemas.microsoft.com/office/drawing/2010/main" val="0"/>
+              </a:ext>
+            </a:extLst>
+          </a:blip>
+          <a:srcRect l="9533" t="2085" r="6229" b="3052"/>
+          <a:stretch/>
         </p:blipFill>
+        <p:spPr bwMode="auto">
+          <a:xfrm>
+            <a:off x="3583708" y="914400"/>
+            <a:ext cx="4710547" cy="4978400"/>
+          </a:xfrm>
+          <a:prstGeom prst="rect">
+            <a:avLst/>
+          </a:prstGeom>
+          <a:noFill/>
+          <a:extLst>
+            <a:ext uri="{909E8E84-426E-40DD-AFC4-6F175D3DCCD1}">
+              <a14:hiddenFill xmlns:a14="http://schemas.microsoft.com/office/drawing/2010/main">
+                <a:solidFill>
+                  <a:srgbClr val="FFFFFF"/>
+                </a:solidFill>
+              </a14:hiddenFill>
+            </a:ext>
+          </a:extLst>
+        </p:spPr>
+      </p:pic>
+      <p:sp>
+        <p:nvSpPr>
+          <p:cNvPr id="3" name="标题 3">
+            <a:extLst>
+              <a:ext uri="{FF2B5EF4-FFF2-40B4-BE49-F238E27FC236}">
+                <a16:creationId xmlns:a16="http://schemas.microsoft.com/office/drawing/2014/main" id="{AC8DD036-330F-492C-B2DA-09BF7055BF2F}"/>
+              </a:ext>
+            </a:extLst>
+          </p:cNvPr>
+          <p:cNvSpPr txBox="1">
+            <a:spLocks/>
+          </p:cNvSpPr>
+          <p:nvPr/>
+        </p:nvSpPr>
         <p:spPr>
           <a:xfrm>
-            <a:off x="9236" y="742824"/>
-            <a:ext cx="12192000" cy="6126721"/>
+            <a:off x="0" y="0"/>
+            <a:ext cx="10515600" cy="613124"/>
           </a:xfrm>
           <a:prstGeom prst="rect">
             <a:avLst/>
           </a:prstGeom>
         </p:spPr>
-      </p:pic>
-      <p:sp>
-        <p:nvSpPr>
-          <p:cNvPr id="3" name="文本框 2">
-            <a:extLst>
-              <a:ext uri="{FF2B5EF4-FFF2-40B4-BE49-F238E27FC236}">
-                <a16:creationId xmlns:a16="http://schemas.microsoft.com/office/drawing/2014/main" id="{4E92E0F0-22EB-4751-82F1-E36B1C9563DA}"/>
-              </a:ext>
-            </a:extLst>
-          </p:cNvPr>
-          <p:cNvSpPr txBox="1"/>
-          <p:nvPr/>
-        </p:nvSpPr>
-        <p:spPr>
-          <a:xfrm>
-            <a:off x="83127" y="258619"/>
-            <a:ext cx="4108817" cy="369332"/>
-          </a:xfrm>
-          <a:prstGeom prst="rect">
-            <a:avLst/>
-          </a:prstGeom>
-          <a:noFill/>
-        </p:spPr>
-        <p:txBody>
-          <a:bodyPr wrap="none" rtlCol="0">
-            <a:spAutoFit/>
-          </a:bodyPr>
-          <a:lstStyle/>
-          <a:p>
-            <a:r>
-              <a:rPr lang="zh-CN" altLang="en-US" dirty="0"/>
-              <a:t>左半图为降噪数据，右半图为原始数据</a:t>
-            </a:r>
-          </a:p>
-        </p:txBody>
-      </p:sp>
-      <p:sp>
-        <p:nvSpPr>
-          <p:cNvPr id="4" name="矩形 3">
-            <a:extLst>
-              <a:ext uri="{FF2B5EF4-FFF2-40B4-BE49-F238E27FC236}">
-                <a16:creationId xmlns:a16="http://schemas.microsoft.com/office/drawing/2014/main" id="{786F7823-506D-4CC8-8575-BD6F15C02455}"/>
-              </a:ext>
-            </a:extLst>
-          </p:cNvPr>
-          <p:cNvSpPr/>
-          <p:nvPr/>
-        </p:nvSpPr>
-        <p:spPr>
-          <a:xfrm>
-            <a:off x="0" y="1828801"/>
-            <a:ext cx="12192000" cy="424873"/>
-          </a:xfrm>
-          <a:prstGeom prst="rect">
-            <a:avLst/>
-          </a:prstGeom>
-          <a:noFill/>
-          <a:ln w="38100">
-            <a:solidFill>
-              <a:srgbClr val="FF0000"/>
-            </a:solidFill>
-          </a:ln>
-        </p:spPr>
-        <p:style>
-          <a:lnRef idx="2">
-            <a:schemeClr val="accent1">
-              <a:shade val="50000"/>
-            </a:schemeClr>
-          </a:lnRef>
-          <a:fillRef idx="1">
-            <a:schemeClr val="accent1"/>
-          </a:fillRef>
-          <a:effectRef idx="0">
-            <a:schemeClr val="accent1"/>
-          </a:effectRef>
-          <a:fontRef idx="minor">
-            <a:schemeClr val="lt1"/>
-          </a:fontRef>
-        </p:style>
-        <p:txBody>
-          <a:bodyPr rtlCol="0" anchor="ctr"/>
-          <a:lstStyle/>
-          <a:p>
-            <a:pPr algn="ctr"/>
-            <a:endParaRPr lang="zh-CN" altLang="en-US"/>
-          </a:p>
-        </p:txBody>
-      </p:sp>
-      <p:sp>
-        <p:nvSpPr>
-          <p:cNvPr id="5" name="矩形 4">
-            <a:extLst>
-              <a:ext uri="{FF2B5EF4-FFF2-40B4-BE49-F238E27FC236}">
-                <a16:creationId xmlns:a16="http://schemas.microsoft.com/office/drawing/2014/main" id="{52851512-059C-4431-A704-03F0BCCA189A}"/>
-              </a:ext>
-            </a:extLst>
-          </p:cNvPr>
-          <p:cNvSpPr/>
-          <p:nvPr/>
-        </p:nvSpPr>
-        <p:spPr>
-          <a:xfrm>
-            <a:off x="0" y="5417128"/>
-            <a:ext cx="12192000" cy="424873"/>
-          </a:xfrm>
-          <a:prstGeom prst="rect">
-            <a:avLst/>
-          </a:prstGeom>
-          <a:noFill/>
-          <a:ln w="38100">
-            <a:solidFill>
-              <a:srgbClr val="FF0000"/>
-            </a:solidFill>
-          </a:ln>
-        </p:spPr>
-        <p:style>
-          <a:lnRef idx="2">
-            <a:schemeClr val="accent1">
-              <a:shade val="50000"/>
-            </a:schemeClr>
-          </a:lnRef>
-          <a:fillRef idx="1">
-            <a:schemeClr val="accent1"/>
-          </a:fillRef>
-          <a:effectRef idx="0">
-            <a:schemeClr val="accent1"/>
-          </a:effectRef>
-          <a:fontRef idx="minor">
-            <a:schemeClr val="lt1"/>
-          </a:fontRef>
-        </p:style>
-        <p:txBody>
-          <a:bodyPr rtlCol="0" anchor="ctr"/>
-          <a:lstStyle/>
-          <a:p>
-            <a:pPr algn="ctr"/>
-            <a:endParaRPr lang="zh-CN" altLang="en-US"/>
+        <p:txBody>
+          <a:bodyPr/>
+          <a:lstStyle>
+            <a:lvl1pPr algn="l" defTabSz="914400" rtl="0" eaLnBrk="1" latinLnBrk="0" hangingPunct="1">
+              <a:lnSpc>
+                <a:spcPct val="90000"/>
+              </a:lnSpc>
+              <a:spcBef>
+                <a:spcPct val="0"/>
+              </a:spcBef>
+              <a:buNone/>
+              <a:defRPr sz="4400" kern="1200">
+                <a:solidFill>
+                  <a:schemeClr val="tx1"/>
+                </a:solidFill>
+                <a:latin typeface="+mj-lt"/>
+                <a:ea typeface="+mj-ea"/>
+                <a:cs typeface="+mj-cs"/>
+              </a:defRPr>
+            </a:lvl1pPr>
+          </a:lstStyle>
+          <a:p>
+            <a:r>
+              <a:rPr lang="en-US" altLang="zh-CN" b="1" dirty="0"/>
+              <a:t>DBN</a:t>
+            </a:r>
+            <a:r>
+              <a:rPr lang="zh-CN" altLang="en-US" b="1" dirty="0"/>
+              <a:t>结构</a:t>
+            </a:r>
+            <a:endParaRPr lang="en-US" altLang="zh-CN" b="1" dirty="0"/>
           </a:p>
         </p:txBody>
       </p:sp>
     </p:spTree>
     <p:extLst>
       <p:ext uri="{BB962C8B-B14F-4D97-AF65-F5344CB8AC3E}">
-        <p14:creationId xmlns:p14="http://schemas.microsoft.com/office/powerpoint/2010/main" val="703016171"/>
+        <p14:creationId xmlns:p14="http://schemas.microsoft.com/office/powerpoint/2010/main" val="1130164573"/>
       </p:ext>
     </p:extLst>
   </p:cSld>
@@ -6235,55 +8961,40 @@
       </p:grpSpPr>
       <p:pic>
         <p:nvPicPr>
-          <p:cNvPr id="1026" name="Picture 2" descr="https://img-blog.csdn.net/20161213124220124?watermark/2/text/aHR0cDovL2Jsb2cuY3Nkbi5uZXQvYTgxOTgyNTI5NA==/font/5a6L5L2T/fontsize/400/fill/I0JBQkFCMA==/dissolve/70/gravity/SouthEast">
-            <a:extLst>
-              <a:ext uri="{FF2B5EF4-FFF2-40B4-BE49-F238E27FC236}">
-                <a16:creationId xmlns:a16="http://schemas.microsoft.com/office/drawing/2014/main" id="{082ED7CC-486B-4A61-9F0A-A020226F59EE}"/>
+          <p:cNvPr id="4" name="图片 3">
+            <a:extLst>
+              <a:ext uri="{FF2B5EF4-FFF2-40B4-BE49-F238E27FC236}">
+                <a16:creationId xmlns:a16="http://schemas.microsoft.com/office/drawing/2014/main" id="{4D689B13-5CB2-4A18-ACE9-C74069793620}"/>
               </a:ext>
             </a:extLst>
           </p:cNvPr>
           <p:cNvPicPr>
-            <a:picLocks noChangeAspect="1" noChangeArrowheads="1"/>
+            <a:picLocks noChangeAspect="1"/>
           </p:cNvPicPr>
           <p:nvPr/>
         </p:nvPicPr>
-        <p:blipFill rotWithShape="1">
-          <a:blip r:embed="rId2">
-            <a:extLst>
-              <a:ext uri="{28A0092B-C50C-407E-A947-70E740481C1C}">
-                <a14:useLocalDpi xmlns:a14="http://schemas.microsoft.com/office/drawing/2010/main" val="0"/>
-              </a:ext>
-            </a:extLst>
-          </a:blip>
-          <a:srcRect l="9533" t="2085" r="6229" b="3052"/>
-          <a:stretch/>
+        <p:blipFill>
+          <a:blip r:embed="rId3"/>
+          <a:stretch>
+            <a:fillRect/>
+          </a:stretch>
         </p:blipFill>
-        <p:spPr bwMode="auto">
+        <p:spPr>
           <a:xfrm>
-            <a:off x="3583708" y="914400"/>
-            <a:ext cx="4710547" cy="4978400"/>
+            <a:off x="0" y="87456"/>
+            <a:ext cx="12192000" cy="6683088"/>
           </a:xfrm>
           <a:prstGeom prst="rect">
             <a:avLst/>
           </a:prstGeom>
-          <a:noFill/>
-          <a:extLst>
-            <a:ext uri="{909E8E84-426E-40DD-AFC4-6F175D3DCCD1}">
-              <a14:hiddenFill xmlns:a14="http://schemas.microsoft.com/office/drawing/2010/main">
-                <a:solidFill>
-                  <a:srgbClr val="FFFFFF"/>
-                </a:solidFill>
-              </a14:hiddenFill>
-            </a:ext>
-          </a:extLst>
         </p:spPr>
       </p:pic>
       <p:sp>
         <p:nvSpPr>
-          <p:cNvPr id="3" name="标题 3">
-            <a:extLst>
-              <a:ext uri="{FF2B5EF4-FFF2-40B4-BE49-F238E27FC236}">
-                <a16:creationId xmlns:a16="http://schemas.microsoft.com/office/drawing/2014/main" id="{AC8DD036-330F-492C-B2DA-09BF7055BF2F}"/>
+          <p:cNvPr id="2" name="标题 3">
+            <a:extLst>
+              <a:ext uri="{FF2B5EF4-FFF2-40B4-BE49-F238E27FC236}">
+                <a16:creationId xmlns:a16="http://schemas.microsoft.com/office/drawing/2014/main" id="{EAC34EAE-F88A-4E69-A18B-1BE61B8A7E4F}"/>
               </a:ext>
             </a:extLst>
           </p:cNvPr>
@@ -6295,7 +9006,7 @@
         <p:spPr>
           <a:xfrm>
             <a:off x="0" y="0"/>
-            <a:ext cx="10515600" cy="613124"/>
+            <a:ext cx="10515600" cy="2894506"/>
           </a:xfrm>
           <a:prstGeom prst="rect">
             <a:avLst/>
@@ -6324,12 +9035,16 @@
           </a:lstStyle>
           <a:p>
             <a:r>
+              <a:rPr lang="zh-CN" altLang="en-US" b="1" dirty="0"/>
+              <a:t>为什么要用</a:t>
+            </a:r>
+            <a:r>
               <a:rPr lang="en-US" altLang="zh-CN" b="1" dirty="0"/>
               <a:t>DBN</a:t>
             </a:r>
             <a:r>
               <a:rPr lang="zh-CN" altLang="en-US" b="1" dirty="0"/>
-              <a:t>结构</a:t>
+              <a:t>？</a:t>
             </a:r>
             <a:endParaRPr lang="en-US" altLang="zh-CN" b="1" dirty="0"/>
           </a:p>
@@ -6338,7 +9053,7 @@
     </p:spTree>
     <p:extLst>
       <p:ext uri="{BB962C8B-B14F-4D97-AF65-F5344CB8AC3E}">
-        <p14:creationId xmlns:p14="http://schemas.microsoft.com/office/powerpoint/2010/main" val="1130164573"/>
+        <p14:creationId xmlns:p14="http://schemas.microsoft.com/office/powerpoint/2010/main" val="2874069049"/>
       </p:ext>
     </p:extLst>
   </p:cSld>
@@ -6365,362 +9080,122 @@
           <a:chExt cx="0" cy="0"/>
         </a:xfrm>
       </p:grpSpPr>
-      <p:sp>
-        <p:nvSpPr>
-          <p:cNvPr id="2" name="标题 3">
-            <a:extLst>
-              <a:ext uri="{FF2B5EF4-FFF2-40B4-BE49-F238E27FC236}">
-                <a16:creationId xmlns:a16="http://schemas.microsoft.com/office/drawing/2014/main" id="{EAC34EAE-F88A-4E69-A18B-1BE61B8A7E4F}"/>
-              </a:ext>
-            </a:extLst>
-          </p:cNvPr>
-          <p:cNvSpPr txBox="1">
-            <a:spLocks/>
-          </p:cNvSpPr>
+      <p:pic>
+        <p:nvPicPr>
+          <p:cNvPr id="3" name="图片 2">
+            <a:extLst>
+              <a:ext uri="{FF2B5EF4-FFF2-40B4-BE49-F238E27FC236}">
+                <a16:creationId xmlns:a16="http://schemas.microsoft.com/office/drawing/2014/main" id="{75B897E3-7BC8-4EA2-A00B-AB5075C2F12D}"/>
+              </a:ext>
+            </a:extLst>
+          </p:cNvPr>
+          <p:cNvPicPr>
+            <a:picLocks noChangeAspect="1"/>
+          </p:cNvPicPr>
           <p:nvPr/>
-        </p:nvSpPr>
+        </p:nvPicPr>
+        <p:blipFill>
+          <a:blip r:embed="rId3"/>
+          <a:stretch>
+            <a:fillRect/>
+          </a:stretch>
+        </p:blipFill>
         <p:spPr>
           <a:xfrm>
-            <a:off x="0" y="0"/>
-            <a:ext cx="10515600" cy="2894506"/>
+            <a:off x="0" y="231828"/>
+            <a:ext cx="12192000" cy="6394343"/>
           </a:xfrm>
           <a:prstGeom prst="rect">
             <a:avLst/>
           </a:prstGeom>
         </p:spPr>
-        <p:txBody>
-          <a:bodyPr/>
-          <a:lstStyle>
-            <a:lvl1pPr algn="l" defTabSz="914400" rtl="0" eaLnBrk="1" latinLnBrk="0" hangingPunct="1">
-              <a:lnSpc>
-                <a:spcPct val="90000"/>
-              </a:lnSpc>
-              <a:spcBef>
-                <a:spcPct val="0"/>
-              </a:spcBef>
-              <a:buNone/>
-              <a:defRPr sz="4400" kern="1200">
-                <a:solidFill>
-                  <a:schemeClr val="tx1"/>
-                </a:solidFill>
-                <a:latin typeface="+mj-lt"/>
-                <a:ea typeface="+mj-ea"/>
-                <a:cs typeface="+mj-cs"/>
-              </a:defRPr>
-            </a:lvl1pPr>
-          </a:lstStyle>
-          <a:p>
-            <a:r>
-              <a:rPr lang="zh-CN" altLang="en-US" b="1" dirty="0"/>
-              <a:t>为什么要用</a:t>
-            </a:r>
-            <a:r>
-              <a:rPr lang="en-US" altLang="zh-CN" b="1" dirty="0"/>
-              <a:t>DBN</a:t>
-            </a:r>
-            <a:r>
-              <a:rPr lang="zh-CN" altLang="en-US" b="1" dirty="0"/>
-              <a:t>？</a:t>
-            </a:r>
-            <a:endParaRPr lang="en-US" altLang="zh-CN" b="1" dirty="0"/>
-          </a:p>
-          <a:p>
-            <a:endParaRPr lang="en-US" altLang="zh-CN" b="1" dirty="0"/>
-          </a:p>
-          <a:p>
-            <a:r>
-              <a:rPr lang="zh-CN" altLang="en-US" sz="2800" dirty="0"/>
-              <a:t>传统</a:t>
-            </a:r>
-            <a:r>
-              <a:rPr lang="en-US" altLang="zh-CN" sz="2800" dirty="0"/>
-              <a:t>BP</a:t>
-            </a:r>
-            <a:r>
-              <a:rPr lang="zh-CN" altLang="en-US" sz="2800" dirty="0"/>
-              <a:t>算法的缺陷：</a:t>
-            </a:r>
-            <a:endParaRPr lang="en-US" altLang="zh-CN" sz="2800" dirty="0"/>
-          </a:p>
-          <a:p>
-            <a:r>
-              <a:rPr lang="zh-CN" altLang="en-US" sz="2800" dirty="0"/>
-              <a:t>（</a:t>
-            </a:r>
-            <a:r>
-              <a:rPr lang="en-US" altLang="zh-CN" sz="2800" dirty="0"/>
-              <a:t>1</a:t>
-            </a:r>
-            <a:r>
-              <a:rPr lang="zh-CN" altLang="en-US" sz="2800" dirty="0"/>
-              <a:t>）需要为训练提供一个有</a:t>
-            </a:r>
-            <a:r>
-              <a:rPr lang="zh-CN" altLang="en-US" sz="2800" dirty="0">
-                <a:solidFill>
-                  <a:srgbClr val="FF0000"/>
-                </a:solidFill>
-              </a:rPr>
-              <a:t>标签</a:t>
-            </a:r>
-            <a:r>
-              <a:rPr lang="zh-CN" altLang="en-US" sz="2800" dirty="0"/>
-              <a:t>的样本集；</a:t>
-            </a:r>
-          </a:p>
-          <a:p>
-            <a:r>
-              <a:rPr lang="zh-CN" altLang="en-US" sz="2800" dirty="0"/>
-              <a:t>（</a:t>
-            </a:r>
-            <a:r>
-              <a:rPr lang="en-US" altLang="zh-CN" sz="2800" dirty="0"/>
-              <a:t>2</a:t>
-            </a:r>
-            <a:r>
-              <a:rPr lang="zh-CN" altLang="en-US" sz="2800" dirty="0"/>
-              <a:t>）学习过程</a:t>
-            </a:r>
-            <a:r>
-              <a:rPr lang="zh-CN" altLang="en-US" sz="2800" dirty="0">
-                <a:solidFill>
-                  <a:srgbClr val="FF0000"/>
-                </a:solidFill>
-              </a:rPr>
-              <a:t>较慢</a:t>
-            </a:r>
-            <a:r>
-              <a:rPr lang="zh-CN" altLang="en-US" sz="2800" dirty="0"/>
-              <a:t>；</a:t>
-            </a:r>
-          </a:p>
-          <a:p>
-            <a:r>
-              <a:rPr lang="zh-CN" altLang="en-US" sz="2800" dirty="0"/>
-              <a:t>（</a:t>
-            </a:r>
-            <a:r>
-              <a:rPr lang="en-US" altLang="zh-CN" sz="2800" dirty="0"/>
-              <a:t>3</a:t>
-            </a:r>
-            <a:r>
-              <a:rPr lang="zh-CN" altLang="en-US" sz="2800" dirty="0"/>
-              <a:t>）不适当的参数选择会导致学习收敛于</a:t>
-            </a:r>
-            <a:r>
-              <a:rPr lang="zh-CN" altLang="en-US" sz="2800" dirty="0">
-                <a:solidFill>
-                  <a:srgbClr val="FF0000"/>
-                </a:solidFill>
-              </a:rPr>
-              <a:t>局部最优解</a:t>
-            </a:r>
-            <a:r>
-              <a:rPr lang="zh-CN" altLang="en-US" sz="2800" dirty="0"/>
-              <a:t>。</a:t>
-            </a:r>
-          </a:p>
-        </p:txBody>
-      </p:sp>
-      <p:sp>
-        <p:nvSpPr>
-          <p:cNvPr id="7" name="矩形 6">
-            <a:extLst>
-              <a:ext uri="{FF2B5EF4-FFF2-40B4-BE49-F238E27FC236}">
-                <a16:creationId xmlns:a16="http://schemas.microsoft.com/office/drawing/2014/main" id="{50CD21B8-0950-4E11-9A19-5934F27697DC}"/>
-              </a:ext>
-            </a:extLst>
-          </p:cNvPr>
-          <p:cNvSpPr/>
+      </p:pic>
+      <p:pic>
+        <p:nvPicPr>
+          <p:cNvPr id="4" name="图片 3">
+            <a:extLst>
+              <a:ext uri="{FF2B5EF4-FFF2-40B4-BE49-F238E27FC236}">
+                <a16:creationId xmlns:a16="http://schemas.microsoft.com/office/drawing/2014/main" id="{A2BB1D30-EB8F-4016-A355-469AF75784EB}"/>
+              </a:ext>
+            </a:extLst>
+          </p:cNvPr>
+          <p:cNvPicPr>
+            <a:picLocks noChangeAspect="1"/>
+          </p:cNvPicPr>
           <p:nvPr/>
-        </p:nvSpPr>
+        </p:nvPicPr>
+        <p:blipFill>
+          <a:blip r:embed="rId4"/>
+          <a:stretch>
+            <a:fillRect/>
+          </a:stretch>
+        </p:blipFill>
         <p:spPr>
           <a:xfrm>
-            <a:off x="0" y="3318570"/>
-            <a:ext cx="12192000" cy="3539430"/>
+            <a:off x="5891741" y="1710266"/>
+            <a:ext cx="5810250" cy="2286000"/>
           </a:xfrm>
           <a:prstGeom prst="rect">
             <a:avLst/>
           </a:prstGeom>
+        </p:spPr>
+      </p:pic>
+      <p:sp>
+        <p:nvSpPr>
+          <p:cNvPr id="6" name="箭头: 下 5">
+            <a:extLst>
+              <a:ext uri="{FF2B5EF4-FFF2-40B4-BE49-F238E27FC236}">
+                <a16:creationId xmlns:a16="http://schemas.microsoft.com/office/drawing/2014/main" id="{DCFC6F8E-CCDE-4502-867E-A3E9E4416075}"/>
+              </a:ext>
+            </a:extLst>
+          </p:cNvPr>
+          <p:cNvSpPr/>
+          <p:nvPr/>
+        </p:nvSpPr>
+        <p:spPr>
+          <a:xfrm>
+            <a:off x="10451939" y="1041722"/>
+            <a:ext cx="763929" cy="1145893"/>
+          </a:xfrm>
+          <a:prstGeom prst="downArrow">
+            <a:avLst/>
+          </a:prstGeom>
+          <a:noFill/>
           <a:ln>
-            <a:noFill/>
+            <a:solidFill>
+              <a:schemeClr val="tx1"/>
+            </a:solidFill>
           </a:ln>
         </p:spPr>
-        <p:txBody>
-          <a:bodyPr wrap="square">
-            <a:spAutoFit/>
-          </a:bodyPr>
-          <a:lstStyle/>
-          <a:p>
-            <a:r>
-              <a:rPr lang="zh-CN" altLang="en-US" sz="2800" dirty="0"/>
-              <a:t>（</a:t>
-            </a:r>
-            <a:r>
-              <a:rPr lang="en-US" altLang="zh-CN" sz="2800" dirty="0"/>
-              <a:t>1</a:t>
-            </a:r>
-            <a:r>
-              <a:rPr lang="zh-CN" altLang="en-US" sz="2800" dirty="0"/>
-              <a:t>）通过一个</a:t>
-            </a:r>
-            <a:r>
-              <a:rPr lang="zh-CN" altLang="en-US" sz="2800" dirty="0">
-                <a:solidFill>
-                  <a:srgbClr val="FF0000"/>
-                </a:solidFill>
-              </a:rPr>
-              <a:t>非监督</a:t>
-            </a:r>
-            <a:r>
-              <a:rPr lang="zh-CN" altLang="en-US" sz="2800" dirty="0"/>
-              <a:t>贪婪逐层方法去预训练获得生成模型的权值。</a:t>
-            </a:r>
-            <a:endParaRPr lang="en-US" altLang="zh-CN" sz="2800" dirty="0"/>
-          </a:p>
-          <a:p>
-            <a:r>
-              <a:rPr lang="zh-CN" altLang="en-US" sz="2800" dirty="0"/>
-              <a:t>（</a:t>
-            </a:r>
-            <a:r>
-              <a:rPr lang="en-US" altLang="zh-CN" sz="2800" dirty="0"/>
-              <a:t>2</a:t>
-            </a:r>
-            <a:r>
-              <a:rPr lang="zh-CN" altLang="en-US" sz="2800" dirty="0"/>
-              <a:t>）</a:t>
-            </a:r>
-            <a:r>
-              <a:rPr lang="en-US" altLang="zh-CN" sz="2800" dirty="0"/>
-              <a:t>Gibbs</a:t>
-            </a:r>
-            <a:r>
-              <a:rPr lang="zh-CN" altLang="en-US" sz="2800" dirty="0"/>
-              <a:t>采样使训练时间显著减少，因为只需要</a:t>
-            </a:r>
-            <a:r>
-              <a:rPr lang="zh-CN" altLang="en-US" sz="2800" dirty="0">
-                <a:solidFill>
-                  <a:srgbClr val="FF0000"/>
-                </a:solidFill>
-              </a:rPr>
-              <a:t>单个步骤</a:t>
-            </a:r>
-            <a:r>
-              <a:rPr lang="zh-CN" altLang="en-US" sz="2800" dirty="0"/>
-              <a:t>就可以接近最大似然学习。在预训练后，</a:t>
-            </a:r>
-            <a:r>
-              <a:rPr lang="en-US" altLang="zh-CN" sz="2800" dirty="0"/>
-              <a:t>DBN</a:t>
-            </a:r>
-            <a:r>
-              <a:rPr lang="zh-CN" altLang="en-US" sz="2800" dirty="0"/>
-              <a:t>可以通过利用带标签数据用</a:t>
-            </a:r>
-            <a:r>
-              <a:rPr lang="en-US" altLang="zh-CN" sz="2800" dirty="0"/>
-              <a:t>BP</a:t>
-            </a:r>
-            <a:r>
-              <a:rPr lang="zh-CN" altLang="en-US" sz="2800" dirty="0"/>
-              <a:t>算法去对判别性能做调整。</a:t>
-            </a:r>
-            <a:r>
-              <a:rPr lang="en-US" altLang="zh-CN" sz="2800" dirty="0"/>
-              <a:t>DBNs</a:t>
-            </a:r>
-            <a:r>
-              <a:rPr lang="zh-CN" altLang="en-US" sz="2800" dirty="0"/>
-              <a:t>的</a:t>
-            </a:r>
-            <a:r>
-              <a:rPr lang="en-US" altLang="zh-CN" sz="2800" dirty="0"/>
-              <a:t>BP</a:t>
-            </a:r>
-            <a:r>
-              <a:rPr lang="zh-CN" altLang="en-US" sz="2800" dirty="0"/>
-              <a:t>算法只需要对权值参数空间进行一个</a:t>
-            </a:r>
-            <a:r>
-              <a:rPr lang="zh-CN" altLang="en-US" sz="2800" dirty="0">
-                <a:solidFill>
-                  <a:srgbClr val="FF0000"/>
-                </a:solidFill>
-              </a:rPr>
-              <a:t>局部的搜索</a:t>
-            </a:r>
-            <a:r>
-              <a:rPr lang="zh-CN" altLang="en-US" sz="2800" dirty="0"/>
-              <a:t>，这相比前向神经网络来说，训练是要快的，而且收敛的时间也少。</a:t>
-            </a:r>
-            <a:br>
-              <a:rPr lang="en-US" altLang="zh-CN" sz="2800" dirty="0"/>
-            </a:br>
-            <a:r>
-              <a:rPr lang="zh-CN" altLang="en-US" sz="2800" dirty="0"/>
-              <a:t>（</a:t>
-            </a:r>
-            <a:r>
-              <a:rPr lang="en-US" altLang="zh-CN" sz="2800" dirty="0"/>
-              <a:t>3</a:t>
-            </a:r>
-            <a:r>
-              <a:rPr lang="zh-CN" altLang="en-US" sz="2800" dirty="0"/>
-              <a:t>）</a:t>
-            </a:r>
-            <a:r>
-              <a:rPr lang="en-US" altLang="zh-CN" sz="2800" dirty="0"/>
-              <a:t>RBM </a:t>
-            </a:r>
-            <a:r>
-              <a:rPr lang="zh-CN" altLang="en-US" sz="2800" dirty="0"/>
-              <a:t>网络训练模型的过程可以看作对一个深层 </a:t>
-            </a:r>
-            <a:r>
-              <a:rPr lang="en-US" altLang="zh-CN" sz="2800" dirty="0"/>
-              <a:t>BP </a:t>
-            </a:r>
-            <a:r>
-              <a:rPr lang="zh-CN" altLang="en-US" sz="2800" dirty="0"/>
-              <a:t>网络权值参数的</a:t>
-            </a:r>
-            <a:r>
-              <a:rPr lang="zh-CN" altLang="en-US" sz="2800" dirty="0">
-                <a:solidFill>
-                  <a:srgbClr val="FF0000"/>
-                </a:solidFill>
-              </a:rPr>
-              <a:t>初始化</a:t>
-            </a:r>
-            <a:r>
-              <a:rPr lang="zh-CN" altLang="en-US" sz="2800" dirty="0"/>
-              <a:t>，使</a:t>
-            </a:r>
-            <a:r>
-              <a:rPr lang="en-US" altLang="zh-CN" sz="2800" dirty="0"/>
-              <a:t>DBN </a:t>
-            </a:r>
-            <a:r>
-              <a:rPr lang="zh-CN" altLang="en-US" sz="2800" dirty="0"/>
-              <a:t>克服了</a:t>
-            </a:r>
-            <a:r>
-              <a:rPr lang="en-US" altLang="zh-CN" sz="2800" dirty="0"/>
-              <a:t>BP </a:t>
-            </a:r>
-            <a:r>
-              <a:rPr lang="zh-CN" altLang="en-US" sz="2800" dirty="0"/>
-              <a:t>网络因随机初始化权值参数而容易陷入局部最优和训练时间长的缺点。</a:t>
-            </a:r>
+        <p:style>
+          <a:lnRef idx="2">
+            <a:schemeClr val="accent1">
+              <a:shade val="50000"/>
+            </a:schemeClr>
+          </a:lnRef>
+          <a:fillRef idx="1">
+            <a:schemeClr val="accent1"/>
+          </a:fillRef>
+          <a:effectRef idx="0">
+            <a:schemeClr val="accent1"/>
+          </a:effectRef>
+          <a:fontRef idx="minor">
+            <a:schemeClr val="lt1"/>
+          </a:fontRef>
+        </p:style>
+        <p:txBody>
+          <a:bodyPr rtlCol="0" anchor="ctr"/>
+          <a:lstStyle/>
+          <a:p>
+            <a:pPr algn="ctr"/>
+            <a:endParaRPr lang="zh-CN" altLang="en-US"/>
           </a:p>
         </p:txBody>
       </p:sp>
     </p:spTree>
     <p:extLst>
       <p:ext uri="{BB962C8B-B14F-4D97-AF65-F5344CB8AC3E}">
-        <p14:creationId xmlns:p14="http://schemas.microsoft.com/office/powerpoint/2010/main" val="2874069049"/>
+        <p14:creationId xmlns:p14="http://schemas.microsoft.com/office/powerpoint/2010/main" val="1293064261"/>
       </p:ext>
     </p:extLst>
   </p:cSld>
@@ -6747,12 +9222,192 @@
           <a:chExt cx="0" cy="0"/>
         </a:xfrm>
       </p:grpSpPr>
+      <p:sp>
+        <p:nvSpPr>
+          <p:cNvPr id="4" name="Rectangle 5">
+            <a:extLst>
+              <a:ext uri="{FF2B5EF4-FFF2-40B4-BE49-F238E27FC236}">
+                <a16:creationId xmlns:a16="http://schemas.microsoft.com/office/drawing/2014/main" id="{4EF0652D-E2E4-46EF-B0DB-A4B8D85B8479}"/>
+              </a:ext>
+            </a:extLst>
+          </p:cNvPr>
+          <p:cNvSpPr>
+            <a:spLocks noChangeArrowheads="1"/>
+          </p:cNvSpPr>
+          <p:nvPr/>
+        </p:nvSpPr>
+        <p:spPr bwMode="auto">
+          <a:xfrm>
+            <a:off x="3335983" y="5444940"/>
+            <a:ext cx="12192000" cy="0"/>
+          </a:xfrm>
+          <a:prstGeom prst="rect">
+            <a:avLst/>
+          </a:prstGeom>
+          <a:noFill/>
+          <a:ln>
+            <a:noFill/>
+          </a:ln>
+          <a:effectLst/>
+          <a:extLst>
+            <a:ext uri="{909E8E84-426E-40DD-AFC4-6F175D3DCCD1}">
+              <a14:hiddenFill xmlns:a14="http://schemas.microsoft.com/office/drawing/2010/main">
+                <a:solidFill>
+                  <a:schemeClr val="accent1"/>
+                </a:solidFill>
+              </a14:hiddenFill>
+            </a:ext>
+            <a:ext uri="{91240B29-F687-4F45-9708-019B960494DF}">
+              <a14:hiddenLine xmlns:a14="http://schemas.microsoft.com/office/drawing/2010/main" w="9525">
+                <a:solidFill>
+                  <a:schemeClr val="tx1"/>
+                </a:solidFill>
+                <a:miter lim="800000"/>
+                <a:headEnd/>
+                <a:tailEnd/>
+              </a14:hiddenLine>
+            </a:ext>
+            <a:ext uri="{AF507438-7753-43E0-B8FC-AC1667EBCBE1}">
+              <a14:hiddenEffects xmlns:a14="http://schemas.microsoft.com/office/drawing/2010/main">
+                <a:effectLst>
+                  <a:outerShdw dist="35921" dir="2700000" algn="ctr" rotWithShape="0">
+                    <a:schemeClr val="bg2"/>
+                  </a:outerShdw>
+                </a:effectLst>
+              </a14:hiddenEffects>
+            </a:ext>
+          </a:extLst>
+        </p:spPr>
+        <p:txBody>
+          <a:bodyPr vert="horz" wrap="none" lIns="91440" tIns="45720" rIns="91440" bIns="45720" numCol="1" anchor="ctr" anchorCtr="0" compatLnSpc="1">
+            <a:prstTxWarp prst="textNoShape">
+              <a:avLst/>
+            </a:prstTxWarp>
+            <a:spAutoFit/>
+          </a:bodyPr>
+          <a:lstStyle/>
+          <a:p>
+            <a:endParaRPr lang="zh-CN" altLang="en-US"/>
+          </a:p>
+        </p:txBody>
+      </p:sp>
+      <p:sp>
+        <p:nvSpPr>
+          <p:cNvPr id="7" name="标题 3">
+            <a:extLst>
+              <a:ext uri="{FF2B5EF4-FFF2-40B4-BE49-F238E27FC236}">
+                <a16:creationId xmlns:a16="http://schemas.microsoft.com/office/drawing/2014/main" id="{C405966C-67F3-404E-B12A-6226DA809BC1}"/>
+              </a:ext>
+            </a:extLst>
+          </p:cNvPr>
+          <p:cNvSpPr txBox="1">
+            <a:spLocks/>
+          </p:cNvSpPr>
+          <p:nvPr/>
+        </p:nvSpPr>
+        <p:spPr>
+          <a:xfrm>
+            <a:off x="0" y="0"/>
+            <a:ext cx="10515600" cy="1536760"/>
+          </a:xfrm>
+          <a:prstGeom prst="rect">
+            <a:avLst/>
+          </a:prstGeom>
+        </p:spPr>
+        <p:txBody>
+          <a:bodyPr/>
+          <a:lstStyle>
+            <a:lvl1pPr algn="l" defTabSz="914400" rtl="0" eaLnBrk="1" latinLnBrk="0" hangingPunct="1">
+              <a:lnSpc>
+                <a:spcPct val="90000"/>
+              </a:lnSpc>
+              <a:spcBef>
+                <a:spcPct val="0"/>
+              </a:spcBef>
+              <a:buNone/>
+              <a:defRPr sz="4400" kern="1200">
+                <a:solidFill>
+                  <a:schemeClr val="tx1"/>
+                </a:solidFill>
+                <a:latin typeface="+mj-lt"/>
+                <a:ea typeface="+mj-ea"/>
+                <a:cs typeface="+mj-cs"/>
+              </a:defRPr>
+            </a:lvl1pPr>
+          </a:lstStyle>
+          <a:p>
+            <a:r>
+              <a:rPr lang="zh-CN" altLang="en-US" b="1" dirty="0"/>
+              <a:t>第一篇论文的创新点</a:t>
+            </a:r>
+            <a:endParaRPr lang="en-US" altLang="zh-CN" b="1" dirty="0"/>
+          </a:p>
+          <a:p>
+            <a:endParaRPr lang="en-US" altLang="zh-CN" sz="2800" b="1" dirty="0">
+              <a:latin typeface="+mn-lt"/>
+              <a:ea typeface="+mn-ea"/>
+            </a:endParaRPr>
+          </a:p>
+          <a:p>
+            <a:r>
+              <a:rPr lang="zh-CN" altLang="en-US" sz="2800" dirty="0">
+                <a:latin typeface="+mn-lt"/>
+                <a:ea typeface="+mn-ea"/>
+              </a:rPr>
+              <a:t>将</a:t>
+            </a:r>
+            <a:r>
+              <a:rPr lang="en-US" altLang="zh-CN" sz="2800" dirty="0">
+                <a:latin typeface="+mn-lt"/>
+                <a:ea typeface="+mn-ea"/>
+              </a:rPr>
+              <a:t>Sigmoid</a:t>
+            </a:r>
+            <a:r>
+              <a:rPr lang="zh-CN" altLang="en-US" sz="2800" dirty="0">
+                <a:latin typeface="+mn-lt"/>
+                <a:ea typeface="+mn-ea"/>
+              </a:rPr>
+              <a:t>与</a:t>
+            </a:r>
+            <a:r>
+              <a:rPr lang="en-US" altLang="zh-CN" sz="2800" dirty="0">
+                <a:latin typeface="+mn-lt"/>
+                <a:ea typeface="+mn-ea"/>
+              </a:rPr>
+              <a:t>Leaky-</a:t>
+            </a:r>
+            <a:r>
+              <a:rPr lang="en-US" altLang="zh-CN" sz="2800" dirty="0" err="1">
+                <a:latin typeface="+mn-lt"/>
+                <a:ea typeface="+mn-ea"/>
+              </a:rPr>
+              <a:t>ReLU</a:t>
+            </a:r>
+            <a:r>
+              <a:rPr lang="zh-CN" altLang="en-US" sz="2800" dirty="0">
+                <a:latin typeface="+mn-lt"/>
+                <a:ea typeface="+mn-ea"/>
+              </a:rPr>
+              <a:t>结合，提出了</a:t>
+            </a:r>
+            <a:r>
+              <a:rPr lang="en-US" altLang="zh-CN" sz="2800" dirty="0">
+                <a:latin typeface="+mn-lt"/>
+                <a:ea typeface="+mn-ea"/>
+              </a:rPr>
+              <a:t>Improved-Sigmoid</a:t>
+            </a:r>
+            <a:endParaRPr lang="en-US" altLang="zh-CN" dirty="0"/>
+          </a:p>
+        </p:txBody>
+      </p:sp>
       <p:pic>
         <p:nvPicPr>
-          <p:cNvPr id="2" name="图片 1">
-            <a:extLst>
-              <a:ext uri="{FF2B5EF4-FFF2-40B4-BE49-F238E27FC236}">
-                <a16:creationId xmlns:a16="http://schemas.microsoft.com/office/drawing/2014/main" id="{EA543238-346F-46FC-8A15-BA76C075D997}"/>
+          <p:cNvPr id="5" name="图片 4">
+            <a:extLst>
+              <a:ext uri="{FF2B5EF4-FFF2-40B4-BE49-F238E27FC236}">
+                <a16:creationId xmlns:a16="http://schemas.microsoft.com/office/drawing/2014/main" id="{0BBB7907-13E0-478C-A316-2757B48A2B04}"/>
               </a:ext>
             </a:extLst>
           </p:cNvPr>
@@ -6762,15 +9417,15 @@
           <p:nvPr/>
         </p:nvPicPr>
         <p:blipFill>
-          <a:blip r:embed="rId2"/>
+          <a:blip r:embed="rId3"/>
           <a:stretch>
             <a:fillRect/>
           </a:stretch>
         </p:blipFill>
         <p:spPr>
           <a:xfrm>
-            <a:off x="0" y="87456"/>
-            <a:ext cx="12192000" cy="6683088"/>
+            <a:off x="3335983" y="2088428"/>
+            <a:ext cx="4886325" cy="4048125"/>
           </a:xfrm>
           <a:prstGeom prst="rect">
             <a:avLst/>
@@ -6780,7 +9435,7 @@
     </p:spTree>
     <p:extLst>
       <p:ext uri="{BB962C8B-B14F-4D97-AF65-F5344CB8AC3E}">
-        <p14:creationId xmlns:p14="http://schemas.microsoft.com/office/powerpoint/2010/main" val="571623378"/>
+        <p14:creationId xmlns:p14="http://schemas.microsoft.com/office/powerpoint/2010/main" val="141972221"/>
       </p:ext>
     </p:extLst>
   </p:cSld>
@@ -7083,4 +9738,299 @@
     </a:ext>
   </a:extLst>
 </a:theme>
+</file>
+
+<file path=ppt/theme/theme2.xml><?xml version="1.0" encoding="utf-8"?>
+<a:theme xmlns:a="http://schemas.openxmlformats.org/drawingml/2006/main" name="Office 主题​​">
+  <a:themeElements>
+    <a:clrScheme name="Office">
+      <a:dk1>
+        <a:sysClr val="windowText" lastClr="000000"/>
+      </a:dk1>
+      <a:lt1>
+        <a:sysClr val="window" lastClr="FFFFFF"/>
+      </a:lt1>
+      <a:dk2>
+        <a:srgbClr val="44546A"/>
+      </a:dk2>
+      <a:lt2>
+        <a:srgbClr val="E7E6E6"/>
+      </a:lt2>
+      <a:accent1>
+        <a:srgbClr val="4472C4"/>
+      </a:accent1>
+      <a:accent2>
+        <a:srgbClr val="ED7D31"/>
+      </a:accent2>
+      <a:accent3>
+        <a:srgbClr val="A5A5A5"/>
+      </a:accent3>
+      <a:accent4>
+        <a:srgbClr val="FFC000"/>
+      </a:accent4>
+      <a:accent5>
+        <a:srgbClr val="5B9BD5"/>
+      </a:accent5>
+      <a:accent6>
+        <a:srgbClr val="70AD47"/>
+      </a:accent6>
+      <a:hlink>
+        <a:srgbClr val="0563C1"/>
+      </a:hlink>
+      <a:folHlink>
+        <a:srgbClr val="954F72"/>
+      </a:folHlink>
+    </a:clrScheme>
+    <a:fontScheme name="Office">
+      <a:majorFont>
+        <a:latin typeface="等线 Light" panose="020F0302020204030204"/>
+        <a:ea typeface=""/>
+        <a:cs typeface=""/>
+        <a:font script="Jpan" typeface="游ゴシック Light"/>
+        <a:font script="Hang" typeface="맑은 고딕"/>
+        <a:font script="Hans" typeface="等线 Light"/>
+        <a:font script="Hant" typeface="新細明體"/>
+        <a:font script="Arab" typeface="Times New Roman"/>
+        <a:font script="Hebr" typeface="Times New Roman"/>
+        <a:font script="Thai" typeface="Angsana New"/>
+        <a:font script="Ethi" typeface="Nyala"/>
+        <a:font script="Beng" typeface="Vrinda"/>
+        <a:font script="Gujr" typeface="Shruti"/>
+        <a:font script="Khmr" typeface="MoolBoran"/>
+        <a:font script="Knda" typeface="Tunga"/>
+        <a:font script="Guru" typeface="Raavi"/>
+        <a:font script="Cans" typeface="Euphemia"/>
+        <a:font script="Cher" typeface="Plantagenet Cherokee"/>
+        <a:font script="Yiii" typeface="Microsoft Yi Baiti"/>
+        <a:font script="Tibt" typeface="Microsoft Himalaya"/>
+        <a:font script="Thaa" typeface="MV Boli"/>
+        <a:font script="Deva" typeface="Mangal"/>
+        <a:font script="Telu" typeface="Gautami"/>
+        <a:font script="Taml" typeface="Latha"/>
+        <a:font script="Syrc" typeface="Estrangelo Edessa"/>
+        <a:font script="Orya" typeface="Kalinga"/>
+        <a:font script="Mlym" typeface="Kartika"/>
+        <a:font script="Laoo" typeface="DokChampa"/>
+        <a:font script="Sinh" typeface="Iskoola Pota"/>
+        <a:font script="Mong" typeface="Mongolian Baiti"/>
+        <a:font script="Viet" typeface="Times New Roman"/>
+        <a:font script="Uigh" typeface="Microsoft Uighur"/>
+        <a:font script="Geor" typeface="Sylfaen"/>
+        <a:font script="Armn" typeface="Arial"/>
+        <a:font script="Bugi" typeface="Leelawadee UI"/>
+        <a:font script="Bopo" typeface="Microsoft JhengHei"/>
+        <a:font script="Java" typeface="Javanese Text"/>
+        <a:font script="Lisu" typeface="Segoe UI"/>
+        <a:font script="Mymr" typeface="Myanmar Text"/>
+        <a:font script="Nkoo" typeface="Ebrima"/>
+        <a:font script="Olck" typeface="Nirmala UI"/>
+        <a:font script="Osma" typeface="Ebrima"/>
+        <a:font script="Phag" typeface="Phagspa"/>
+        <a:font script="Syrn" typeface="Estrangelo Edessa"/>
+        <a:font script="Syrj" typeface="Estrangelo Edessa"/>
+        <a:font script="Syre" typeface="Estrangelo Edessa"/>
+        <a:font script="Sora" typeface="Nirmala UI"/>
+        <a:font script="Tale" typeface="Microsoft Tai Le"/>
+        <a:font script="Talu" typeface="Microsoft New Tai Lue"/>
+        <a:font script="Tfng" typeface="Ebrima"/>
+      </a:majorFont>
+      <a:minorFont>
+        <a:latin typeface="等线" panose="020F0502020204030204"/>
+        <a:ea typeface=""/>
+        <a:cs typeface=""/>
+        <a:font script="Jpan" typeface="游ゴシック"/>
+        <a:font script="Hang" typeface="맑은 고딕"/>
+        <a:font script="Hans" typeface="等线"/>
+        <a:font script="Hant" typeface="新細明體"/>
+        <a:font script="Arab" typeface="Arial"/>
+        <a:font script="Hebr" typeface="Arial"/>
+        <a:font script="Thai" typeface="Cordia New"/>
+        <a:font script="Ethi" typeface="Nyala"/>
+        <a:font script="Beng" typeface="Vrinda"/>
+        <a:font script="Gujr" typeface="Shruti"/>
+        <a:font script="Khmr" typeface="DaunPenh"/>
+        <a:font script="Knda" typeface="Tunga"/>
+        <a:font script="Guru" typeface="Raavi"/>
+        <a:font script="Cans" typeface="Euphemia"/>
+        <a:font script="Cher" typeface="Plantagenet Cherokee"/>
+        <a:font script="Yiii" typeface="Microsoft Yi Baiti"/>
+        <a:font script="Tibt" typeface="Microsoft Himalaya"/>
+        <a:font script="Thaa" typeface="MV Boli"/>
+        <a:font script="Deva" typeface="Mangal"/>
+        <a:font script="Telu" typeface="Gautami"/>
+        <a:font script="Taml" typeface="Latha"/>
+        <a:font script="Syrc" typeface="Estrangelo Edessa"/>
+        <a:font script="Orya" typeface="Kalinga"/>
+        <a:font script="Mlym" typeface="Kartika"/>
+        <a:font script="Laoo" typeface="DokChampa"/>
+        <a:font script="Sinh" typeface="Iskoola Pota"/>
+        <a:font script="Mong" typeface="Mongolian Baiti"/>
+        <a:font script="Viet" typeface="Arial"/>
+        <a:font script="Uigh" typeface="Microsoft Uighur"/>
+        <a:font script="Geor" typeface="Sylfaen"/>
+        <a:font script="Armn" typeface="Arial"/>
+        <a:font script="Bugi" typeface="Leelawadee UI"/>
+        <a:font script="Bopo" typeface="Microsoft JhengHei"/>
+        <a:font script="Java" typeface="Javanese Text"/>
+        <a:font script="Lisu" typeface="Segoe UI"/>
+        <a:font script="Mymr" typeface="Myanmar Text"/>
+        <a:font script="Nkoo" typeface="Ebrima"/>
+        <a:font script="Olck" typeface="Nirmala UI"/>
+        <a:font script="Osma" typeface="Ebrima"/>
+        <a:font script="Phag" typeface="Phagspa"/>
+        <a:font script="Syrn" typeface="Estrangelo Edessa"/>
+        <a:font script="Syrj" typeface="Estrangelo Edessa"/>
+        <a:font script="Syre" typeface="Estrangelo Edessa"/>
+        <a:font script="Sora" typeface="Nirmala UI"/>
+        <a:font script="Tale" typeface="Microsoft Tai Le"/>
+        <a:font script="Talu" typeface="Microsoft New Tai Lue"/>
+        <a:font script="Tfng" typeface="Ebrima"/>
+      </a:minorFont>
+    </a:fontScheme>
+    <a:fmtScheme name="Office">
+      <a:fillStyleLst>
+        <a:solidFill>
+          <a:schemeClr val="phClr"/>
+        </a:solidFill>
+        <a:gradFill rotWithShape="1">
+          <a:gsLst>
+            <a:gs pos="0">
+              <a:schemeClr val="phClr">
+                <a:lumMod val="110000"/>
+                <a:satMod val="105000"/>
+                <a:tint val="67000"/>
+              </a:schemeClr>
+            </a:gs>
+            <a:gs pos="50000">
+              <a:schemeClr val="phClr">
+                <a:lumMod val="105000"/>
+                <a:satMod val="103000"/>
+                <a:tint val="73000"/>
+              </a:schemeClr>
+            </a:gs>
+            <a:gs pos="100000">
+              <a:schemeClr val="phClr">
+                <a:lumMod val="105000"/>
+                <a:satMod val="109000"/>
+                <a:tint val="81000"/>
+              </a:schemeClr>
+            </a:gs>
+          </a:gsLst>
+          <a:lin ang="5400000" scaled="0"/>
+        </a:gradFill>
+        <a:gradFill rotWithShape="1">
+          <a:gsLst>
+            <a:gs pos="0">
+              <a:schemeClr val="phClr">
+                <a:satMod val="103000"/>
+                <a:lumMod val="102000"/>
+                <a:tint val="94000"/>
+              </a:schemeClr>
+            </a:gs>
+            <a:gs pos="50000">
+              <a:schemeClr val="phClr">
+                <a:satMod val="110000"/>
+                <a:lumMod val="100000"/>
+                <a:shade val="100000"/>
+              </a:schemeClr>
+            </a:gs>
+            <a:gs pos="100000">
+              <a:schemeClr val="phClr">
+                <a:lumMod val="99000"/>
+                <a:satMod val="120000"/>
+                <a:shade val="78000"/>
+              </a:schemeClr>
+            </a:gs>
+          </a:gsLst>
+          <a:lin ang="5400000" scaled="0"/>
+        </a:gradFill>
+      </a:fillStyleLst>
+      <a:lnStyleLst>
+        <a:ln w="6350" cap="flat" cmpd="sng" algn="ctr">
+          <a:solidFill>
+            <a:schemeClr val="phClr"/>
+          </a:solidFill>
+          <a:prstDash val="solid"/>
+          <a:miter lim="800000"/>
+        </a:ln>
+        <a:ln w="12700" cap="flat" cmpd="sng" algn="ctr">
+          <a:solidFill>
+            <a:schemeClr val="phClr"/>
+          </a:solidFill>
+          <a:prstDash val="solid"/>
+          <a:miter lim="800000"/>
+        </a:ln>
+        <a:ln w="19050" cap="flat" cmpd="sng" algn="ctr">
+          <a:solidFill>
+            <a:schemeClr val="phClr"/>
+          </a:solidFill>
+          <a:prstDash val="solid"/>
+          <a:miter lim="800000"/>
+        </a:ln>
+      </a:lnStyleLst>
+      <a:effectStyleLst>
+        <a:effectStyle>
+          <a:effectLst/>
+        </a:effectStyle>
+        <a:effectStyle>
+          <a:effectLst/>
+        </a:effectStyle>
+        <a:effectStyle>
+          <a:effectLst>
+            <a:outerShdw blurRad="57150" dist="19050" dir="5400000" algn="ctr" rotWithShape="0">
+              <a:srgbClr val="000000">
+                <a:alpha val="63000"/>
+              </a:srgbClr>
+            </a:outerShdw>
+          </a:effectLst>
+        </a:effectStyle>
+      </a:effectStyleLst>
+      <a:bgFillStyleLst>
+        <a:solidFill>
+          <a:schemeClr val="phClr"/>
+        </a:solidFill>
+        <a:solidFill>
+          <a:schemeClr val="phClr">
+            <a:tint val="95000"/>
+            <a:satMod val="170000"/>
+          </a:schemeClr>
+        </a:solidFill>
+        <a:gradFill rotWithShape="1">
+          <a:gsLst>
+            <a:gs pos="0">
+              <a:schemeClr val="phClr">
+                <a:tint val="93000"/>
+                <a:satMod val="150000"/>
+                <a:shade val="98000"/>
+                <a:lumMod val="102000"/>
+              </a:schemeClr>
+            </a:gs>
+            <a:gs pos="50000">
+              <a:schemeClr val="phClr">
+                <a:tint val="98000"/>
+                <a:satMod val="130000"/>
+                <a:shade val="90000"/>
+                <a:lumMod val="103000"/>
+              </a:schemeClr>
+            </a:gs>
+            <a:gs pos="100000">
+              <a:schemeClr val="phClr">
+                <a:shade val="63000"/>
+                <a:satMod val="120000"/>
+              </a:schemeClr>
+            </a:gs>
+          </a:gsLst>
+          <a:lin ang="5400000" scaled="0"/>
+        </a:gradFill>
+      </a:bgFillStyleLst>
+    </a:fmtScheme>
+  </a:themeElements>
+  <a:objectDefaults/>
+  <a:extraClrSchemeLst/>
+  <a:extLst>
+    <a:ext uri="{05A4C25C-085E-4340-85A3-A5531E510DB2}">
+      <thm15:themeFamily xmlns:thm15="http://schemas.microsoft.com/office/thememl/2012/main" name="Office Theme" id="{62F939B6-93AF-4DB8-9C6B-D6C7DFDC589F}" vid="{4A3C46E8-61CC-4603-A589-7422A47A8E4A}"/>
+    </a:ext>
+  </a:extLst>
+</a:theme>
 </file>
--- a/Report/汇总报告.pptx
+++ b/Report/汇总报告.pptx
@@ -213,7 +213,7 @@
           <a:p>
             <a:fld id="{A3F4CBC4-C998-40F8-9EF6-006A0B9C2086}" type="datetimeFigureOut">
               <a:rPr lang="zh-CN" altLang="en-US" smtClean="0"/>
-              <a:t>2019/6/22</a:t>
+              <a:t>2019/6/23</a:t>
             </a:fld>
             <a:endParaRPr lang="zh-CN" altLang="en-US"/>
           </a:p>
@@ -964,7 +964,7 @@
                 <a:latin typeface="+mn-lt"/>
                 <a:ea typeface="+mn-ea"/>
               </a:rPr>
-              <a:t>层中使用到了样本标签之间的关系生成矩阵，并用奇异值分解提取重要的特征。</a:t>
+              <a:t>层中使用样本标签之间的关系生成矩阵，并用奇异值分解提取重要的特征。</a:t>
             </a:r>
             <a:endParaRPr lang="zh-CN" altLang="en-US" dirty="0"/>
           </a:p>
@@ -2310,7 +2310,7 @@
             </a:r>
             <a:r>
               <a:rPr lang="zh-CN" altLang="en-US" sz="1200" dirty="0"/>
-              <a:t>）通过一个</a:t>
+              <a:t>）</a:t>
             </a:r>
             <a:r>
               <a:rPr lang="zh-CN" altLang="en-US" sz="1200" dirty="0">
@@ -2322,7 +2322,7 @@
             </a:r>
             <a:r>
               <a:rPr lang="zh-CN" altLang="en-US" sz="1200" dirty="0"/>
-              <a:t>贪婪逐层方法去预训练获得生成模型的权值。（</a:t>
+              <a:t>贪婪逐层方法。（</a:t>
             </a:r>
             <a:r>
               <a:rPr lang="en-US" altLang="zh-CN" sz="1200" dirty="0"/>
@@ -2338,19 +2338,7 @@
             </a:r>
             <a:r>
               <a:rPr lang="zh-CN" altLang="en-US" sz="1200" dirty="0"/>
-              <a:t>采样使训练时间显著减少，因为只需要</a:t>
-            </a:r>
-            <a:r>
-              <a:rPr lang="zh-CN" altLang="en-US" sz="1200" dirty="0">
-                <a:solidFill>
-                  <a:srgbClr val="FF0000"/>
-                </a:solidFill>
-              </a:rPr>
-              <a:t>单个步骤</a:t>
-            </a:r>
-            <a:r>
-              <a:rPr lang="zh-CN" altLang="en-US" sz="1200" dirty="0"/>
-              <a:t>就可以接近最大似然学习。</a:t>
+              <a:t>采样使训练时间显著减少。</a:t>
             </a:r>
             <a:r>
               <a:rPr lang="en-US" altLang="zh-CN" sz="1200" dirty="0"/>
@@ -2378,7 +2366,7 @@
             </a:r>
             <a:r>
               <a:rPr lang="zh-CN" altLang="en-US" sz="1200" dirty="0"/>
-              <a:t>，这相比前向神经网络来说，训练是要快的，而且收敛的时间也少。（</a:t>
+              <a:t>，训练更快，而且收敛的时间也少。（</a:t>
             </a:r>
             <a:r>
               <a:rPr lang="en-US" altLang="zh-CN" sz="1200" dirty="0"/>
@@ -2390,15 +2378,15 @@
             </a:r>
             <a:r>
               <a:rPr lang="en-US" altLang="zh-CN" sz="1200" dirty="0"/>
-              <a:t>RBM </a:t>
+              <a:t>RBM</a:t>
             </a:r>
             <a:r>
               <a:rPr lang="zh-CN" altLang="en-US" sz="1200" dirty="0"/>
-              <a:t>网络训练模型的过程可以看作对一个深层 </a:t>
+              <a:t>可以看作对深层</a:t>
             </a:r>
             <a:r>
               <a:rPr lang="en-US" altLang="zh-CN" sz="1200" dirty="0"/>
-              <a:t>BP </a:t>
+              <a:t>BP</a:t>
             </a:r>
             <a:r>
               <a:rPr lang="zh-CN" altLang="en-US" sz="1200" dirty="0"/>
@@ -2418,7 +2406,7 @@
             </a:r>
             <a:r>
               <a:rPr lang="en-US" altLang="zh-CN" sz="1200" dirty="0"/>
-              <a:t>DBN </a:t>
+              <a:t>DBN</a:t>
             </a:r>
             <a:r>
               <a:rPr lang="zh-CN" altLang="en-US" sz="1200" dirty="0"/>
@@ -2426,11 +2414,18 @@
             </a:r>
             <a:r>
               <a:rPr lang="en-US" altLang="zh-CN" sz="1200" dirty="0"/>
-              <a:t>BP </a:t>
+              <a:t>BP</a:t>
             </a:r>
             <a:r>
               <a:rPr lang="zh-CN" altLang="en-US" sz="1200" dirty="0"/>
               <a:t>网络因随机初始化权值参数而容易陷入局部最优和训练时间长的缺点。</a:t>
+            </a:r>
+            <a:endParaRPr lang="en-US" altLang="zh-CN" sz="1200" dirty="0"/>
+          </a:p>
+          <a:p>
+            <a:r>
+              <a:rPr lang="zh-CN" altLang="en-US" sz="1200" dirty="0"/>
+              <a:t>可以根据图理解。</a:t>
             </a:r>
           </a:p>
           <a:p>
@@ -2812,13 +2807,16 @@
           <a:bodyPr/>
           <a:lstStyle/>
           <a:p>
+            <a:pPr marL="0" indent="0">
+              <a:buNone/>
+            </a:pPr>
             <a:r>
               <a:rPr lang="en-US" altLang="zh-CN" sz="1200" dirty="0"/>
               <a:t>1. Sigmoid</a:t>
             </a:r>
             <a:r>
               <a:rPr lang="zh-CN" altLang="en-US" sz="1200" dirty="0"/>
-              <a:t>函数在</a:t>
+              <a:t>在</a:t>
             </a:r>
             <a:r>
               <a:rPr lang="zh-CN" altLang="en-US" sz="1200" dirty="0">
@@ -2826,23 +2824,8 @@
                   <a:srgbClr val="FF0000"/>
                 </a:solidFill>
               </a:rPr>
-              <a:t>压缩数据“幅度”方面有优势</a:t>
-            </a:r>
-            <a:r>
-              <a:rPr lang="zh-CN" altLang="en-US" sz="1200" dirty="0"/>
-              <a:t>，对于深度网络，使用</a:t>
-            </a:r>
-            <a:r>
-              <a:rPr lang="en-US" altLang="zh-CN" sz="1200" dirty="0"/>
-              <a:t>Sigmoid</a:t>
-            </a:r>
-            <a:r>
-              <a:rPr lang="zh-CN" altLang="en-US" sz="1200" dirty="0"/>
-              <a:t>函数可以保证数据幅度不会有问题，幅度稳住后就不会有太大失误。</a:t>
-            </a:r>
-            <a:endParaRPr lang="en-US" altLang="zh-CN" sz="1200" dirty="0"/>
-          </a:p>
-          <a:p>
+              <a:t>压缩数据幅度方面有优势。</a:t>
+            </a:r>
             <a:r>
               <a:rPr lang="en-US" altLang="zh-CN" sz="1200" dirty="0"/>
               <a:t>2. </a:t>
@@ -2861,10 +2844,8 @@
             </a:r>
             <a:r>
               <a:rPr lang="zh-CN" altLang="en-US" sz="1200" dirty="0"/>
-              <a:t>，所以随着深度网络层数加深，数据的幅度会越来越大，最终影响模型的表现。</a:t>
-            </a:r>
-          </a:p>
-          <a:p>
+              <a:t>，所以随着深度网络层数加深，会影响模型的表现。</a:t>
+            </a:r>
             <a:r>
               <a:rPr lang="en-US" altLang="zh-CN" sz="1200" dirty="0"/>
               <a:t>3. Sigmoid</a:t>
@@ -2885,8 +2866,6 @@
               <a:rPr lang="zh-CN" altLang="en-US" sz="1200" dirty="0"/>
               <a:t>。</a:t>
             </a:r>
-          </a:p>
-          <a:p>
             <a:r>
               <a:rPr lang="en-US" altLang="zh-CN" sz="1200" dirty="0"/>
               <a:t>4. </a:t>
@@ -2905,77 +2884,44 @@
                   <a:srgbClr val="00B0F0"/>
                 </a:solidFill>
               </a:rPr>
-              <a:t>能够将梯度信息“完完全全”地传递到浅层网络</a:t>
+              <a:t>没有该问题</a:t>
             </a:r>
             <a:r>
               <a:rPr lang="zh-CN" altLang="en-US" sz="1200" dirty="0"/>
               <a:t>。</a:t>
             </a:r>
-          </a:p>
-          <a:p>
+            <a:endParaRPr lang="en-US" altLang="zh-CN" sz="1200" dirty="0"/>
+          </a:p>
+          <a:p>
+            <a:r>
+              <a:rPr lang="zh-CN" altLang="en-US" sz="1200" dirty="0"/>
+              <a:t>因此在文章中结合了</a:t>
+            </a:r>
             <a:r>
               <a:rPr lang="en-US" altLang="zh-CN" sz="1200" dirty="0" err="1"/>
-              <a:t>ReLU</a:t>
+              <a:t>LReL</a:t>
             </a:r>
             <a:r>
               <a:rPr lang="zh-CN" altLang="en-US" sz="1200" dirty="0"/>
               <a:t>和</a:t>
             </a:r>
             <a:r>
-              <a:rPr lang="en-US" altLang="zh-CN" sz="1200" dirty="0" err="1"/>
-              <a:t>LReLU</a:t>
+              <a:rPr lang="en-US" altLang="zh-CN" sz="1200" dirty="0"/>
+              <a:t>Sigmoid</a:t>
             </a:r>
             <a:r>
               <a:rPr lang="zh-CN" altLang="en-US" sz="1200" dirty="0"/>
-              <a:t>不适用于</a:t>
+              <a:t>。图中是</a:t>
             </a:r>
             <a:r>
               <a:rPr lang="en-US" altLang="zh-CN" sz="1200" dirty="0"/>
-              <a:t>DBN</a:t>
-            </a:r>
-            <a:r>
-              <a:rPr lang="zh-CN" altLang="en-US" sz="1200" dirty="0"/>
-              <a:t>，因为它们无法充分发挥</a:t>
-            </a:r>
-            <a:r>
-              <a:rPr lang="en-US" altLang="zh-CN" sz="1200" dirty="0"/>
-              <a:t>RBM</a:t>
-            </a:r>
-            <a:r>
-              <a:rPr lang="zh-CN" altLang="en-US" sz="1200" dirty="0"/>
-              <a:t>预训练的作用。</a:t>
-            </a:r>
-          </a:p>
-          <a:p>
-            <a:r>
-              <a:rPr lang="zh-CN" altLang="en-US" sz="1200" dirty="0"/>
-              <a:t>因此在文章中结合了</a:t>
-            </a:r>
-            <a:r>
-              <a:rPr lang="en-US" altLang="zh-CN" sz="1200" dirty="0" err="1"/>
-              <a:t>LReL</a:t>
+              <a:t>Sigmoid</a:t>
             </a:r>
             <a:r>
               <a:rPr lang="zh-CN" altLang="en-US" sz="1200" dirty="0"/>
               <a:t>和</a:t>
             </a:r>
             <a:r>
-              <a:rPr lang="en-US" altLang="zh-CN" sz="1200" dirty="0"/>
-              <a:t>Sigmoid</a:t>
-            </a:r>
-            <a:r>
-              <a:rPr lang="zh-CN" altLang="en-US" sz="1200" dirty="0"/>
-              <a:t>，图中是</a:t>
-            </a:r>
-            <a:r>
-              <a:rPr lang="en-US" altLang="zh-CN" sz="1200" dirty="0"/>
-              <a:t>Sigmoid</a:t>
-            </a:r>
-            <a:r>
-              <a:rPr lang="zh-CN" altLang="en-US" sz="1200" dirty="0"/>
-              <a:t>和</a:t>
-            </a:r>
-            <a:r>
               <a:rPr lang="en-US" altLang="zh-CN" sz="1200" dirty="0" err="1"/>
               <a:t>Isigmoid</a:t>
             </a:r>
@@ -2997,7 +2943,7 @@
             </a:r>
             <a:r>
               <a:rPr lang="zh-CN" altLang="en-US" sz="1200" dirty="0"/>
-              <a:t>可以使权重偏置的变化更大，那么收敛就能更快，并减少了梯度消失的情况。</a:t>
+              <a:t>可以使权值参数的变化更大，那么收敛就能更快，并减少了梯度消失的情况。</a:t>
             </a:r>
           </a:p>
           <a:p>
@@ -3188,7 +3134,7 @@
           <a:p>
             <a:fld id="{517B7516-F1BE-4132-A57F-1F7122AAACF9}" type="datetimeFigureOut">
               <a:rPr lang="zh-CN" altLang="en-US" smtClean="0"/>
-              <a:t>2019/6/22</a:t>
+              <a:t>2019/6/23</a:t>
             </a:fld>
             <a:endParaRPr lang="zh-CN" altLang="en-US"/>
           </a:p>
@@ -3386,7 +3332,7 @@
           <a:p>
             <a:fld id="{517B7516-F1BE-4132-A57F-1F7122AAACF9}" type="datetimeFigureOut">
               <a:rPr lang="zh-CN" altLang="en-US" smtClean="0"/>
-              <a:t>2019/6/22</a:t>
+              <a:t>2019/6/23</a:t>
             </a:fld>
             <a:endParaRPr lang="zh-CN" altLang="en-US"/>
           </a:p>
@@ -3594,7 +3540,7 @@
           <a:p>
             <a:fld id="{517B7516-F1BE-4132-A57F-1F7122AAACF9}" type="datetimeFigureOut">
               <a:rPr lang="zh-CN" altLang="en-US" smtClean="0"/>
-              <a:t>2019/6/22</a:t>
+              <a:t>2019/6/23</a:t>
             </a:fld>
             <a:endParaRPr lang="zh-CN" altLang="en-US"/>
           </a:p>
@@ -3792,7 +3738,7 @@
           <a:p>
             <a:fld id="{517B7516-F1BE-4132-A57F-1F7122AAACF9}" type="datetimeFigureOut">
               <a:rPr lang="zh-CN" altLang="en-US" smtClean="0"/>
-              <a:t>2019/6/22</a:t>
+              <a:t>2019/6/23</a:t>
             </a:fld>
             <a:endParaRPr lang="zh-CN" altLang="en-US"/>
           </a:p>
@@ -4067,7 +4013,7 @@
           <a:p>
             <a:fld id="{517B7516-F1BE-4132-A57F-1F7122AAACF9}" type="datetimeFigureOut">
               <a:rPr lang="zh-CN" altLang="en-US" smtClean="0"/>
-              <a:t>2019/6/22</a:t>
+              <a:t>2019/6/23</a:t>
             </a:fld>
             <a:endParaRPr lang="zh-CN" altLang="en-US"/>
           </a:p>
@@ -4332,7 +4278,7 @@
           <a:p>
             <a:fld id="{517B7516-F1BE-4132-A57F-1F7122AAACF9}" type="datetimeFigureOut">
               <a:rPr lang="zh-CN" altLang="en-US" smtClean="0"/>
-              <a:t>2019/6/22</a:t>
+              <a:t>2019/6/23</a:t>
             </a:fld>
             <a:endParaRPr lang="zh-CN" altLang="en-US"/>
           </a:p>
@@ -4744,7 +4690,7 @@
           <a:p>
             <a:fld id="{517B7516-F1BE-4132-A57F-1F7122AAACF9}" type="datetimeFigureOut">
               <a:rPr lang="zh-CN" altLang="en-US" smtClean="0"/>
-              <a:t>2019/6/22</a:t>
+              <a:t>2019/6/23</a:t>
             </a:fld>
             <a:endParaRPr lang="zh-CN" altLang="en-US"/>
           </a:p>
@@ -4885,7 +4831,7 @@
           <a:p>
             <a:fld id="{517B7516-F1BE-4132-A57F-1F7122AAACF9}" type="datetimeFigureOut">
               <a:rPr lang="zh-CN" altLang="en-US" smtClean="0"/>
-              <a:t>2019/6/22</a:t>
+              <a:t>2019/6/23</a:t>
             </a:fld>
             <a:endParaRPr lang="zh-CN" altLang="en-US"/>
           </a:p>
@@ -4998,7 +4944,7 @@
           <a:p>
             <a:fld id="{517B7516-F1BE-4132-A57F-1F7122AAACF9}" type="datetimeFigureOut">
               <a:rPr lang="zh-CN" altLang="en-US" smtClean="0"/>
-              <a:t>2019/6/22</a:t>
+              <a:t>2019/6/23</a:t>
             </a:fld>
             <a:endParaRPr lang="zh-CN" altLang="en-US"/>
           </a:p>
@@ -5309,7 +5255,7 @@
           <a:p>
             <a:fld id="{517B7516-F1BE-4132-A57F-1F7122AAACF9}" type="datetimeFigureOut">
               <a:rPr lang="zh-CN" altLang="en-US" smtClean="0"/>
-              <a:t>2019/6/22</a:t>
+              <a:t>2019/6/23</a:t>
             </a:fld>
             <a:endParaRPr lang="zh-CN" altLang="en-US"/>
           </a:p>
@@ -5597,7 +5543,7 @@
           <a:p>
             <a:fld id="{517B7516-F1BE-4132-A57F-1F7122AAACF9}" type="datetimeFigureOut">
               <a:rPr lang="zh-CN" altLang="en-US" smtClean="0"/>
-              <a:t>2019/6/22</a:t>
+              <a:t>2019/6/23</a:t>
             </a:fld>
             <a:endParaRPr lang="zh-CN" altLang="en-US"/>
           </a:p>
@@ -5838,7 +5784,7 @@
           <a:p>
             <a:fld id="{517B7516-F1BE-4132-A57F-1F7122AAACF9}" type="datetimeFigureOut">
               <a:rPr lang="zh-CN" altLang="en-US" smtClean="0"/>
-              <a:t>2019/6/22</a:t>
+              <a:t>2019/6/23</a:t>
             </a:fld>
             <a:endParaRPr lang="zh-CN" altLang="en-US"/>
           </a:p>
@@ -7293,7 +7239,7 @@
                   <a:srgbClr val="FF0000"/>
                 </a:solidFill>
               </a:rPr>
-              <a:t>要求：</a:t>
+              <a:t>任务：</a:t>
             </a:r>
             <a:endParaRPr lang="en-US" altLang="zh-CN" sz="2400" dirty="0">
               <a:solidFill>
@@ -7304,7 +7250,7 @@
           <a:p>
             <a:r>
               <a:rPr lang="zh-CN" altLang="en-US" sz="2400" dirty="0"/>
-              <a:t>使用深度置信网，对选定的数据集进行数据融合处理，得到最终融合诊断结果。</a:t>
+              <a:t>使用深度置信网，对选定的数据集进行特征级融合，并得到最终的分类结果。</a:t>
             </a:r>
             <a:endParaRPr lang="en-US" altLang="zh-CN" sz="2400" dirty="0"/>
           </a:p>

--- a/Report/汇总报告.pptx
+++ b/Report/汇总报告.pptx
@@ -213,7 +213,7 @@
           <a:p>
             <a:fld id="{A3F4CBC4-C998-40F8-9EF6-006A0B9C2086}" type="datetimeFigureOut">
               <a:rPr lang="zh-CN" altLang="en-US" smtClean="0"/>
-              <a:t>2019/6/23</a:t>
+              <a:t>2019/6/26</a:t>
             </a:fld>
             <a:endParaRPr lang="zh-CN" altLang="en-US"/>
           </a:p>
@@ -1229,7 +1229,7 @@
             </a:r>
             <a:r>
               <a:rPr lang="zh-CN" altLang="en-US" dirty="0"/>
-              <a:t>更慢。在原本的论文中，并没有提及收敛速度的部分，我觉得这可能与数据集有关。但是</a:t>
+              <a:t>更慢。在原本的论文中，并没有提及收敛速度的部分，我觉得这可能与数据集有关，也可能是调参不够充分。但是</a:t>
             </a:r>
             <a:r>
               <a:rPr lang="en-US" altLang="zh-CN" dirty="0"/>
@@ -3134,7 +3134,7 @@
           <a:p>
             <a:fld id="{517B7516-F1BE-4132-A57F-1F7122AAACF9}" type="datetimeFigureOut">
               <a:rPr lang="zh-CN" altLang="en-US" smtClean="0"/>
-              <a:t>2019/6/23</a:t>
+              <a:t>2019/6/26</a:t>
             </a:fld>
             <a:endParaRPr lang="zh-CN" altLang="en-US"/>
           </a:p>
@@ -3332,7 +3332,7 @@
           <a:p>
             <a:fld id="{517B7516-F1BE-4132-A57F-1F7122AAACF9}" type="datetimeFigureOut">
               <a:rPr lang="zh-CN" altLang="en-US" smtClean="0"/>
-              <a:t>2019/6/23</a:t>
+              <a:t>2019/6/26</a:t>
             </a:fld>
             <a:endParaRPr lang="zh-CN" altLang="en-US"/>
           </a:p>
@@ -3540,7 +3540,7 @@
           <a:p>
             <a:fld id="{517B7516-F1BE-4132-A57F-1F7122AAACF9}" type="datetimeFigureOut">
               <a:rPr lang="zh-CN" altLang="en-US" smtClean="0"/>
-              <a:t>2019/6/23</a:t>
+              <a:t>2019/6/26</a:t>
             </a:fld>
             <a:endParaRPr lang="zh-CN" altLang="en-US"/>
           </a:p>
@@ -3738,7 +3738,7 @@
           <a:p>
             <a:fld id="{517B7516-F1BE-4132-A57F-1F7122AAACF9}" type="datetimeFigureOut">
               <a:rPr lang="zh-CN" altLang="en-US" smtClean="0"/>
-              <a:t>2019/6/23</a:t>
+              <a:t>2019/6/26</a:t>
             </a:fld>
             <a:endParaRPr lang="zh-CN" altLang="en-US"/>
           </a:p>
@@ -4013,7 +4013,7 @@
           <a:p>
             <a:fld id="{517B7516-F1BE-4132-A57F-1F7122AAACF9}" type="datetimeFigureOut">
               <a:rPr lang="zh-CN" altLang="en-US" smtClean="0"/>
-              <a:t>2019/6/23</a:t>
+              <a:t>2019/6/26</a:t>
             </a:fld>
             <a:endParaRPr lang="zh-CN" altLang="en-US"/>
           </a:p>
@@ -4278,7 +4278,7 @@
           <a:p>
             <a:fld id="{517B7516-F1BE-4132-A57F-1F7122AAACF9}" type="datetimeFigureOut">
               <a:rPr lang="zh-CN" altLang="en-US" smtClean="0"/>
-              <a:t>2019/6/23</a:t>
+              <a:t>2019/6/26</a:t>
             </a:fld>
             <a:endParaRPr lang="zh-CN" altLang="en-US"/>
           </a:p>
@@ -4690,7 +4690,7 @@
           <a:p>
             <a:fld id="{517B7516-F1BE-4132-A57F-1F7122AAACF9}" type="datetimeFigureOut">
               <a:rPr lang="zh-CN" altLang="en-US" smtClean="0"/>
-              <a:t>2019/6/23</a:t>
+              <a:t>2019/6/26</a:t>
             </a:fld>
             <a:endParaRPr lang="zh-CN" altLang="en-US"/>
           </a:p>
@@ -4831,7 +4831,7 @@
           <a:p>
             <a:fld id="{517B7516-F1BE-4132-A57F-1F7122AAACF9}" type="datetimeFigureOut">
               <a:rPr lang="zh-CN" altLang="en-US" smtClean="0"/>
-              <a:t>2019/6/23</a:t>
+              <a:t>2019/6/26</a:t>
             </a:fld>
             <a:endParaRPr lang="zh-CN" altLang="en-US"/>
           </a:p>
@@ -4944,7 +4944,7 @@
           <a:p>
             <a:fld id="{517B7516-F1BE-4132-A57F-1F7122AAACF9}" type="datetimeFigureOut">
               <a:rPr lang="zh-CN" altLang="en-US" smtClean="0"/>
-              <a:t>2019/6/23</a:t>
+              <a:t>2019/6/26</a:t>
             </a:fld>
             <a:endParaRPr lang="zh-CN" altLang="en-US"/>
           </a:p>
@@ -5255,7 +5255,7 @@
           <a:p>
             <a:fld id="{517B7516-F1BE-4132-A57F-1F7122AAACF9}" type="datetimeFigureOut">
               <a:rPr lang="zh-CN" altLang="en-US" smtClean="0"/>
-              <a:t>2019/6/23</a:t>
+              <a:t>2019/6/26</a:t>
             </a:fld>
             <a:endParaRPr lang="zh-CN" altLang="en-US"/>
           </a:p>
@@ -5543,7 +5543,7 @@
           <a:p>
             <a:fld id="{517B7516-F1BE-4132-A57F-1F7122AAACF9}" type="datetimeFigureOut">
               <a:rPr lang="zh-CN" altLang="en-US" smtClean="0"/>
-              <a:t>2019/6/23</a:t>
+              <a:t>2019/6/26</a:t>
             </a:fld>
             <a:endParaRPr lang="zh-CN" altLang="en-US"/>
           </a:p>
@@ -5784,7 +5784,7 @@
           <a:p>
             <a:fld id="{517B7516-F1BE-4132-A57F-1F7122AAACF9}" type="datetimeFigureOut">
               <a:rPr lang="zh-CN" altLang="en-US" smtClean="0"/>
-              <a:t>2019/6/23</a:t>
+              <a:t>2019/6/26</a:t>
             </a:fld>
             <a:endParaRPr lang="zh-CN" altLang="en-US"/>
           </a:p>
